--- a/CVA/CVA.pptx
+++ b/CVA/CVA.pptx
@@ -8,30 +8,34 @@
     <p:sldId id="256" r:id="rId2"/>
     <p:sldId id="268" r:id="rId3"/>
     <p:sldId id="269" r:id="rId4"/>
-    <p:sldId id="257" r:id="rId5"/>
-    <p:sldId id="282" r:id="rId6"/>
-    <p:sldId id="258" r:id="rId7"/>
-    <p:sldId id="259" r:id="rId8"/>
-    <p:sldId id="260" r:id="rId9"/>
-    <p:sldId id="261" r:id="rId10"/>
-    <p:sldId id="262" r:id="rId11"/>
-    <p:sldId id="263" r:id="rId12"/>
-    <p:sldId id="264" r:id="rId13"/>
-    <p:sldId id="265" r:id="rId14"/>
-    <p:sldId id="272" r:id="rId15"/>
-    <p:sldId id="273" r:id="rId16"/>
-    <p:sldId id="274" r:id="rId17"/>
-    <p:sldId id="275" r:id="rId18"/>
-    <p:sldId id="276" r:id="rId19"/>
-    <p:sldId id="266" r:id="rId20"/>
-    <p:sldId id="267" r:id="rId21"/>
-    <p:sldId id="271" r:id="rId22"/>
-    <p:sldId id="270" r:id="rId23"/>
-    <p:sldId id="277" r:id="rId24"/>
-    <p:sldId id="279" r:id="rId25"/>
-    <p:sldId id="281" r:id="rId26"/>
-    <p:sldId id="280" r:id="rId27"/>
-    <p:sldId id="283" r:id="rId28"/>
+    <p:sldId id="284" r:id="rId5"/>
+    <p:sldId id="285" r:id="rId6"/>
+    <p:sldId id="257" r:id="rId7"/>
+    <p:sldId id="282" r:id="rId8"/>
+    <p:sldId id="258" r:id="rId9"/>
+    <p:sldId id="259" r:id="rId10"/>
+    <p:sldId id="260" r:id="rId11"/>
+    <p:sldId id="261" r:id="rId12"/>
+    <p:sldId id="262" r:id="rId13"/>
+    <p:sldId id="263" r:id="rId14"/>
+    <p:sldId id="264" r:id="rId15"/>
+    <p:sldId id="265" r:id="rId16"/>
+    <p:sldId id="272" r:id="rId17"/>
+    <p:sldId id="273" r:id="rId18"/>
+    <p:sldId id="274" r:id="rId19"/>
+    <p:sldId id="275" r:id="rId20"/>
+    <p:sldId id="287" r:id="rId21"/>
+    <p:sldId id="276" r:id="rId22"/>
+    <p:sldId id="266" r:id="rId23"/>
+    <p:sldId id="267" r:id="rId24"/>
+    <p:sldId id="271" r:id="rId25"/>
+    <p:sldId id="270" r:id="rId26"/>
+    <p:sldId id="286" r:id="rId27"/>
+    <p:sldId id="277" r:id="rId28"/>
+    <p:sldId id="279" r:id="rId29"/>
+    <p:sldId id="281" r:id="rId30"/>
+    <p:sldId id="280" r:id="rId31"/>
+    <p:sldId id="283" r:id="rId32"/>
   </p:sldIdLst>
   <p:sldSz cx="9144000" cy="6858000" type="screen4x3"/>
   <p:notesSz cx="6797675" cy="9926638"/>
@@ -315,7 +319,7 @@
             <a:fld id="{0B35F1C1-72EE-453D-B9AF-AAD760D7B380}" type="datetimeFigureOut">
               <a:rPr lang="fr-FR" smtClean="0"/>
               <a:pPr/>
-              <a:t>14/12/2015</a:t>
+              <a:t>02/12/2016</a:t>
             </a:fld>
             <a:endParaRPr lang="fr-FR"/>
           </a:p>
@@ -482,7 +486,7 @@
             <a:fld id="{0B35F1C1-72EE-453D-B9AF-AAD760D7B380}" type="datetimeFigureOut">
               <a:rPr lang="fr-FR" smtClean="0"/>
               <a:pPr/>
-              <a:t>14/12/2015</a:t>
+              <a:t>02/12/2016</a:t>
             </a:fld>
             <a:endParaRPr lang="fr-FR"/>
           </a:p>
@@ -659,7 +663,7 @@
             <a:fld id="{0B35F1C1-72EE-453D-B9AF-AAD760D7B380}" type="datetimeFigureOut">
               <a:rPr lang="fr-FR" smtClean="0"/>
               <a:pPr/>
-              <a:t>14/12/2015</a:t>
+              <a:t>02/12/2016</a:t>
             </a:fld>
             <a:endParaRPr lang="fr-FR"/>
           </a:p>
@@ -826,7 +830,7 @@
             <a:fld id="{0B35F1C1-72EE-453D-B9AF-AAD760D7B380}" type="datetimeFigureOut">
               <a:rPr lang="fr-FR" smtClean="0"/>
               <a:pPr/>
-              <a:t>14/12/2015</a:t>
+              <a:t>02/12/2016</a:t>
             </a:fld>
             <a:endParaRPr lang="fr-FR"/>
           </a:p>
@@ -1069,7 +1073,7 @@
             <a:fld id="{0B35F1C1-72EE-453D-B9AF-AAD760D7B380}" type="datetimeFigureOut">
               <a:rPr lang="fr-FR" smtClean="0"/>
               <a:pPr/>
-              <a:t>14/12/2015</a:t>
+              <a:t>02/12/2016</a:t>
             </a:fld>
             <a:endParaRPr lang="fr-FR"/>
           </a:p>
@@ -1354,7 +1358,7 @@
             <a:fld id="{0B35F1C1-72EE-453D-B9AF-AAD760D7B380}" type="datetimeFigureOut">
               <a:rPr lang="fr-FR" smtClean="0"/>
               <a:pPr/>
-              <a:t>14/12/2015</a:t>
+              <a:t>02/12/2016</a:t>
             </a:fld>
             <a:endParaRPr lang="fr-FR"/>
           </a:p>
@@ -1773,7 +1777,7 @@
             <a:fld id="{0B35F1C1-72EE-453D-B9AF-AAD760D7B380}" type="datetimeFigureOut">
               <a:rPr lang="fr-FR" smtClean="0"/>
               <a:pPr/>
-              <a:t>14/12/2015</a:t>
+              <a:t>02/12/2016</a:t>
             </a:fld>
             <a:endParaRPr lang="fr-FR"/>
           </a:p>
@@ -1888,7 +1892,7 @@
             <a:fld id="{0B35F1C1-72EE-453D-B9AF-AAD760D7B380}" type="datetimeFigureOut">
               <a:rPr lang="fr-FR" smtClean="0"/>
               <a:pPr/>
-              <a:t>14/12/2015</a:t>
+              <a:t>02/12/2016</a:t>
             </a:fld>
             <a:endParaRPr lang="fr-FR"/>
           </a:p>
@@ -1980,7 +1984,7 @@
             <a:fld id="{0B35F1C1-72EE-453D-B9AF-AAD760D7B380}" type="datetimeFigureOut">
               <a:rPr lang="fr-FR" smtClean="0"/>
               <a:pPr/>
-              <a:t>14/12/2015</a:t>
+              <a:t>02/12/2016</a:t>
             </a:fld>
             <a:endParaRPr lang="fr-FR"/>
           </a:p>
@@ -2254,7 +2258,7 @@
             <a:fld id="{0B35F1C1-72EE-453D-B9AF-AAD760D7B380}" type="datetimeFigureOut">
               <a:rPr lang="fr-FR" smtClean="0"/>
               <a:pPr/>
-              <a:t>14/12/2015</a:t>
+              <a:t>02/12/2016</a:t>
             </a:fld>
             <a:endParaRPr lang="fr-FR"/>
           </a:p>
@@ -2504,7 +2508,7 @@
             <a:fld id="{0B35F1C1-72EE-453D-B9AF-AAD760D7B380}" type="datetimeFigureOut">
               <a:rPr lang="fr-FR" smtClean="0"/>
               <a:pPr/>
-              <a:t>14/12/2015</a:t>
+              <a:t>02/12/2016</a:t>
             </a:fld>
             <a:endParaRPr lang="fr-FR"/>
           </a:p>
@@ -2714,7 +2718,7 @@
             <a:fld id="{0B35F1C1-72EE-453D-B9AF-AAD760D7B380}" type="datetimeFigureOut">
               <a:rPr lang="fr-FR" smtClean="0"/>
               <a:pPr/>
-              <a:t>14/12/2015</a:t>
+              <a:t>02/12/2016</a:t>
             </a:fld>
             <a:endParaRPr lang="fr-FR"/>
           </a:p>
@@ -3150,7 +3154,15 @@
           <a:p>
             <a:r>
               <a:rPr lang="fr-FR" dirty="0" smtClean="0"/>
-              <a:t>7 Décembre 2015</a:t>
+              <a:t>5 et 6 </a:t>
+            </a:r>
+            <a:r>
+              <a:rPr lang="fr-FR" dirty="0" smtClean="0"/>
+              <a:t>Décembre </a:t>
+            </a:r>
+            <a:r>
+              <a:rPr lang="fr-FR" dirty="0" smtClean="0"/>
+              <a:t>2016</a:t>
             </a:r>
             <a:endParaRPr lang="fr-FR" dirty="0"/>
           </a:p>
@@ -3172,6 +3184,118 @@
 </file>
 
 <file path=ppt/slides/slide10.xml><?xml version="1.0" encoding="utf-8"?>
+<p:sld xmlns:a="http://schemas.openxmlformats.org/drawingml/2006/main" xmlns:r="http://schemas.openxmlformats.org/officeDocument/2006/relationships" xmlns:p="http://schemas.openxmlformats.org/presentationml/2006/main">
+  <p:cSld>
+    <p:spTree>
+      <p:nvGrpSpPr>
+        <p:cNvPr id="1" name=""/>
+        <p:cNvGrpSpPr/>
+        <p:nvPr/>
+      </p:nvGrpSpPr>
+      <p:grpSpPr>
+        <a:xfrm>
+          <a:off x="0" y="0"/>
+          <a:ext cx="0" cy="0"/>
+          <a:chOff x="0" y="0"/>
+          <a:chExt cx="0" cy="0"/>
+        </a:xfrm>
+      </p:grpSpPr>
+      <p:pic>
+        <p:nvPicPr>
+          <p:cNvPr id="2" name="Image 1" descr="SwapHedge1.jpg"/>
+          <p:cNvPicPr>
+            <a:picLocks noChangeAspect="1"/>
+          </p:cNvPicPr>
+          <p:nvPr/>
+        </p:nvPicPr>
+        <p:blipFill>
+          <a:blip r:embed="rId2" cstate="print"/>
+          <a:stretch>
+            <a:fillRect/>
+          </a:stretch>
+        </p:blipFill>
+        <p:spPr>
+          <a:xfrm>
+            <a:off x="884903" y="0"/>
+            <a:ext cx="7374194" cy="6858000"/>
+          </a:xfrm>
+          <a:prstGeom prst="rect">
+            <a:avLst/>
+          </a:prstGeom>
+        </p:spPr>
+      </p:pic>
+    </p:spTree>
+  </p:cSld>
+  <p:clrMapOvr>
+    <a:masterClrMapping/>
+  </p:clrMapOvr>
+  <p:timing>
+    <p:tnLst>
+      <p:par>
+        <p:cTn id="1" dur="indefinite" restart="never" nodeType="tmRoot"/>
+      </p:par>
+    </p:tnLst>
+  </p:timing>
+</p:sld>
+</file>
+
+<file path=ppt/slides/slide11.xml><?xml version="1.0" encoding="utf-8"?>
+<p:sld xmlns:a="http://schemas.openxmlformats.org/drawingml/2006/main" xmlns:r="http://schemas.openxmlformats.org/officeDocument/2006/relationships" xmlns:p="http://schemas.openxmlformats.org/presentationml/2006/main">
+  <p:cSld>
+    <p:spTree>
+      <p:nvGrpSpPr>
+        <p:cNvPr id="1" name=""/>
+        <p:cNvGrpSpPr/>
+        <p:nvPr/>
+      </p:nvGrpSpPr>
+      <p:grpSpPr>
+        <a:xfrm>
+          <a:off x="0" y="0"/>
+          <a:ext cx="0" cy="0"/>
+          <a:chOff x="0" y="0"/>
+          <a:chExt cx="0" cy="0"/>
+        </a:xfrm>
+      </p:grpSpPr>
+      <p:pic>
+        <p:nvPicPr>
+          <p:cNvPr id="2" name="Image 1" descr="SwapHedge2.jpg"/>
+          <p:cNvPicPr>
+            <a:picLocks noChangeAspect="1"/>
+          </p:cNvPicPr>
+          <p:nvPr/>
+        </p:nvPicPr>
+        <p:blipFill>
+          <a:blip r:embed="rId2" cstate="print"/>
+          <a:stretch>
+            <a:fillRect/>
+          </a:stretch>
+        </p:blipFill>
+        <p:spPr>
+          <a:xfrm>
+            <a:off x="884903" y="0"/>
+            <a:ext cx="7374194" cy="6858000"/>
+          </a:xfrm>
+          <a:prstGeom prst="rect">
+            <a:avLst/>
+          </a:prstGeom>
+        </p:spPr>
+      </p:pic>
+    </p:spTree>
+  </p:cSld>
+  <p:clrMapOvr>
+    <a:masterClrMapping/>
+  </p:clrMapOvr>
+  <p:timing>
+    <p:tnLst>
+      <p:par>
+        <p:cTn id="1" dur="indefinite" restart="never" nodeType="tmRoot"/>
+      </p:par>
+    </p:tnLst>
+  </p:timing>
+</p:sld>
+</file>
+
+<file path=ppt/slides/slide12.xml><?xml version="1.0" encoding="utf-8"?>
 <p:sld xmlns:a="http://schemas.openxmlformats.org/drawingml/2006/main" xmlns:r="http://schemas.openxmlformats.org/officeDocument/2006/relationships" xmlns:p="http://schemas.openxmlformats.org/presentationml/2006/main">
   <p:cSld>
     <p:spTree>
@@ -3227,7 +3351,7 @@
 </p:sld>
 </file>
 
-<file path=ppt/slides/slide11.xml><?xml version="1.0" encoding="utf-8"?>
+<file path=ppt/slides/slide13.xml><?xml version="1.0" encoding="utf-8"?>
 <p:sld xmlns:a="http://schemas.openxmlformats.org/drawingml/2006/main" xmlns:r="http://schemas.openxmlformats.org/officeDocument/2006/relationships" xmlns:p="http://schemas.openxmlformats.org/presentationml/2006/main">
   <p:cSld>
     <p:spTree>
@@ -3283,7 +3407,7 @@
 </p:sld>
 </file>
 
-<file path=ppt/slides/slide12.xml><?xml version="1.0" encoding="utf-8"?>
+<file path=ppt/slides/slide14.xml><?xml version="1.0" encoding="utf-8"?>
 <p:sld xmlns:a="http://schemas.openxmlformats.org/drawingml/2006/main" xmlns:r="http://schemas.openxmlformats.org/officeDocument/2006/relationships" xmlns:p="http://schemas.openxmlformats.org/presentationml/2006/main">
   <p:cSld>
     <p:spTree>
@@ -3339,7 +3463,7 @@
 </p:sld>
 </file>
 
-<file path=ppt/slides/slide13.xml><?xml version="1.0" encoding="utf-8"?>
+<file path=ppt/slides/slide15.xml><?xml version="1.0" encoding="utf-8"?>
 <p:sld xmlns:a="http://schemas.openxmlformats.org/drawingml/2006/main" xmlns:r="http://schemas.openxmlformats.org/officeDocument/2006/relationships" xmlns:p="http://schemas.openxmlformats.org/presentationml/2006/main">
   <p:cSld>
     <p:spTree>
@@ -3395,140 +3519,6 @@
 </p:sld>
 </file>
 
-<file path=ppt/slides/slide14.xml><?xml version="1.0" encoding="utf-8"?>
-<p:sld xmlns:a="http://schemas.openxmlformats.org/drawingml/2006/main" xmlns:r="http://schemas.openxmlformats.org/officeDocument/2006/relationships" xmlns:p="http://schemas.openxmlformats.org/presentationml/2006/main">
-  <p:cSld>
-    <p:spTree>
-      <p:nvGrpSpPr>
-        <p:cNvPr id="1" name=""/>
-        <p:cNvGrpSpPr/>
-        <p:nvPr/>
-      </p:nvGrpSpPr>
-      <p:grpSpPr>
-        <a:xfrm>
-          <a:off x="0" y="0"/>
-          <a:ext cx="0" cy="0"/>
-          <a:chOff x="0" y="0"/>
-          <a:chExt cx="0" cy="0"/>
-        </a:xfrm>
-      </p:grpSpPr>
-      <p:pic>
-        <p:nvPicPr>
-          <p:cNvPr id="2" name="Picture 1"/>
-          <p:cNvPicPr>
-            <a:picLocks noChangeAspect="1"/>
-          </p:cNvPicPr>
-          <p:nvPr/>
-        </p:nvPicPr>
-        <p:blipFill>
-          <a:blip r:embed="rId2">
-            <a:extLst>
-              <a:ext uri="{28A0092B-C50C-407E-A947-70E740481C1C}">
-                <a14:useLocalDpi xmlns="" xmlns:a14="http://schemas.microsoft.com/office/drawing/2010/main" val="0"/>
-              </a:ext>
-            </a:extLst>
-          </a:blip>
-          <a:stretch>
-            <a:fillRect/>
-          </a:stretch>
-        </p:blipFill>
-        <p:spPr>
-          <a:xfrm>
-            <a:off x="0" y="1253423"/>
-            <a:ext cx="9144000" cy="4351153"/>
-          </a:xfrm>
-          <a:prstGeom prst="rect">
-            <a:avLst/>
-          </a:prstGeom>
-        </p:spPr>
-      </p:pic>
-    </p:spTree>
-    <p:extLst>
-      <p:ext uri="{BB962C8B-B14F-4D97-AF65-F5344CB8AC3E}">
-        <p14:creationId xmlns="" xmlns:p14="http://schemas.microsoft.com/office/powerpoint/2010/main" val="1958028056"/>
-      </p:ext>
-    </p:extLst>
-  </p:cSld>
-  <p:clrMapOvr>
-    <a:masterClrMapping/>
-  </p:clrMapOvr>
-  <p:timing>
-    <p:tnLst>
-      <p:par>
-        <p:cTn id="1" dur="indefinite" restart="never" nodeType="tmRoot"/>
-      </p:par>
-    </p:tnLst>
-  </p:timing>
-</p:sld>
-</file>
-
-<file path=ppt/slides/slide15.xml><?xml version="1.0" encoding="utf-8"?>
-<p:sld xmlns:a="http://schemas.openxmlformats.org/drawingml/2006/main" xmlns:r="http://schemas.openxmlformats.org/officeDocument/2006/relationships" xmlns:p="http://schemas.openxmlformats.org/presentationml/2006/main">
-  <p:cSld>
-    <p:spTree>
-      <p:nvGrpSpPr>
-        <p:cNvPr id="1" name=""/>
-        <p:cNvGrpSpPr/>
-        <p:nvPr/>
-      </p:nvGrpSpPr>
-      <p:grpSpPr>
-        <a:xfrm>
-          <a:off x="0" y="0"/>
-          <a:ext cx="0" cy="0"/>
-          <a:chOff x="0" y="0"/>
-          <a:chExt cx="0" cy="0"/>
-        </a:xfrm>
-      </p:grpSpPr>
-      <p:pic>
-        <p:nvPicPr>
-          <p:cNvPr id="2" name="Picture 1"/>
-          <p:cNvPicPr>
-            <a:picLocks noChangeAspect="1"/>
-          </p:cNvPicPr>
-          <p:nvPr/>
-        </p:nvPicPr>
-        <p:blipFill>
-          <a:blip r:embed="rId2">
-            <a:extLst>
-              <a:ext uri="{28A0092B-C50C-407E-A947-70E740481C1C}">
-                <a14:useLocalDpi xmlns="" xmlns:a14="http://schemas.microsoft.com/office/drawing/2010/main" val="0"/>
-              </a:ext>
-            </a:extLst>
-          </a:blip>
-          <a:stretch>
-            <a:fillRect/>
-          </a:stretch>
-        </p:blipFill>
-        <p:spPr>
-          <a:xfrm>
-            <a:off x="0" y="456520"/>
-            <a:ext cx="9144000" cy="5944959"/>
-          </a:xfrm>
-          <a:prstGeom prst="rect">
-            <a:avLst/>
-          </a:prstGeom>
-        </p:spPr>
-      </p:pic>
-    </p:spTree>
-    <p:extLst>
-      <p:ext uri="{BB962C8B-B14F-4D97-AF65-F5344CB8AC3E}">
-        <p14:creationId xmlns="" xmlns:p14="http://schemas.microsoft.com/office/powerpoint/2010/main" val="1483221737"/>
-      </p:ext>
-    </p:extLst>
-  </p:cSld>
-  <p:clrMapOvr>
-    <a:masterClrMapping/>
-  </p:clrMapOvr>
-  <p:timing>
-    <p:tnLst>
-      <p:par>
-        <p:cTn id="1" dur="indefinite" restart="never" nodeType="tmRoot"/>
-      </p:par>
-    </p:tnLst>
-  </p:timing>
-</p:sld>
-</file>
-
 <file path=ppt/slides/slide16.xml><?xml version="1.0" encoding="utf-8"?>
 <p:sld xmlns:a="http://schemas.openxmlformats.org/drawingml/2006/main" xmlns:r="http://schemas.openxmlformats.org/officeDocument/2006/relationships" xmlns:p="http://schemas.openxmlformats.org/presentationml/2006/main">
   <p:cSld>
@@ -3558,7 +3548,7 @@
           <a:blip r:embed="rId2">
             <a:extLst>
               <a:ext uri="{28A0092B-C50C-407E-A947-70E740481C1C}">
-                <a14:useLocalDpi xmlns="" xmlns:a14="http://schemas.microsoft.com/office/drawing/2010/main" val="0"/>
+                <a14:useLocalDpi xmlns:a14="http://schemas.microsoft.com/office/drawing/2010/main" val="0"/>
               </a:ext>
             </a:extLst>
           </a:blip>
@@ -3568,8 +3558,8 @@
         </p:blipFill>
         <p:spPr>
           <a:xfrm>
-            <a:off x="109537" y="342900"/>
-            <a:ext cx="8924925" cy="6172200"/>
+            <a:off x="0" y="1253423"/>
+            <a:ext cx="9144000" cy="4351153"/>
           </a:xfrm>
           <a:prstGeom prst="rect">
             <a:avLst/>
@@ -3579,7 +3569,7 @@
     </p:spTree>
     <p:extLst>
       <p:ext uri="{BB962C8B-B14F-4D97-AF65-F5344CB8AC3E}">
-        <p14:creationId xmlns="" xmlns:p14="http://schemas.microsoft.com/office/powerpoint/2010/main" val="1206653643"/>
+        <p14:creationId xmlns:p14="http://schemas.microsoft.com/office/powerpoint/2010/main" val="1958028056"/>
       </p:ext>
     </p:extLst>
   </p:cSld>
@@ -3625,7 +3615,7 @@
           <a:blip r:embed="rId2">
             <a:extLst>
               <a:ext uri="{28A0092B-C50C-407E-A947-70E740481C1C}">
-                <a14:useLocalDpi xmlns="" xmlns:a14="http://schemas.microsoft.com/office/drawing/2010/main" val="0"/>
+                <a14:useLocalDpi xmlns:a14="http://schemas.microsoft.com/office/drawing/2010/main" val="0"/>
               </a:ext>
             </a:extLst>
           </a:blip>
@@ -3635,8 +3625,8 @@
         </p:blipFill>
         <p:spPr>
           <a:xfrm>
-            <a:off x="839265" y="0"/>
-            <a:ext cx="7465469" cy="6858000"/>
+            <a:off x="0" y="456520"/>
+            <a:ext cx="9144000" cy="5944959"/>
           </a:xfrm>
           <a:prstGeom prst="rect">
             <a:avLst/>
@@ -3646,7 +3636,7 @@
     </p:spTree>
     <p:extLst>
       <p:ext uri="{BB962C8B-B14F-4D97-AF65-F5344CB8AC3E}">
-        <p14:creationId xmlns="" xmlns:p14="http://schemas.microsoft.com/office/powerpoint/2010/main" val="3428611354"/>
+        <p14:creationId xmlns:p14="http://schemas.microsoft.com/office/powerpoint/2010/main" val="1483221737"/>
       </p:ext>
     </p:extLst>
   </p:cSld>
@@ -3692,7 +3682,7 @@
           <a:blip r:embed="rId2">
             <a:extLst>
               <a:ext uri="{28A0092B-C50C-407E-A947-70E740481C1C}">
-                <a14:useLocalDpi xmlns="" xmlns:a14="http://schemas.microsoft.com/office/drawing/2010/main" val="0"/>
+                <a14:useLocalDpi xmlns:a14="http://schemas.microsoft.com/office/drawing/2010/main" val="0"/>
               </a:ext>
             </a:extLst>
           </a:blip>
@@ -3702,8 +3692,8 @@
         </p:blipFill>
         <p:spPr>
           <a:xfrm>
-            <a:off x="725214" y="0"/>
-            <a:ext cx="7693572" cy="6858000"/>
+            <a:off x="109537" y="342900"/>
+            <a:ext cx="8924925" cy="6172200"/>
           </a:xfrm>
           <a:prstGeom prst="rect">
             <a:avLst/>
@@ -3713,7 +3703,7 @@
     </p:spTree>
     <p:extLst>
       <p:ext uri="{BB962C8B-B14F-4D97-AF65-F5344CB8AC3E}">
-        <p14:creationId xmlns="" xmlns:p14="http://schemas.microsoft.com/office/powerpoint/2010/main" val="3616114210"/>
+        <p14:creationId xmlns:p14="http://schemas.microsoft.com/office/powerpoint/2010/main" val="1206653643"/>
       </p:ext>
     </p:extLst>
   </p:cSld>
@@ -3747,56 +3737,42 @@
           <a:chExt cx="0" cy="0"/>
         </a:xfrm>
       </p:grpSpPr>
-      <p:sp>
-        <p:nvSpPr>
-          <p:cNvPr id="2" name="Titre 1"/>
-          <p:cNvSpPr>
-            <a:spLocks noGrp="1"/>
-          </p:cNvSpPr>
-          <p:nvPr>
-            <p:ph type="title"/>
-          </p:nvPr>
-        </p:nvSpPr>
-        <p:spPr/>
-        <p:txBody>
-          <a:bodyPr/>
-          <a:lstStyle/>
-          <a:p>
-            <a:r>
-              <a:rPr lang="fr-FR" dirty="0" smtClean="0"/>
-              <a:t>Formule de Black &amp; </a:t>
-            </a:r>
-            <a:r>
-              <a:rPr lang="fr-FR" dirty="0" err="1" smtClean="0"/>
-              <a:t>Scholes</a:t>
-            </a:r>
-            <a:endParaRPr lang="fr-FR" dirty="0"/>
-          </a:p>
-        </p:txBody>
-      </p:sp>
-      <p:graphicFrame>
-        <p:nvGraphicFramePr>
-          <p:cNvPr id="4" name="Espace réservé du contenu 3"/>
-          <p:cNvGraphicFramePr>
-            <a:graphicFrameLocks noGrp="1" noChangeAspect="1"/>
-          </p:cNvGraphicFramePr>
-          <p:nvPr>
-            <p:ph idx="1"/>
-          </p:nvPr>
-        </p:nvGraphicFramePr>
-        <p:xfrm>
-          <a:off x="900113" y="1930400"/>
-          <a:ext cx="8058150" cy="2870200"/>
-        </p:xfrm>
-        <a:graphic>
-          <a:graphicData uri="http://schemas.openxmlformats.org/presentationml/2006/ole">
-            <p:oleObj spid="_x0000_s1031" name="Équation" r:id="rId3" imgW="3708400" imgH="1320800" progId="Equation.3">
-              <p:embed/>
-            </p:oleObj>
-          </a:graphicData>
-        </a:graphic>
-      </p:graphicFrame>
+      <p:pic>
+        <p:nvPicPr>
+          <p:cNvPr id="2" name="Picture 1"/>
+          <p:cNvPicPr>
+            <a:picLocks noChangeAspect="1"/>
+          </p:cNvPicPr>
+          <p:nvPr/>
+        </p:nvPicPr>
+        <p:blipFill>
+          <a:blip r:embed="rId2">
+            <a:extLst>
+              <a:ext uri="{28A0092B-C50C-407E-A947-70E740481C1C}">
+                <a14:useLocalDpi xmlns:a14="http://schemas.microsoft.com/office/drawing/2010/main" val="0"/>
+              </a:ext>
+            </a:extLst>
+          </a:blip>
+          <a:stretch>
+            <a:fillRect/>
+          </a:stretch>
+        </p:blipFill>
+        <p:spPr>
+          <a:xfrm>
+            <a:off x="839265" y="0"/>
+            <a:ext cx="7465469" cy="6858000"/>
+          </a:xfrm>
+          <a:prstGeom prst="rect">
+            <a:avLst/>
+          </a:prstGeom>
+        </p:spPr>
+      </p:pic>
     </p:spTree>
+    <p:extLst>
+      <p:ext uri="{BB962C8B-B14F-4D97-AF65-F5344CB8AC3E}">
+        <p14:creationId xmlns:p14="http://schemas.microsoft.com/office/powerpoint/2010/main" val="3428611354"/>
+      </p:ext>
+    </p:extLst>
   </p:cSld>
   <p:clrMapOvr>
     <a:masterClrMapping/>
@@ -3847,7 +3823,11 @@
           <a:p>
             <a:r>
               <a:rPr lang="fr-FR" dirty="0" smtClean="0"/>
-              <a:t>Matin  </a:t>
+              <a:t>Jour 1 - Matin  </a:t>
+            </a:r>
+            <a:r>
+              <a:rPr lang="fr-FR" dirty="0" smtClean="0"/>
+              <a:t/>
             </a:r>
             <a:br>
               <a:rPr lang="fr-FR" dirty="0" smtClean="0"/>
@@ -3903,21 +3883,63 @@
                 <a:latin typeface="Arial" pitchFamily="34" charset="0"/>
                 <a:cs typeface="Arial" pitchFamily="34" charset="0"/>
               </a:rPr>
-              <a:t>Typologie des risque</a:t>
-            </a:r>
-          </a:p>
-          <a:p>
-            <a:pPr marL="514350" indent="-514350">
-              <a:buFont typeface="+mj-lt"/>
-              <a:buAutoNum type="arabicPeriod"/>
-            </a:pPr>
+              <a:t>Typologie des </a:t>
+            </a:r>
             <a:r>
               <a:rPr lang="fr-FR" sz="2400" dirty="0" smtClean="0">
                 <a:latin typeface="Arial" pitchFamily="34" charset="0"/>
                 <a:cs typeface="Arial" pitchFamily="34" charset="0"/>
               </a:rPr>
-              <a:t>Swaps de taux et leur gestion</a:t>
-            </a:r>
+              <a:t>risques</a:t>
+            </a:r>
+            <a:endParaRPr lang="fr-FR" sz="2400" dirty="0" smtClean="0">
+              <a:latin typeface="Arial" pitchFamily="34" charset="0"/>
+              <a:cs typeface="Arial" pitchFamily="34" charset="0"/>
+            </a:endParaRPr>
+          </a:p>
+          <a:p>
+            <a:pPr marL="514350" indent="-514350">
+              <a:buFont typeface="+mj-lt"/>
+              <a:buAutoNum type="arabicPeriod"/>
+            </a:pPr>
+            <a:r>
+              <a:rPr lang="fr-FR" sz="2400" dirty="0" smtClean="0">
+                <a:latin typeface="Arial" pitchFamily="34" charset="0"/>
+                <a:cs typeface="Arial" pitchFamily="34" charset="0"/>
+              </a:rPr>
+              <a:t>Swaps de taux et leur </a:t>
+            </a:r>
+            <a:r>
+              <a:rPr lang="fr-FR" sz="2400" dirty="0" smtClean="0">
+                <a:latin typeface="Arial" pitchFamily="34" charset="0"/>
+                <a:cs typeface="Arial" pitchFamily="34" charset="0"/>
+              </a:rPr>
+              <a:t>gestion</a:t>
+            </a:r>
+          </a:p>
+          <a:p>
+            <a:pPr marL="514350" indent="-514350">
+              <a:buFont typeface="+mj-lt"/>
+              <a:buAutoNum type="arabicPeriod"/>
+            </a:pPr>
+            <a:r>
+              <a:rPr lang="fr-FR" sz="2400" dirty="0" smtClean="0">
+                <a:latin typeface="Arial" pitchFamily="34" charset="0"/>
+                <a:cs typeface="Arial" pitchFamily="34" charset="0"/>
+              </a:rPr>
+              <a:t>Le </a:t>
+            </a:r>
+            <a:r>
+              <a:rPr lang="fr-FR" sz="2400" dirty="0" err="1" smtClean="0">
+                <a:latin typeface="Arial" pitchFamily="34" charset="0"/>
+                <a:cs typeface="Arial" pitchFamily="34" charset="0"/>
+              </a:rPr>
+              <a:t>Netting</a:t>
+            </a:r>
+            <a:endParaRPr lang="fr-FR" sz="2400" dirty="0" smtClean="0">
+              <a:latin typeface="Arial" pitchFamily="34" charset="0"/>
+              <a:cs typeface="Arial" pitchFamily="34" charset="0"/>
+            </a:endParaRPr>
           </a:p>
           <a:p>
             <a:pPr marL="514350" indent="-514350">
@@ -4025,52 +4047,66 @@
           <a:chExt cx="0" cy="0"/>
         </a:xfrm>
       </p:grpSpPr>
-      <p:sp>
-        <p:nvSpPr>
-          <p:cNvPr id="2" name="Titre 1"/>
-          <p:cNvSpPr>
-            <a:spLocks noGrp="1"/>
-          </p:cNvSpPr>
-          <p:nvPr>
-            <p:ph type="title"/>
-          </p:nvPr>
-        </p:nvSpPr>
-        <p:spPr/>
-        <p:txBody>
-          <a:bodyPr/>
-          <a:lstStyle/>
-          <a:p>
-            <a:r>
-              <a:rPr lang="fr-FR" dirty="0" smtClean="0"/>
-              <a:t>Formule de Bachelier</a:t>
-            </a:r>
-            <a:endParaRPr lang="fr-FR" dirty="0"/>
-          </a:p>
-        </p:txBody>
-      </p:sp>
-      <p:graphicFrame>
-        <p:nvGraphicFramePr>
-          <p:cNvPr id="4" name="Espace réservé du contenu 3"/>
-          <p:cNvGraphicFramePr>
-            <a:graphicFrameLocks noGrp="1" noChangeAspect="1"/>
-          </p:cNvGraphicFramePr>
-          <p:nvPr>
-            <p:ph idx="1"/>
-          </p:nvPr>
-        </p:nvGraphicFramePr>
-        <p:xfrm>
-          <a:off x="596900" y="2147888"/>
-          <a:ext cx="8064500" cy="2917825"/>
-        </p:xfrm>
-        <a:graphic>
-          <a:graphicData uri="http://schemas.openxmlformats.org/presentationml/2006/ole">
-            <p:oleObj spid="_x0000_s2055" name="Équation" r:id="rId3" imgW="3720960" imgH="1346040" progId="Equation.3">
-              <p:embed/>
-            </p:oleObj>
-          </a:graphicData>
-        </a:graphic>
-      </p:graphicFrame>
+      <p:pic>
+        <p:nvPicPr>
+          <p:cNvPr id="30722" name="Picture 2"/>
+          <p:cNvPicPr>
+            <a:picLocks noChangeAspect="1" noChangeArrowheads="1"/>
+          </p:cNvPicPr>
+          <p:nvPr/>
+        </p:nvPicPr>
+        <p:blipFill>
+          <a:blip r:embed="rId2">
+            <a:extLst>
+              <a:ext uri="{28A0092B-C50C-407E-A947-70E740481C1C}">
+                <a14:useLocalDpi xmlns:a14="http://schemas.microsoft.com/office/drawing/2010/main" val="0"/>
+              </a:ext>
+            </a:extLst>
+          </a:blip>
+          <a:srcRect/>
+          <a:stretch>
+            <a:fillRect/>
+          </a:stretch>
+        </p:blipFill>
+        <p:spPr bwMode="auto">
+          <a:xfrm>
+            <a:off x="700088" y="823913"/>
+            <a:ext cx="7743825" cy="5210175"/>
+          </a:xfrm>
+          <a:prstGeom prst="rect">
+            <a:avLst/>
+          </a:prstGeom>
+          <a:noFill/>
+          <a:ln>
+            <a:noFill/>
+          </a:ln>
+          <a:extLst>
+            <a:ext uri="{909E8E84-426E-40DD-AFC4-6F175D3DCCD1}">
+              <a14:hiddenFill xmlns:a14="http://schemas.microsoft.com/office/drawing/2010/main">
+                <a:solidFill>
+                  <a:schemeClr val="accent1"/>
+                </a:solidFill>
+              </a14:hiddenFill>
+            </a:ext>
+            <a:ext uri="{91240B29-F687-4F45-9708-019B960494DF}">
+              <a14:hiddenLine xmlns:a14="http://schemas.microsoft.com/office/drawing/2010/main" w="9525">
+                <a:solidFill>
+                  <a:schemeClr val="tx1"/>
+                </a:solidFill>
+                <a:miter lim="800000"/>
+                <a:headEnd/>
+                <a:tailEnd/>
+              </a14:hiddenLine>
+            </a:ext>
+          </a:extLst>
+        </p:spPr>
+      </p:pic>
     </p:spTree>
+    <p:extLst>
+      <p:ext uri="{BB962C8B-B14F-4D97-AF65-F5344CB8AC3E}">
+        <p14:creationId xmlns:p14="http://schemas.microsoft.com/office/powerpoint/2010/main" val="4158849644"/>
+      </p:ext>
+    </p:extLst>
   </p:cSld>
   <p:clrMapOvr>
     <a:masterClrMapping/>
@@ -4102,52 +4138,42 @@
           <a:chExt cx="0" cy="0"/>
         </a:xfrm>
       </p:grpSpPr>
-      <p:sp>
-        <p:nvSpPr>
-          <p:cNvPr id="2" name="Titre 1"/>
-          <p:cNvSpPr>
-            <a:spLocks noGrp="1"/>
-          </p:cNvSpPr>
-          <p:nvPr>
-            <p:ph type="title"/>
-          </p:nvPr>
-        </p:nvSpPr>
-        <p:spPr/>
-        <p:txBody>
-          <a:bodyPr/>
-          <a:lstStyle/>
-          <a:p>
-            <a:r>
-              <a:rPr lang="fr-FR" dirty="0" smtClean="0"/>
-              <a:t>Approximation</a:t>
-            </a:r>
-            <a:endParaRPr lang="fr-FR" dirty="0"/>
-          </a:p>
-        </p:txBody>
-      </p:sp>
-      <p:graphicFrame>
-        <p:nvGraphicFramePr>
-          <p:cNvPr id="4" name="Espace réservé du contenu 3"/>
-          <p:cNvGraphicFramePr>
-            <a:graphicFrameLocks noGrp="1" noChangeAspect="1"/>
-          </p:cNvGraphicFramePr>
-          <p:nvPr>
-            <p:ph idx="1"/>
-          </p:nvPr>
-        </p:nvGraphicFramePr>
-        <p:xfrm>
-          <a:off x="2214546" y="2071678"/>
-          <a:ext cx="4938731" cy="3081383"/>
-        </p:xfrm>
-        <a:graphic>
-          <a:graphicData uri="http://schemas.openxmlformats.org/presentationml/2006/ole">
-            <p:oleObj spid="_x0000_s28679" name="Équation" r:id="rId3" imgW="1384300" imgH="863600" progId="Equation.3">
-              <p:embed/>
-            </p:oleObj>
-          </a:graphicData>
-        </a:graphic>
-      </p:graphicFrame>
+      <p:pic>
+        <p:nvPicPr>
+          <p:cNvPr id="2" name="Picture 1"/>
+          <p:cNvPicPr>
+            <a:picLocks noChangeAspect="1"/>
+          </p:cNvPicPr>
+          <p:nvPr/>
+        </p:nvPicPr>
+        <p:blipFill>
+          <a:blip r:embed="rId2">
+            <a:extLst>
+              <a:ext uri="{28A0092B-C50C-407E-A947-70E740481C1C}">
+                <a14:useLocalDpi xmlns:a14="http://schemas.microsoft.com/office/drawing/2010/main" val="0"/>
+              </a:ext>
+            </a:extLst>
+          </a:blip>
+          <a:stretch>
+            <a:fillRect/>
+          </a:stretch>
+        </p:blipFill>
+        <p:spPr>
+          <a:xfrm>
+            <a:off x="725214" y="0"/>
+            <a:ext cx="7693572" cy="6858000"/>
+          </a:xfrm>
+          <a:prstGeom prst="rect">
+            <a:avLst/>
+          </a:prstGeom>
+        </p:spPr>
+      </p:pic>
     </p:spTree>
+    <p:extLst>
+      <p:ext uri="{BB962C8B-B14F-4D97-AF65-F5344CB8AC3E}">
+        <p14:creationId xmlns:p14="http://schemas.microsoft.com/office/powerpoint/2010/main" val="3616114210"/>
+      </p:ext>
+    </p:extLst>
   </p:cSld>
   <p:clrMapOvr>
     <a:masterClrMapping/>
@@ -4196,7 +4222,11 @@
           <a:p>
             <a:r>
               <a:rPr lang="fr-FR" dirty="0" smtClean="0"/>
-              <a:t>Formule de CVA Bilatérale</a:t>
+              <a:t>Formule de Black &amp; </a:t>
+            </a:r>
+            <a:r>
+              <a:rPr lang="fr-FR" dirty="0" err="1" smtClean="0"/>
+              <a:t>Scholes</a:t>
             </a:r>
             <a:endParaRPr lang="fr-FR" dirty="0"/>
           </a:p>
@@ -4213,14 +4243,64 @@
           </p:nvPr>
         </p:nvGraphicFramePr>
         <p:xfrm>
-          <a:off x="428596" y="1714488"/>
-          <a:ext cx="8241956" cy="4071966"/>
+          <a:off x="900113" y="1930400"/>
+          <a:ext cx="8058150" cy="2870200"/>
         </p:xfrm>
         <a:graphic>
           <a:graphicData uri="http://schemas.openxmlformats.org/presentationml/2006/ole">
-            <p:oleObj spid="_x0000_s27655" name="Équation" r:id="rId3" imgW="4241800" imgH="2095500" progId="Equation.3">
-              <p:embed/>
-            </p:oleObj>
+            <mc:AlternateContent xmlns:mc="http://schemas.openxmlformats.org/markup-compatibility/2006">
+              <mc:Choice xmlns:v="urn:schemas-microsoft-com:vml" Requires="v">
+                <p:oleObj spid="_x0000_s1036" name="Équation" r:id="rId3" imgW="3708400" imgH="1320800" progId="Equation.3">
+                  <p:embed/>
+                </p:oleObj>
+              </mc:Choice>
+              <mc:Fallback>
+                <p:oleObj name="Équation" r:id="rId3" imgW="3708400" imgH="1320800" progId="Equation.3">
+                  <p:embed/>
+                  <p:pic>
+                    <p:nvPicPr>
+                      <p:cNvPr id="0" name="Picture 7"/>
+                      <p:cNvPicPr>
+                        <a:picLocks noGrp="1" noChangeAspect="1" noChangeArrowheads="1"/>
+                      </p:cNvPicPr>
+                      <p:nvPr/>
+                    </p:nvPicPr>
+                    <p:blipFill>
+                      <a:blip r:embed="rId4">
+                        <a:extLst>
+                          <a:ext uri="{28A0092B-C50C-407E-A947-70E740481C1C}">
+                            <a14:useLocalDpi xmlns:a14="http://schemas.microsoft.com/office/drawing/2010/main" val="0"/>
+                          </a:ext>
+                        </a:extLst>
+                      </a:blip>
+                      <a:srcRect/>
+                      <a:stretch>
+                        <a:fillRect/>
+                      </a:stretch>
+                    </p:blipFill>
+                    <p:spPr bwMode="auto">
+                      <a:xfrm>
+                        <a:off x="900113" y="1930400"/>
+                        <a:ext cx="8058150" cy="2870200"/>
+                      </a:xfrm>
+                      <a:prstGeom prst="rect">
+                        <a:avLst/>
+                      </a:prstGeom>
+                      <a:noFill/>
+                      <a:extLst>
+                        <a:ext uri="{909E8E84-426E-40DD-AFC4-6F175D3DCCD1}">
+                          <a14:hiddenFill xmlns:a14="http://schemas.microsoft.com/office/drawing/2010/main">
+                            <a:solidFill>
+                              <a:srgbClr val="FFFFFF"/>
+                            </a:solidFill>
+                          </a14:hiddenFill>
+                        </a:ext>
+                      </a:extLst>
+                    </p:spPr>
+                  </p:pic>
+                </p:oleObj>
+              </mc:Fallback>
+            </mc:AlternateContent>
           </a:graphicData>
         </a:graphic>
       </p:graphicFrame>
@@ -4273,6 +4353,534 @@
           <a:p>
             <a:r>
               <a:rPr lang="fr-FR" dirty="0" smtClean="0"/>
+              <a:t>Formule de Bachelier</a:t>
+            </a:r>
+            <a:endParaRPr lang="fr-FR" dirty="0"/>
+          </a:p>
+        </p:txBody>
+      </p:sp>
+      <p:graphicFrame>
+        <p:nvGraphicFramePr>
+          <p:cNvPr id="4" name="Espace réservé du contenu 3"/>
+          <p:cNvGraphicFramePr>
+            <a:graphicFrameLocks noGrp="1" noChangeAspect="1"/>
+          </p:cNvGraphicFramePr>
+          <p:nvPr>
+            <p:ph idx="1"/>
+          </p:nvPr>
+        </p:nvGraphicFramePr>
+        <p:xfrm>
+          <a:off x="596900" y="2147888"/>
+          <a:ext cx="8064500" cy="2917825"/>
+        </p:xfrm>
+        <a:graphic>
+          <a:graphicData uri="http://schemas.openxmlformats.org/presentationml/2006/ole">
+            <mc:AlternateContent xmlns:mc="http://schemas.openxmlformats.org/markup-compatibility/2006">
+              <mc:Choice xmlns:v="urn:schemas-microsoft-com:vml" Requires="v">
+                <p:oleObj spid="_x0000_s2060" name="Équation" r:id="rId3" imgW="3720960" imgH="1346040" progId="Equation.3">
+                  <p:embed/>
+                </p:oleObj>
+              </mc:Choice>
+              <mc:Fallback>
+                <p:oleObj name="Équation" r:id="rId3" imgW="3720960" imgH="1346040" progId="Equation.3">
+                  <p:embed/>
+                  <p:pic>
+                    <p:nvPicPr>
+                      <p:cNvPr id="0" name="Picture 7"/>
+                      <p:cNvPicPr>
+                        <a:picLocks noGrp="1" noChangeAspect="1" noChangeArrowheads="1"/>
+                      </p:cNvPicPr>
+                      <p:nvPr/>
+                    </p:nvPicPr>
+                    <p:blipFill>
+                      <a:blip r:embed="rId4">
+                        <a:extLst>
+                          <a:ext uri="{28A0092B-C50C-407E-A947-70E740481C1C}">
+                            <a14:useLocalDpi xmlns:a14="http://schemas.microsoft.com/office/drawing/2010/main" val="0"/>
+                          </a:ext>
+                        </a:extLst>
+                      </a:blip>
+                      <a:srcRect/>
+                      <a:stretch>
+                        <a:fillRect/>
+                      </a:stretch>
+                    </p:blipFill>
+                    <p:spPr bwMode="auto">
+                      <a:xfrm>
+                        <a:off x="596900" y="2147888"/>
+                        <a:ext cx="8064500" cy="2917825"/>
+                      </a:xfrm>
+                      <a:prstGeom prst="rect">
+                        <a:avLst/>
+                      </a:prstGeom>
+                      <a:noFill/>
+                      <a:extLst>
+                        <a:ext uri="{909E8E84-426E-40DD-AFC4-6F175D3DCCD1}">
+                          <a14:hiddenFill xmlns:a14="http://schemas.microsoft.com/office/drawing/2010/main">
+                            <a:solidFill>
+                              <a:srgbClr val="FFFFFF"/>
+                            </a:solidFill>
+                          </a14:hiddenFill>
+                        </a:ext>
+                      </a:extLst>
+                    </p:spPr>
+                  </p:pic>
+                </p:oleObj>
+              </mc:Fallback>
+            </mc:AlternateContent>
+          </a:graphicData>
+        </a:graphic>
+      </p:graphicFrame>
+    </p:spTree>
+  </p:cSld>
+  <p:clrMapOvr>
+    <a:masterClrMapping/>
+  </p:clrMapOvr>
+  <p:timing>
+    <p:tnLst>
+      <p:par>
+        <p:cTn id="1" dur="indefinite" restart="never" nodeType="tmRoot"/>
+      </p:par>
+    </p:tnLst>
+  </p:timing>
+</p:sld>
+</file>
+
+<file path=ppt/slides/slide24.xml><?xml version="1.0" encoding="utf-8"?>
+<p:sld xmlns:a="http://schemas.openxmlformats.org/drawingml/2006/main" xmlns:r="http://schemas.openxmlformats.org/officeDocument/2006/relationships" xmlns:p="http://schemas.openxmlformats.org/presentationml/2006/main">
+  <p:cSld>
+    <p:spTree>
+      <p:nvGrpSpPr>
+        <p:cNvPr id="1" name=""/>
+        <p:cNvGrpSpPr/>
+        <p:nvPr/>
+      </p:nvGrpSpPr>
+      <p:grpSpPr>
+        <a:xfrm>
+          <a:off x="0" y="0"/>
+          <a:ext cx="0" cy="0"/>
+          <a:chOff x="0" y="0"/>
+          <a:chExt cx="0" cy="0"/>
+        </a:xfrm>
+      </p:grpSpPr>
+      <p:sp>
+        <p:nvSpPr>
+          <p:cNvPr id="2" name="Titre 1"/>
+          <p:cNvSpPr>
+            <a:spLocks noGrp="1"/>
+          </p:cNvSpPr>
+          <p:nvPr>
+            <p:ph type="title"/>
+          </p:nvPr>
+        </p:nvSpPr>
+        <p:spPr/>
+        <p:txBody>
+          <a:bodyPr/>
+          <a:lstStyle/>
+          <a:p>
+            <a:r>
+              <a:rPr lang="fr-FR" dirty="0" smtClean="0"/>
+              <a:t>Approximation</a:t>
+            </a:r>
+            <a:endParaRPr lang="fr-FR" dirty="0"/>
+          </a:p>
+        </p:txBody>
+      </p:sp>
+      <p:graphicFrame>
+        <p:nvGraphicFramePr>
+          <p:cNvPr id="4" name="Espace réservé du contenu 3"/>
+          <p:cNvGraphicFramePr>
+            <a:graphicFrameLocks noGrp="1" noChangeAspect="1"/>
+          </p:cNvGraphicFramePr>
+          <p:nvPr>
+            <p:ph idx="1"/>
+          </p:nvPr>
+        </p:nvGraphicFramePr>
+        <p:xfrm>
+          <a:off x="2214546" y="2071678"/>
+          <a:ext cx="4938731" cy="3081383"/>
+        </p:xfrm>
+        <a:graphic>
+          <a:graphicData uri="http://schemas.openxmlformats.org/presentationml/2006/ole">
+            <mc:AlternateContent xmlns:mc="http://schemas.openxmlformats.org/markup-compatibility/2006">
+              <mc:Choice xmlns:v="urn:schemas-microsoft-com:vml" Requires="v">
+                <p:oleObj spid="_x0000_s28684" name="Équation" r:id="rId3" imgW="1384300" imgH="863600" progId="Equation.3">
+                  <p:embed/>
+                </p:oleObj>
+              </mc:Choice>
+              <mc:Fallback>
+                <p:oleObj name="Équation" r:id="rId3" imgW="1384300" imgH="863600" progId="Equation.3">
+                  <p:embed/>
+                  <p:pic>
+                    <p:nvPicPr>
+                      <p:cNvPr id="0" name="Picture 7"/>
+                      <p:cNvPicPr>
+                        <a:picLocks noGrp="1" noChangeAspect="1" noChangeArrowheads="1"/>
+                      </p:cNvPicPr>
+                      <p:nvPr/>
+                    </p:nvPicPr>
+                    <p:blipFill>
+                      <a:blip r:embed="rId4">
+                        <a:extLst>
+                          <a:ext uri="{28A0092B-C50C-407E-A947-70E740481C1C}">
+                            <a14:useLocalDpi xmlns:a14="http://schemas.microsoft.com/office/drawing/2010/main" val="0"/>
+                          </a:ext>
+                        </a:extLst>
+                      </a:blip>
+                      <a:srcRect/>
+                      <a:stretch>
+                        <a:fillRect/>
+                      </a:stretch>
+                    </p:blipFill>
+                    <p:spPr bwMode="auto">
+                      <a:xfrm>
+                        <a:off x="2214546" y="2071678"/>
+                        <a:ext cx="4938731" cy="3081383"/>
+                      </a:xfrm>
+                      <a:prstGeom prst="rect">
+                        <a:avLst/>
+                      </a:prstGeom>
+                      <a:noFill/>
+                      <a:extLst>
+                        <a:ext uri="{909E8E84-426E-40DD-AFC4-6F175D3DCCD1}">
+                          <a14:hiddenFill xmlns:a14="http://schemas.microsoft.com/office/drawing/2010/main">
+                            <a:solidFill>
+                              <a:srgbClr val="FFFFFF"/>
+                            </a:solidFill>
+                          </a14:hiddenFill>
+                        </a:ext>
+                      </a:extLst>
+                    </p:spPr>
+                  </p:pic>
+                </p:oleObj>
+              </mc:Fallback>
+            </mc:AlternateContent>
+          </a:graphicData>
+        </a:graphic>
+      </p:graphicFrame>
+    </p:spTree>
+  </p:cSld>
+  <p:clrMapOvr>
+    <a:masterClrMapping/>
+  </p:clrMapOvr>
+  <p:timing>
+    <p:tnLst>
+      <p:par>
+        <p:cTn id="1" dur="indefinite" restart="never" nodeType="tmRoot"/>
+      </p:par>
+    </p:tnLst>
+  </p:timing>
+</p:sld>
+</file>
+
+<file path=ppt/slides/slide25.xml><?xml version="1.0" encoding="utf-8"?>
+<p:sld xmlns:a="http://schemas.openxmlformats.org/drawingml/2006/main" xmlns:r="http://schemas.openxmlformats.org/officeDocument/2006/relationships" xmlns:p="http://schemas.openxmlformats.org/presentationml/2006/main">
+  <p:cSld>
+    <p:spTree>
+      <p:nvGrpSpPr>
+        <p:cNvPr id="1" name=""/>
+        <p:cNvGrpSpPr/>
+        <p:nvPr/>
+      </p:nvGrpSpPr>
+      <p:grpSpPr>
+        <a:xfrm>
+          <a:off x="0" y="0"/>
+          <a:ext cx="0" cy="0"/>
+          <a:chOff x="0" y="0"/>
+          <a:chExt cx="0" cy="0"/>
+        </a:xfrm>
+      </p:grpSpPr>
+      <p:sp>
+        <p:nvSpPr>
+          <p:cNvPr id="2" name="Titre 1"/>
+          <p:cNvSpPr>
+            <a:spLocks noGrp="1"/>
+          </p:cNvSpPr>
+          <p:nvPr>
+            <p:ph type="title"/>
+          </p:nvPr>
+        </p:nvSpPr>
+        <p:spPr/>
+        <p:txBody>
+          <a:bodyPr/>
+          <a:lstStyle/>
+          <a:p>
+            <a:r>
+              <a:rPr lang="fr-FR" dirty="0" smtClean="0"/>
+              <a:t>Formule de CVA Bilatérale</a:t>
+            </a:r>
+            <a:endParaRPr lang="fr-FR" dirty="0"/>
+          </a:p>
+        </p:txBody>
+      </p:sp>
+      <p:graphicFrame>
+        <p:nvGraphicFramePr>
+          <p:cNvPr id="4" name="Espace réservé du contenu 3"/>
+          <p:cNvGraphicFramePr>
+            <a:graphicFrameLocks noGrp="1" noChangeAspect="1"/>
+          </p:cNvGraphicFramePr>
+          <p:nvPr>
+            <p:ph idx="1"/>
+          </p:nvPr>
+        </p:nvGraphicFramePr>
+        <p:xfrm>
+          <a:off x="428596" y="1714488"/>
+          <a:ext cx="8241956" cy="4071966"/>
+        </p:xfrm>
+        <a:graphic>
+          <a:graphicData uri="http://schemas.openxmlformats.org/presentationml/2006/ole">
+            <mc:AlternateContent xmlns:mc="http://schemas.openxmlformats.org/markup-compatibility/2006">
+              <mc:Choice xmlns:v="urn:schemas-microsoft-com:vml" Requires="v">
+                <p:oleObj spid="_x0000_s27660" name="Équation" r:id="rId3" imgW="4241800" imgH="2095500" progId="Equation.3">
+                  <p:embed/>
+                </p:oleObj>
+              </mc:Choice>
+              <mc:Fallback>
+                <p:oleObj name="Équation" r:id="rId3" imgW="4241800" imgH="2095500" progId="Equation.3">
+                  <p:embed/>
+                  <p:pic>
+                    <p:nvPicPr>
+                      <p:cNvPr id="0" name="Picture 7"/>
+                      <p:cNvPicPr>
+                        <a:picLocks noGrp="1" noChangeAspect="1" noChangeArrowheads="1"/>
+                      </p:cNvPicPr>
+                      <p:nvPr/>
+                    </p:nvPicPr>
+                    <p:blipFill>
+                      <a:blip r:embed="rId4">
+                        <a:extLst>
+                          <a:ext uri="{28A0092B-C50C-407E-A947-70E740481C1C}">
+                            <a14:useLocalDpi xmlns:a14="http://schemas.microsoft.com/office/drawing/2010/main" val="0"/>
+                          </a:ext>
+                        </a:extLst>
+                      </a:blip>
+                      <a:srcRect/>
+                      <a:stretch>
+                        <a:fillRect/>
+                      </a:stretch>
+                    </p:blipFill>
+                    <p:spPr bwMode="auto">
+                      <a:xfrm>
+                        <a:off x="428596" y="1714488"/>
+                        <a:ext cx="8241956" cy="4071966"/>
+                      </a:xfrm>
+                      <a:prstGeom prst="rect">
+                        <a:avLst/>
+                      </a:prstGeom>
+                      <a:noFill/>
+                      <a:extLst>
+                        <a:ext uri="{909E8E84-426E-40DD-AFC4-6F175D3DCCD1}">
+                          <a14:hiddenFill xmlns:a14="http://schemas.microsoft.com/office/drawing/2010/main">
+                            <a:solidFill>
+                              <a:srgbClr val="FFFFFF"/>
+                            </a:solidFill>
+                          </a14:hiddenFill>
+                        </a:ext>
+                      </a:extLst>
+                    </p:spPr>
+                  </p:pic>
+                </p:oleObj>
+              </mc:Fallback>
+            </mc:AlternateContent>
+          </a:graphicData>
+        </a:graphic>
+      </p:graphicFrame>
+    </p:spTree>
+  </p:cSld>
+  <p:clrMapOvr>
+    <a:masterClrMapping/>
+  </p:clrMapOvr>
+  <p:timing>
+    <p:tnLst>
+      <p:par>
+        <p:cTn id="1" dur="indefinite" restart="never" nodeType="tmRoot"/>
+      </p:par>
+    </p:tnLst>
+  </p:timing>
+</p:sld>
+</file>
+
+<file path=ppt/slides/slide26.xml><?xml version="1.0" encoding="utf-8"?>
+<p:sld xmlns:a="http://schemas.openxmlformats.org/drawingml/2006/main" xmlns:r="http://schemas.openxmlformats.org/officeDocument/2006/relationships" xmlns:p="http://schemas.openxmlformats.org/presentationml/2006/main">
+  <p:cSld>
+    <p:spTree>
+      <p:nvGrpSpPr>
+        <p:cNvPr id="1" name=""/>
+        <p:cNvGrpSpPr/>
+        <p:nvPr/>
+      </p:nvGrpSpPr>
+      <p:grpSpPr>
+        <a:xfrm>
+          <a:off x="0" y="0"/>
+          <a:ext cx="0" cy="0"/>
+          <a:chOff x="0" y="0"/>
+          <a:chExt cx="0" cy="0"/>
+        </a:xfrm>
+      </p:grpSpPr>
+      <p:sp>
+        <p:nvSpPr>
+          <p:cNvPr id="2" name="Titre 1"/>
+          <p:cNvSpPr>
+            <a:spLocks noGrp="1"/>
+          </p:cNvSpPr>
+          <p:nvPr>
+            <p:ph type="title"/>
+          </p:nvPr>
+        </p:nvSpPr>
+        <p:spPr/>
+        <p:txBody>
+          <a:bodyPr/>
+          <a:lstStyle/>
+          <a:p>
+            <a:r>
+              <a:rPr lang="fr-FR" dirty="0" smtClean="0"/>
+              <a:t>Le Desk </a:t>
+            </a:r>
+            <a:r>
+              <a:rPr lang="fr-FR" dirty="0" err="1" smtClean="0"/>
+              <a:t>xVA</a:t>
+            </a:r>
+            <a:endParaRPr lang="fr-FR" dirty="0"/>
+          </a:p>
+        </p:txBody>
+      </p:sp>
+      <p:sp>
+        <p:nvSpPr>
+          <p:cNvPr id="3" name="Espace réservé du contenu 2"/>
+          <p:cNvSpPr>
+            <a:spLocks noGrp="1"/>
+          </p:cNvSpPr>
+          <p:nvPr>
+            <p:ph idx="1"/>
+          </p:nvPr>
+        </p:nvSpPr>
+        <p:spPr/>
+        <p:txBody>
+          <a:bodyPr/>
+          <a:lstStyle/>
+          <a:p>
+            <a:pPr marL="514350" indent="-514350">
+              <a:buFont typeface="+mj-lt"/>
+              <a:buAutoNum type="arabicPeriod"/>
+            </a:pPr>
+            <a:r>
+              <a:rPr lang="fr-FR" dirty="0" smtClean="0"/>
+              <a:t>Quels sont ses rôles ?</a:t>
+            </a:r>
+          </a:p>
+          <a:p>
+            <a:pPr marL="514350" indent="-514350">
+              <a:buFont typeface="+mj-lt"/>
+              <a:buAutoNum type="arabicPeriod"/>
+            </a:pPr>
+            <a:r>
+              <a:rPr lang="fr-FR" dirty="0" smtClean="0"/>
+              <a:t>Quel est sont organisation ?</a:t>
+            </a:r>
+          </a:p>
+          <a:p>
+            <a:pPr marL="514350" indent="-514350">
+              <a:buFont typeface="+mj-lt"/>
+              <a:buAutoNum type="arabicPeriod"/>
+            </a:pPr>
+            <a:r>
+              <a:rPr lang="fr-FR" dirty="0" smtClean="0"/>
+              <a:t>Quels sont fonctionnalités de  son système informatique ?</a:t>
+            </a:r>
+          </a:p>
+          <a:p>
+            <a:pPr marL="514350" indent="-514350">
+              <a:buFont typeface="+mj-lt"/>
+              <a:buAutoNum type="arabicPeriod"/>
+            </a:pPr>
+            <a:r>
+              <a:rPr lang="fr-FR" dirty="0" smtClean="0"/>
+              <a:t>Quel est son mandat de risque ?</a:t>
+            </a:r>
+          </a:p>
+          <a:p>
+            <a:pPr marL="514350" indent="-514350">
+              <a:buFont typeface="+mj-lt"/>
+              <a:buAutoNum type="arabicPeriod"/>
+            </a:pPr>
+            <a:r>
+              <a:rPr lang="fr-FR" dirty="0" smtClean="0"/>
+              <a:t>Quel sont ses interaction avec les autres services: Trading, Vente, BO, </a:t>
+            </a:r>
+            <a:r>
+              <a:rPr lang="fr-FR" dirty="0" err="1" smtClean="0"/>
+              <a:t>Legal</a:t>
+            </a:r>
+            <a:r>
+              <a:rPr lang="fr-FR" dirty="0" smtClean="0"/>
+              <a:t> </a:t>
+            </a:r>
+            <a:r>
+              <a:rPr lang="fr-FR" dirty="0" err="1" smtClean="0"/>
+              <a:t>etc</a:t>
+            </a:r>
+            <a:r>
+              <a:rPr lang="fr-FR" dirty="0" smtClean="0"/>
+              <a:t> …</a:t>
+            </a:r>
+            <a:endParaRPr lang="en-US" dirty="0"/>
+          </a:p>
+        </p:txBody>
+      </p:sp>
+    </p:spTree>
+    <p:extLst>
+      <p:ext uri="{BB962C8B-B14F-4D97-AF65-F5344CB8AC3E}">
+        <p14:creationId xmlns:p14="http://schemas.microsoft.com/office/powerpoint/2010/main" val="920934505"/>
+      </p:ext>
+    </p:extLst>
+  </p:cSld>
+  <p:clrMapOvr>
+    <a:masterClrMapping/>
+  </p:clrMapOvr>
+  <p:timing>
+    <p:tnLst>
+      <p:par>
+        <p:cTn id="1" dur="indefinite" restart="never" nodeType="tmRoot"/>
+      </p:par>
+    </p:tnLst>
+  </p:timing>
+</p:sld>
+</file>
+
+<file path=ppt/slides/slide27.xml><?xml version="1.0" encoding="utf-8"?>
+<p:sld xmlns:a="http://schemas.openxmlformats.org/drawingml/2006/main" xmlns:r="http://schemas.openxmlformats.org/officeDocument/2006/relationships" xmlns:p="http://schemas.openxmlformats.org/presentationml/2006/main">
+  <p:cSld>
+    <p:spTree>
+      <p:nvGrpSpPr>
+        <p:cNvPr id="1" name=""/>
+        <p:cNvGrpSpPr/>
+        <p:nvPr/>
+      </p:nvGrpSpPr>
+      <p:grpSpPr>
+        <a:xfrm>
+          <a:off x="0" y="0"/>
+          <a:ext cx="0" cy="0"/>
+          <a:chOff x="0" y="0"/>
+          <a:chExt cx="0" cy="0"/>
+        </a:xfrm>
+      </p:grpSpPr>
+      <p:sp>
+        <p:nvSpPr>
+          <p:cNvPr id="2" name="Titre 1"/>
+          <p:cNvSpPr>
+            <a:spLocks noGrp="1"/>
+          </p:cNvSpPr>
+          <p:nvPr>
+            <p:ph type="title"/>
+          </p:nvPr>
+        </p:nvSpPr>
+        <p:spPr/>
+        <p:txBody>
+          <a:bodyPr/>
+          <a:lstStyle/>
+          <a:p>
+            <a:r>
+              <a:rPr lang="fr-FR" dirty="0" smtClean="0"/>
               <a:t>Quizz 1</a:t>
             </a:r>
             <a:endParaRPr lang="fr-FR" dirty="0"/>
@@ -4334,6 +4942,235 @@
         <p:spPr>
           <a:xfrm>
             <a:off x="323528" y="2780928"/>
+            <a:ext cx="4114800" cy="3888432"/>
+          </a:xfrm>
+          <a:prstGeom prst="rect">
+            <a:avLst/>
+          </a:prstGeom>
+        </p:spPr>
+        <p:txBody>
+          <a:bodyPr vert="horz" lIns="91440" tIns="45720" rIns="91440" bIns="45720" rtlCol="0">
+            <a:normAutofit lnSpcReduction="10000"/>
+          </a:bodyPr>
+          <a:lstStyle>
+            <a:lvl1pPr marL="342900" indent="-342900" algn="l" defTabSz="914400" rtl="0" eaLnBrk="1" latinLnBrk="0" hangingPunct="1">
+              <a:spcBef>
+                <a:spcPct val="20000"/>
+              </a:spcBef>
+              <a:buFont typeface="Arial" pitchFamily="34" charset="0"/>
+              <a:buChar char="•"/>
+              <a:defRPr sz="3200" kern="1200">
+                <a:solidFill>
+                  <a:schemeClr val="tx1"/>
+                </a:solidFill>
+                <a:latin typeface="+mn-lt"/>
+                <a:ea typeface="+mn-ea"/>
+                <a:cs typeface="+mn-cs"/>
+              </a:defRPr>
+            </a:lvl1pPr>
+            <a:lvl2pPr marL="742950" indent="-285750" algn="l" defTabSz="914400" rtl="0" eaLnBrk="1" latinLnBrk="0" hangingPunct="1">
+              <a:spcBef>
+                <a:spcPct val="20000"/>
+              </a:spcBef>
+              <a:buFont typeface="Arial" pitchFamily="34" charset="0"/>
+              <a:buChar char="–"/>
+              <a:defRPr sz="2800" kern="1200">
+                <a:solidFill>
+                  <a:schemeClr val="tx1"/>
+                </a:solidFill>
+                <a:latin typeface="+mn-lt"/>
+                <a:ea typeface="+mn-ea"/>
+                <a:cs typeface="+mn-cs"/>
+              </a:defRPr>
+            </a:lvl2pPr>
+            <a:lvl3pPr marL="1143000" indent="-228600" algn="l" defTabSz="914400" rtl="0" eaLnBrk="1" latinLnBrk="0" hangingPunct="1">
+              <a:spcBef>
+                <a:spcPct val="20000"/>
+              </a:spcBef>
+              <a:buFont typeface="Arial" pitchFamily="34" charset="0"/>
+              <a:buChar char="•"/>
+              <a:defRPr sz="2400" kern="1200">
+                <a:solidFill>
+                  <a:schemeClr val="tx1"/>
+                </a:solidFill>
+                <a:latin typeface="+mn-lt"/>
+                <a:ea typeface="+mn-ea"/>
+                <a:cs typeface="+mn-cs"/>
+              </a:defRPr>
+            </a:lvl3pPr>
+            <a:lvl4pPr marL="1600200" indent="-228600" algn="l" defTabSz="914400" rtl="0" eaLnBrk="1" latinLnBrk="0" hangingPunct="1">
+              <a:spcBef>
+                <a:spcPct val="20000"/>
+              </a:spcBef>
+              <a:buFont typeface="Arial" pitchFamily="34" charset="0"/>
+              <a:buChar char="–"/>
+              <a:defRPr sz="2000" kern="1200">
+                <a:solidFill>
+                  <a:schemeClr val="tx1"/>
+                </a:solidFill>
+                <a:latin typeface="+mn-lt"/>
+                <a:ea typeface="+mn-ea"/>
+                <a:cs typeface="+mn-cs"/>
+              </a:defRPr>
+            </a:lvl4pPr>
+            <a:lvl5pPr marL="2057400" indent="-228600" algn="l" defTabSz="914400" rtl="0" eaLnBrk="1" latinLnBrk="0" hangingPunct="1">
+              <a:spcBef>
+                <a:spcPct val="20000"/>
+              </a:spcBef>
+              <a:buFont typeface="Arial" pitchFamily="34" charset="0"/>
+              <a:buChar char="»"/>
+              <a:defRPr sz="2000" kern="1200">
+                <a:solidFill>
+                  <a:schemeClr val="tx1"/>
+                </a:solidFill>
+                <a:latin typeface="+mn-lt"/>
+                <a:ea typeface="+mn-ea"/>
+                <a:cs typeface="+mn-cs"/>
+              </a:defRPr>
+            </a:lvl5pPr>
+            <a:lvl6pPr marL="2514600" indent="-228600" algn="l" defTabSz="914400" rtl="0" eaLnBrk="1" latinLnBrk="0" hangingPunct="1">
+              <a:spcBef>
+                <a:spcPct val="20000"/>
+              </a:spcBef>
+              <a:buFont typeface="Arial" pitchFamily="34" charset="0"/>
+              <a:buChar char="•"/>
+              <a:defRPr sz="2000" kern="1200">
+                <a:solidFill>
+                  <a:schemeClr val="tx1"/>
+                </a:solidFill>
+                <a:latin typeface="+mn-lt"/>
+                <a:ea typeface="+mn-ea"/>
+                <a:cs typeface="+mn-cs"/>
+              </a:defRPr>
+            </a:lvl6pPr>
+            <a:lvl7pPr marL="2971800" indent="-228600" algn="l" defTabSz="914400" rtl="0" eaLnBrk="1" latinLnBrk="0" hangingPunct="1">
+              <a:spcBef>
+                <a:spcPct val="20000"/>
+              </a:spcBef>
+              <a:buFont typeface="Arial" pitchFamily="34" charset="0"/>
+              <a:buChar char="•"/>
+              <a:defRPr sz="2000" kern="1200">
+                <a:solidFill>
+                  <a:schemeClr val="tx1"/>
+                </a:solidFill>
+                <a:latin typeface="+mn-lt"/>
+                <a:ea typeface="+mn-ea"/>
+                <a:cs typeface="+mn-cs"/>
+              </a:defRPr>
+            </a:lvl7pPr>
+            <a:lvl8pPr marL="3429000" indent="-228600" algn="l" defTabSz="914400" rtl="0" eaLnBrk="1" latinLnBrk="0" hangingPunct="1">
+              <a:spcBef>
+                <a:spcPct val="20000"/>
+              </a:spcBef>
+              <a:buFont typeface="Arial" pitchFamily="34" charset="0"/>
+              <a:buChar char="•"/>
+              <a:defRPr sz="2000" kern="1200">
+                <a:solidFill>
+                  <a:schemeClr val="tx1"/>
+                </a:solidFill>
+                <a:latin typeface="+mn-lt"/>
+                <a:ea typeface="+mn-ea"/>
+                <a:cs typeface="+mn-cs"/>
+              </a:defRPr>
+            </a:lvl8pPr>
+            <a:lvl9pPr marL="3886200" indent="-228600" algn="l" defTabSz="914400" rtl="0" eaLnBrk="1" latinLnBrk="0" hangingPunct="1">
+              <a:spcBef>
+                <a:spcPct val="20000"/>
+              </a:spcBef>
+              <a:buFont typeface="Arial" pitchFamily="34" charset="0"/>
+              <a:buChar char="•"/>
+              <a:defRPr sz="2000" kern="1200">
+                <a:solidFill>
+                  <a:schemeClr val="tx1"/>
+                </a:solidFill>
+                <a:latin typeface="+mn-lt"/>
+                <a:ea typeface="+mn-ea"/>
+                <a:cs typeface="+mn-cs"/>
+              </a:defRPr>
+            </a:lvl9pPr>
+          </a:lstStyle>
+          <a:p>
+            <a:pPr marL="514350" indent="-514350">
+              <a:buFont typeface="+mj-lt"/>
+              <a:buAutoNum type="arabicPeriod"/>
+            </a:pPr>
+            <a:r>
+              <a:rPr lang="fr-FR" dirty="0" smtClean="0"/>
+              <a:t>Le taux fixe</a:t>
+            </a:r>
+          </a:p>
+          <a:p>
+            <a:pPr marL="514350" indent="-514350">
+              <a:buFont typeface="+mj-lt"/>
+              <a:buAutoNum type="arabicPeriod"/>
+            </a:pPr>
+            <a:r>
+              <a:rPr lang="fr-FR" dirty="0" smtClean="0"/>
+              <a:t>Le nominal</a:t>
+            </a:r>
+          </a:p>
+          <a:p>
+            <a:pPr marL="514350" indent="-514350">
+              <a:buFont typeface="+mj-lt"/>
+              <a:buAutoNum type="arabicPeriod"/>
+            </a:pPr>
+            <a:r>
+              <a:rPr lang="fr-FR" dirty="0" smtClean="0"/>
+              <a:t>La maturité</a:t>
+            </a:r>
+          </a:p>
+          <a:p>
+            <a:pPr marL="514350" indent="-514350">
+              <a:buFont typeface="+mj-lt"/>
+              <a:buAutoNum type="arabicPeriod"/>
+            </a:pPr>
+            <a:r>
+              <a:rPr lang="fr-FR" dirty="0" smtClean="0"/>
+              <a:t>Le spread de la </a:t>
+            </a:r>
+            <a:r>
+              <a:rPr lang="fr-FR" dirty="0" smtClean="0"/>
+              <a:t>contrepartie</a:t>
+            </a:r>
+          </a:p>
+          <a:p>
+            <a:pPr marL="514350" indent="-514350">
+              <a:buFont typeface="+mj-lt"/>
+              <a:buAutoNum type="arabicPeriod"/>
+            </a:pPr>
+            <a:r>
+              <a:rPr lang="fr-FR" dirty="0" smtClean="0"/>
+              <a:t>Le </a:t>
+            </a:r>
+            <a:r>
+              <a:rPr lang="fr-FR" dirty="0" err="1" smtClean="0"/>
+              <a:t>threshold</a:t>
+            </a:r>
+            <a:r>
+              <a:rPr lang="fr-FR" dirty="0" smtClean="0"/>
+              <a:t> de la contrepartie</a:t>
+            </a:r>
+          </a:p>
+          <a:p>
+            <a:pPr marL="514350" indent="-514350">
+              <a:buFont typeface="+mj-lt"/>
+              <a:buAutoNum type="arabicPeriod"/>
+            </a:pPr>
+            <a:endParaRPr lang="fr-FR" dirty="0" smtClean="0"/>
+          </a:p>
+        </p:txBody>
+      </p:sp>
+      <p:sp>
+        <p:nvSpPr>
+          <p:cNvPr id="5" name="Espace réservé du contenu 2"/>
+          <p:cNvSpPr txBox="1">
+            <a:spLocks/>
+          </p:cNvSpPr>
+          <p:nvPr/>
+        </p:nvSpPr>
+        <p:spPr>
+          <a:xfrm>
+            <a:off x="4788024" y="2852936"/>
             <a:ext cx="4114800" cy="3888432"/>
           </a:xfrm>
           <a:prstGeom prst="rect">
@@ -4484,13 +5321,331 @@
           <a:p>
             <a:pPr marL="514350" indent="-514350">
               <a:buFont typeface="+mj-lt"/>
-              <a:buAutoNum type="arabicPeriod"/>
-            </a:pPr>
-            <a:r>
-              <a:rPr lang="fr-FR" dirty="0" smtClean="0"/>
-              <a:t>Le taux fixe</a:t>
-            </a:r>
-          </a:p>
+              <a:buAutoNum type="arabicPeriod" startAt="6"/>
+            </a:pPr>
+            <a:r>
+              <a:rPr lang="fr-FR" dirty="0" smtClean="0"/>
+              <a:t>Le </a:t>
+            </a:r>
+            <a:r>
+              <a:rPr lang="fr-FR" dirty="0" err="1" smtClean="0"/>
+              <a:t>threshold</a:t>
+            </a:r>
+            <a:r>
+              <a:rPr lang="fr-FR" dirty="0" smtClean="0"/>
+              <a:t> de la banque</a:t>
+            </a:r>
+          </a:p>
+          <a:p>
+            <a:pPr marL="514350" indent="-514350">
+              <a:buFont typeface="+mj-lt"/>
+              <a:buAutoNum type="arabicPeriod" startAt="6"/>
+            </a:pPr>
+            <a:r>
+              <a:rPr lang="fr-FR" dirty="0" smtClean="0"/>
+              <a:t>La rémunération du collatéral.</a:t>
+            </a:r>
+          </a:p>
+          <a:p>
+            <a:pPr marL="514350" indent="-514350">
+              <a:buFont typeface="+mj-lt"/>
+              <a:buAutoNum type="arabicPeriod" startAt="6"/>
+            </a:pPr>
+            <a:r>
+              <a:rPr lang="fr-FR" dirty="0" smtClean="0"/>
+              <a:t>L’initial </a:t>
+            </a:r>
+            <a:r>
+              <a:rPr lang="fr-FR" dirty="0" err="1" smtClean="0"/>
+              <a:t>margin</a:t>
+            </a:r>
+            <a:endParaRPr lang="fr-FR" dirty="0" smtClean="0"/>
+          </a:p>
+          <a:p>
+            <a:pPr marL="514350" indent="-514350">
+              <a:buFont typeface="+mj-lt"/>
+              <a:buAutoNum type="arabicPeriod" startAt="6"/>
+            </a:pPr>
+            <a:r>
+              <a:rPr lang="fr-FR" dirty="0" err="1" smtClean="0"/>
+              <a:t>Etc</a:t>
+            </a:r>
+            <a:r>
+              <a:rPr lang="fr-FR" dirty="0" smtClean="0"/>
+              <a:t> …</a:t>
+            </a:r>
+          </a:p>
+          <a:p>
+            <a:pPr marL="514350" indent="-514350">
+              <a:buFont typeface="+mj-lt"/>
+              <a:buAutoNum type="arabicPeriod" startAt="6"/>
+            </a:pPr>
+            <a:endParaRPr lang="fr-FR" dirty="0" smtClean="0"/>
+          </a:p>
+        </p:txBody>
+      </p:sp>
+    </p:spTree>
+    <p:extLst>
+      <p:ext uri="{BB962C8B-B14F-4D97-AF65-F5344CB8AC3E}">
+        <p14:creationId xmlns:p14="http://schemas.microsoft.com/office/powerpoint/2010/main" val="1294119422"/>
+      </p:ext>
+    </p:extLst>
+  </p:cSld>
+  <p:clrMapOvr>
+    <a:masterClrMapping/>
+  </p:clrMapOvr>
+  <p:timing>
+    <p:tnLst>
+      <p:par>
+        <p:cTn id="1" dur="indefinite" restart="never" nodeType="tmRoot"/>
+      </p:par>
+    </p:tnLst>
+  </p:timing>
+</p:sld>
+</file>
+
+<file path=ppt/slides/slide28.xml><?xml version="1.0" encoding="utf-8"?>
+<p:sld xmlns:a="http://schemas.openxmlformats.org/drawingml/2006/main" xmlns:r="http://schemas.openxmlformats.org/officeDocument/2006/relationships" xmlns:p="http://schemas.openxmlformats.org/presentationml/2006/main">
+  <p:cSld>
+    <p:spTree>
+      <p:nvGrpSpPr>
+        <p:cNvPr id="1" name=""/>
+        <p:cNvGrpSpPr/>
+        <p:nvPr/>
+      </p:nvGrpSpPr>
+      <p:grpSpPr>
+        <a:xfrm>
+          <a:off x="0" y="0"/>
+          <a:ext cx="0" cy="0"/>
+          <a:chOff x="0" y="0"/>
+          <a:chExt cx="0" cy="0"/>
+        </a:xfrm>
+      </p:grpSpPr>
+      <p:sp>
+        <p:nvSpPr>
+          <p:cNvPr id="2" name="Titre 1"/>
+          <p:cNvSpPr>
+            <a:spLocks noGrp="1"/>
+          </p:cNvSpPr>
+          <p:nvPr>
+            <p:ph type="title"/>
+          </p:nvPr>
+        </p:nvSpPr>
+        <p:spPr/>
+        <p:txBody>
+          <a:bodyPr/>
+          <a:lstStyle/>
+          <a:p>
+            <a:r>
+              <a:rPr lang="fr-FR" dirty="0" smtClean="0"/>
+              <a:t>Quizz 2</a:t>
+            </a:r>
+            <a:endParaRPr lang="fr-FR" dirty="0"/>
+          </a:p>
+        </p:txBody>
+      </p:sp>
+      <p:sp>
+        <p:nvSpPr>
+          <p:cNvPr id="3" name="Espace réservé du contenu 2"/>
+          <p:cNvSpPr>
+            <a:spLocks noGrp="1"/>
+          </p:cNvSpPr>
+          <p:nvPr>
+            <p:ph idx="1"/>
+          </p:nvPr>
+        </p:nvSpPr>
+        <p:spPr>
+          <a:xfrm>
+            <a:off x="467544" y="1556792"/>
+            <a:ext cx="8229600" cy="1224136"/>
+          </a:xfrm>
+        </p:spPr>
+        <p:txBody>
+          <a:bodyPr/>
+          <a:lstStyle/>
+          <a:p>
+            <a:pPr>
+              <a:buNone/>
+            </a:pPr>
+            <a:r>
+              <a:rPr lang="fr-FR" dirty="0" smtClean="0"/>
+              <a:t>La CVA (vs. DVA) d’un swap </a:t>
+            </a:r>
+            <a:r>
+              <a:rPr lang="fr-FR" b="1" dirty="0" smtClean="0"/>
+              <a:t>receveur</a:t>
+            </a:r>
+            <a:r>
+              <a:rPr lang="fr-FR" dirty="0" smtClean="0"/>
+              <a:t> de taux fixe augmente (vs. baisse) avec:</a:t>
+            </a:r>
+          </a:p>
+          <a:p>
+            <a:pPr>
+              <a:buNone/>
+            </a:pPr>
+            <a:endParaRPr lang="fr-FR" dirty="0" smtClean="0"/>
+          </a:p>
+        </p:txBody>
+      </p:sp>
+      <p:sp>
+        <p:nvSpPr>
+          <p:cNvPr id="4" name="Espace réservé du contenu 2"/>
+          <p:cNvSpPr txBox="1">
+            <a:spLocks/>
+          </p:cNvSpPr>
+          <p:nvPr/>
+        </p:nvSpPr>
+        <p:spPr>
+          <a:xfrm>
+            <a:off x="323528" y="2780928"/>
+            <a:ext cx="4114800" cy="3888432"/>
+          </a:xfrm>
+          <a:prstGeom prst="rect">
+            <a:avLst/>
+          </a:prstGeom>
+        </p:spPr>
+        <p:txBody>
+          <a:bodyPr vert="horz" lIns="91440" tIns="45720" rIns="91440" bIns="45720" rtlCol="0">
+            <a:normAutofit lnSpcReduction="10000"/>
+          </a:bodyPr>
+          <a:lstStyle>
+            <a:lvl1pPr marL="342900" indent="-342900" algn="l" defTabSz="914400" rtl="0" eaLnBrk="1" latinLnBrk="0" hangingPunct="1">
+              <a:spcBef>
+                <a:spcPct val="20000"/>
+              </a:spcBef>
+              <a:buFont typeface="Arial" pitchFamily="34" charset="0"/>
+              <a:buChar char="•"/>
+              <a:defRPr sz="3200" kern="1200">
+                <a:solidFill>
+                  <a:schemeClr val="tx1"/>
+                </a:solidFill>
+                <a:latin typeface="+mn-lt"/>
+                <a:ea typeface="+mn-ea"/>
+                <a:cs typeface="+mn-cs"/>
+              </a:defRPr>
+            </a:lvl1pPr>
+            <a:lvl2pPr marL="742950" indent="-285750" algn="l" defTabSz="914400" rtl="0" eaLnBrk="1" latinLnBrk="0" hangingPunct="1">
+              <a:spcBef>
+                <a:spcPct val="20000"/>
+              </a:spcBef>
+              <a:buFont typeface="Arial" pitchFamily="34" charset="0"/>
+              <a:buChar char="–"/>
+              <a:defRPr sz="2800" kern="1200">
+                <a:solidFill>
+                  <a:schemeClr val="tx1"/>
+                </a:solidFill>
+                <a:latin typeface="+mn-lt"/>
+                <a:ea typeface="+mn-ea"/>
+                <a:cs typeface="+mn-cs"/>
+              </a:defRPr>
+            </a:lvl2pPr>
+            <a:lvl3pPr marL="1143000" indent="-228600" algn="l" defTabSz="914400" rtl="0" eaLnBrk="1" latinLnBrk="0" hangingPunct="1">
+              <a:spcBef>
+                <a:spcPct val="20000"/>
+              </a:spcBef>
+              <a:buFont typeface="Arial" pitchFamily="34" charset="0"/>
+              <a:buChar char="•"/>
+              <a:defRPr sz="2400" kern="1200">
+                <a:solidFill>
+                  <a:schemeClr val="tx1"/>
+                </a:solidFill>
+                <a:latin typeface="+mn-lt"/>
+                <a:ea typeface="+mn-ea"/>
+                <a:cs typeface="+mn-cs"/>
+              </a:defRPr>
+            </a:lvl3pPr>
+            <a:lvl4pPr marL="1600200" indent="-228600" algn="l" defTabSz="914400" rtl="0" eaLnBrk="1" latinLnBrk="0" hangingPunct="1">
+              <a:spcBef>
+                <a:spcPct val="20000"/>
+              </a:spcBef>
+              <a:buFont typeface="Arial" pitchFamily="34" charset="0"/>
+              <a:buChar char="–"/>
+              <a:defRPr sz="2000" kern="1200">
+                <a:solidFill>
+                  <a:schemeClr val="tx1"/>
+                </a:solidFill>
+                <a:latin typeface="+mn-lt"/>
+                <a:ea typeface="+mn-ea"/>
+                <a:cs typeface="+mn-cs"/>
+              </a:defRPr>
+            </a:lvl4pPr>
+            <a:lvl5pPr marL="2057400" indent="-228600" algn="l" defTabSz="914400" rtl="0" eaLnBrk="1" latinLnBrk="0" hangingPunct="1">
+              <a:spcBef>
+                <a:spcPct val="20000"/>
+              </a:spcBef>
+              <a:buFont typeface="Arial" pitchFamily="34" charset="0"/>
+              <a:buChar char="»"/>
+              <a:defRPr sz="2000" kern="1200">
+                <a:solidFill>
+                  <a:schemeClr val="tx1"/>
+                </a:solidFill>
+                <a:latin typeface="+mn-lt"/>
+                <a:ea typeface="+mn-ea"/>
+                <a:cs typeface="+mn-cs"/>
+              </a:defRPr>
+            </a:lvl5pPr>
+            <a:lvl6pPr marL="2514600" indent="-228600" algn="l" defTabSz="914400" rtl="0" eaLnBrk="1" latinLnBrk="0" hangingPunct="1">
+              <a:spcBef>
+                <a:spcPct val="20000"/>
+              </a:spcBef>
+              <a:buFont typeface="Arial" pitchFamily="34" charset="0"/>
+              <a:buChar char="•"/>
+              <a:defRPr sz="2000" kern="1200">
+                <a:solidFill>
+                  <a:schemeClr val="tx1"/>
+                </a:solidFill>
+                <a:latin typeface="+mn-lt"/>
+                <a:ea typeface="+mn-ea"/>
+                <a:cs typeface="+mn-cs"/>
+              </a:defRPr>
+            </a:lvl6pPr>
+            <a:lvl7pPr marL="2971800" indent="-228600" algn="l" defTabSz="914400" rtl="0" eaLnBrk="1" latinLnBrk="0" hangingPunct="1">
+              <a:spcBef>
+                <a:spcPct val="20000"/>
+              </a:spcBef>
+              <a:buFont typeface="Arial" pitchFamily="34" charset="0"/>
+              <a:buChar char="•"/>
+              <a:defRPr sz="2000" kern="1200">
+                <a:solidFill>
+                  <a:schemeClr val="tx1"/>
+                </a:solidFill>
+                <a:latin typeface="+mn-lt"/>
+                <a:ea typeface="+mn-ea"/>
+                <a:cs typeface="+mn-cs"/>
+              </a:defRPr>
+            </a:lvl7pPr>
+            <a:lvl8pPr marL="3429000" indent="-228600" algn="l" defTabSz="914400" rtl="0" eaLnBrk="1" latinLnBrk="0" hangingPunct="1">
+              <a:spcBef>
+                <a:spcPct val="20000"/>
+              </a:spcBef>
+              <a:buFont typeface="Arial" pitchFamily="34" charset="0"/>
+              <a:buChar char="•"/>
+              <a:defRPr sz="2000" kern="1200">
+                <a:solidFill>
+                  <a:schemeClr val="tx1"/>
+                </a:solidFill>
+                <a:latin typeface="+mn-lt"/>
+                <a:ea typeface="+mn-ea"/>
+                <a:cs typeface="+mn-cs"/>
+              </a:defRPr>
+            </a:lvl8pPr>
+            <a:lvl9pPr marL="3886200" indent="-228600" algn="l" defTabSz="914400" rtl="0" eaLnBrk="1" latinLnBrk="0" hangingPunct="1">
+              <a:spcBef>
+                <a:spcPct val="20000"/>
+              </a:spcBef>
+              <a:buFont typeface="Arial" pitchFamily="34" charset="0"/>
+              <a:buChar char="•"/>
+              <a:defRPr sz="2000" kern="1200">
+                <a:solidFill>
+                  <a:schemeClr val="tx1"/>
+                </a:solidFill>
+                <a:latin typeface="+mn-lt"/>
+                <a:ea typeface="+mn-ea"/>
+                <a:cs typeface="+mn-cs"/>
+              </a:defRPr>
+            </a:lvl9pPr>
+          </a:lstStyle>
           <a:p>
             <a:pPr marL="514350" indent="-514350">
               <a:buFont typeface="+mj-lt"/>
@@ -4498,7 +5653,7 @@
             </a:pPr>
             <a:r>
               <a:rPr lang="fr-FR" dirty="0" smtClean="0"/>
-              <a:t>Le nominal</a:t>
+              <a:t>Le taux fixe</a:t>
             </a:r>
           </a:p>
           <a:p>
@@ -4508,7 +5663,7 @@
             </a:pPr>
             <a:r>
               <a:rPr lang="fr-FR" dirty="0" smtClean="0"/>
-              <a:t>La maturité</a:t>
+              <a:t>Le nominal</a:t>
             </a:r>
           </a:p>
           <a:p>
@@ -4518,8 +5673,27 @@
             </a:pPr>
             <a:r>
               <a:rPr lang="fr-FR" dirty="0" smtClean="0"/>
-              <a:t>La contrepartie</a:t>
-            </a:r>
+              <a:t>La maturité</a:t>
+            </a:r>
+          </a:p>
+          <a:p>
+            <a:pPr marL="514350" indent="-514350">
+              <a:buFont typeface="+mj-lt"/>
+              <a:buAutoNum type="arabicPeriod"/>
+            </a:pPr>
+            <a:r>
+              <a:rPr lang="fr-FR" dirty="0" smtClean="0"/>
+              <a:t>Le </a:t>
+            </a:r>
+            <a:r>
+              <a:rPr lang="fr-FR" dirty="0" err="1" smtClean="0"/>
+              <a:t>sprea</a:t>
+            </a:r>
+            <a:r>
+              <a:rPr lang="fr-FR" dirty="0" smtClean="0"/>
+              <a:t> de la contrepartie</a:t>
+            </a:r>
+            <a:endParaRPr lang="fr-FR" dirty="0" smtClean="0"/>
           </a:p>
           <a:p>
             <a:pPr marL="514350" indent="-514350">
@@ -4775,7 +5949,7 @@
     </p:spTree>
     <p:extLst>
       <p:ext uri="{BB962C8B-B14F-4D97-AF65-F5344CB8AC3E}">
-        <p14:creationId xmlns="" xmlns:p14="http://schemas.microsoft.com/office/powerpoint/2010/main" val="1294119422"/>
+        <p14:creationId xmlns:p14="http://schemas.microsoft.com/office/powerpoint/2010/main" val="429264092"/>
       </p:ext>
     </p:extLst>
   </p:cSld>
@@ -4792,7 +5966,7 @@
 </p:sld>
 </file>
 
-<file path=ppt/slides/slide24.xml><?xml version="1.0" encoding="utf-8"?>
+<file path=ppt/slides/slide29.xml><?xml version="1.0" encoding="utf-8"?>
 <p:sld xmlns:a="http://schemas.openxmlformats.org/drawingml/2006/main" xmlns:r="http://schemas.openxmlformats.org/officeDocument/2006/relationships" xmlns:p="http://schemas.openxmlformats.org/presentationml/2006/main">
   <p:cSld>
     <p:spTree>
@@ -4826,7 +6000,7 @@
           <a:p>
             <a:r>
               <a:rPr lang="fr-FR" dirty="0" smtClean="0"/>
-              <a:t>Quizz 2</a:t>
+              <a:t>Quizz 3</a:t>
             </a:r>
             <a:endParaRPr lang="fr-FR" dirty="0"/>
           </a:p>
@@ -4845,7 +6019,7 @@
         <p:spPr>
           <a:xfrm>
             <a:off x="467544" y="1556792"/>
-            <a:ext cx="8229600" cy="1224136"/>
+            <a:ext cx="8229600" cy="792088"/>
           </a:xfrm>
         </p:spPr>
         <p:txBody>
@@ -4857,15 +6031,7 @@
             </a:pPr>
             <a:r>
               <a:rPr lang="fr-FR" dirty="0" smtClean="0"/>
-              <a:t>La CVA (vs. DVA) d’un swap </a:t>
-            </a:r>
-            <a:r>
-              <a:rPr lang="fr-FR" b="1" dirty="0" smtClean="0"/>
-              <a:t>receveur</a:t>
-            </a:r>
-            <a:r>
-              <a:rPr lang="fr-FR" dirty="0" smtClean="0"/>
-              <a:t> de taux fixe augmente (vs. baisse) avec:</a:t>
+              <a:t>Que doit faire un trader CVA :</a:t>
             </a:r>
           </a:p>
           <a:p>
@@ -4886,8 +6052,8 @@
         </p:nvSpPr>
         <p:spPr>
           <a:xfrm>
-            <a:off x="323528" y="2780928"/>
-            <a:ext cx="4114800" cy="3888432"/>
+            <a:off x="323528" y="2348880"/>
+            <a:ext cx="8496944" cy="4320480"/>
           </a:xfrm>
           <a:prstGeom prst="rect">
             <a:avLst/>
@@ -5041,7 +6207,7 @@
             </a:pPr>
             <a:r>
               <a:rPr lang="fr-FR" dirty="0" smtClean="0"/>
-              <a:t>Le taux fixe</a:t>
+              <a:t>Rien ?</a:t>
             </a:r>
           </a:p>
           <a:p>
@@ -5051,7 +6217,7 @@
             </a:pPr>
             <a:r>
               <a:rPr lang="fr-FR" dirty="0" smtClean="0"/>
-              <a:t>Le nominal</a:t>
+              <a:t>Traiter des swaps de taux ?</a:t>
             </a:r>
           </a:p>
           <a:p>
@@ -5061,7 +6227,7 @@
             </a:pPr>
             <a:r>
               <a:rPr lang="fr-FR" dirty="0" smtClean="0"/>
-              <a:t>La maturité</a:t>
+              <a:t>Traiter swaps de change ?</a:t>
             </a:r>
           </a:p>
           <a:p>
@@ -5071,7 +6237,7 @@
             </a:pPr>
             <a:r>
               <a:rPr lang="fr-FR" dirty="0" smtClean="0"/>
-              <a:t>La contrepartie</a:t>
+              <a:t>Traiter des CDS ?</a:t>
             </a:r>
           </a:p>
           <a:p>
@@ -5081,15 +6247,7 @@
             </a:pPr>
             <a:r>
               <a:rPr lang="fr-FR" dirty="0" smtClean="0"/>
-              <a:t>Le </a:t>
-            </a:r>
-            <a:r>
-              <a:rPr lang="fr-FR" dirty="0" err="1" smtClean="0"/>
-              <a:t>threshold</a:t>
-            </a:r>
-            <a:r>
-              <a:rPr lang="fr-FR" dirty="0" smtClean="0"/>
-              <a:t> de la contrepartie</a:t>
+              <a:t>Acheter des Obligations ?</a:t>
             </a:r>
           </a:p>
           <a:p>
@@ -5097,13 +6255,334 @@
               <a:buFont typeface="+mj-lt"/>
               <a:buAutoNum type="arabicPeriod"/>
             </a:pPr>
+            <a:r>
+              <a:rPr lang="fr-FR" dirty="0" smtClean="0"/>
+              <a:t>Acheter des Actions ?</a:t>
+            </a:r>
+          </a:p>
+          <a:p>
+            <a:pPr marL="514350" indent="-514350">
+              <a:buFont typeface="+mj-lt"/>
+              <a:buAutoNum type="arabicPeriod"/>
+            </a:pPr>
             <a:endParaRPr lang="fr-FR" dirty="0" smtClean="0"/>
           </a:p>
-        </p:txBody>
-      </p:sp>
-      <p:sp>
-        <p:nvSpPr>
-          <p:cNvPr id="5" name="Espace réservé du contenu 2"/>
+          <a:p>
+            <a:pPr marL="514350" indent="-514350">
+              <a:buFont typeface="+mj-lt"/>
+              <a:buAutoNum type="arabicPeriod"/>
+            </a:pPr>
+            <a:endParaRPr lang="fr-FR" dirty="0" smtClean="0"/>
+          </a:p>
+        </p:txBody>
+      </p:sp>
+    </p:spTree>
+    <p:extLst>
+      <p:ext uri="{BB962C8B-B14F-4D97-AF65-F5344CB8AC3E}">
+        <p14:creationId xmlns:p14="http://schemas.microsoft.com/office/powerpoint/2010/main" val="2299358401"/>
+      </p:ext>
+    </p:extLst>
+  </p:cSld>
+  <p:clrMapOvr>
+    <a:masterClrMapping/>
+  </p:clrMapOvr>
+  <p:timing>
+    <p:tnLst>
+      <p:par>
+        <p:cTn id="1" dur="indefinite" restart="never" nodeType="tmRoot"/>
+      </p:par>
+    </p:tnLst>
+  </p:timing>
+</p:sld>
+</file>
+
+<file path=ppt/slides/slide3.xml><?xml version="1.0" encoding="utf-8"?>
+<p:sld xmlns:a="http://schemas.openxmlformats.org/drawingml/2006/main" xmlns:r="http://schemas.openxmlformats.org/officeDocument/2006/relationships" xmlns:p="http://schemas.openxmlformats.org/presentationml/2006/main">
+  <p:cSld>
+    <p:spTree>
+      <p:nvGrpSpPr>
+        <p:cNvPr id="1" name=""/>
+        <p:cNvGrpSpPr/>
+        <p:nvPr/>
+      </p:nvGrpSpPr>
+      <p:grpSpPr>
+        <a:xfrm>
+          <a:off x="0" y="0"/>
+          <a:ext cx="0" cy="0"/>
+          <a:chOff x="0" y="0"/>
+          <a:chExt cx="0" cy="0"/>
+        </a:xfrm>
+      </p:grpSpPr>
+      <p:sp>
+        <p:nvSpPr>
+          <p:cNvPr id="2" name="Titre 1"/>
+          <p:cNvSpPr>
+            <a:spLocks noGrp="1"/>
+          </p:cNvSpPr>
+          <p:nvPr>
+            <p:ph type="title"/>
+          </p:nvPr>
+        </p:nvSpPr>
+        <p:spPr/>
+        <p:txBody>
+          <a:bodyPr>
+            <a:normAutofit fontScale="90000"/>
+          </a:bodyPr>
+          <a:lstStyle/>
+          <a:p>
+            <a:r>
+              <a:rPr lang="fr-FR" dirty="0" smtClean="0"/>
+              <a:t>Jour 1 - Après </a:t>
+            </a:r>
+            <a:r>
+              <a:rPr lang="fr-FR" dirty="0" smtClean="0"/>
+              <a:t>midi </a:t>
+            </a:r>
+            <a:r>
+              <a:rPr lang="fr-FR" dirty="0" smtClean="0"/>
+              <a:t/>
+            </a:r>
+            <a:br>
+              <a:rPr lang="fr-FR" dirty="0" smtClean="0"/>
+            </a:br>
+            <a:r>
+              <a:rPr lang="fr-FR" dirty="0" smtClean="0"/>
+              <a:t>CDS et Formules de CVA</a:t>
+            </a:r>
+            <a:endParaRPr lang="fr-FR" dirty="0"/>
+          </a:p>
+        </p:txBody>
+      </p:sp>
+      <p:sp>
+        <p:nvSpPr>
+          <p:cNvPr id="3" name="Espace réservé du contenu 2"/>
+          <p:cNvSpPr>
+            <a:spLocks noGrp="1"/>
+          </p:cNvSpPr>
+          <p:nvPr>
+            <p:ph idx="1"/>
+          </p:nvPr>
+        </p:nvSpPr>
+        <p:spPr/>
+        <p:txBody>
+          <a:bodyPr>
+            <a:normAutofit/>
+          </a:bodyPr>
+          <a:lstStyle/>
+          <a:p>
+            <a:pPr marL="514350" indent="-514350">
+              <a:buNone/>
+            </a:pPr>
+            <a:endParaRPr lang="fr-FR" sz="2400" b="1" dirty="0" smtClean="0">
+              <a:latin typeface="Arial" pitchFamily="34" charset="0"/>
+              <a:cs typeface="Arial" pitchFamily="34" charset="0"/>
+            </a:endParaRPr>
+          </a:p>
+          <a:p>
+            <a:pPr marL="514350" indent="-514350">
+              <a:buFont typeface="+mj-lt"/>
+              <a:buAutoNum type="arabicPeriod"/>
+            </a:pPr>
+            <a:r>
+              <a:rPr lang="fr-FR" sz="2400" dirty="0" smtClean="0">
+                <a:latin typeface="Arial" pitchFamily="34" charset="0"/>
+                <a:cs typeface="Arial" pitchFamily="34" charset="0"/>
+              </a:rPr>
+              <a:t>CDS et modèle à intensité de défaut</a:t>
+            </a:r>
+            <a:endParaRPr lang="fr-FR" sz="2400" dirty="0" smtClean="0">
+              <a:latin typeface="Arial" pitchFamily="34" charset="0"/>
+              <a:cs typeface="Arial" pitchFamily="34" charset="0"/>
+            </a:endParaRPr>
+          </a:p>
+          <a:p>
+            <a:pPr marL="514350" indent="-514350">
+              <a:buFont typeface="+mj-lt"/>
+              <a:buAutoNum type="arabicPeriod"/>
+            </a:pPr>
+            <a:r>
+              <a:rPr lang="fr-FR" sz="2400" dirty="0" smtClean="0">
+                <a:latin typeface="Arial" pitchFamily="34" charset="0"/>
+                <a:cs typeface="Arial" pitchFamily="34" charset="0"/>
+              </a:rPr>
+              <a:t>Formule de la </a:t>
+            </a:r>
+            <a:r>
+              <a:rPr lang="fr-FR" sz="2400" dirty="0" smtClean="0">
+                <a:latin typeface="Arial" pitchFamily="34" charset="0"/>
+                <a:cs typeface="Arial" pitchFamily="34" charset="0"/>
+              </a:rPr>
+              <a:t>CVA unilatérale</a:t>
+            </a:r>
+            <a:endParaRPr lang="fr-FR" sz="2400" dirty="0" smtClean="0">
+              <a:latin typeface="Arial" pitchFamily="34" charset="0"/>
+              <a:cs typeface="Arial" pitchFamily="34" charset="0"/>
+            </a:endParaRPr>
+          </a:p>
+          <a:p>
+            <a:pPr marL="514350" indent="-514350">
+              <a:buFont typeface="+mj-lt"/>
+              <a:buAutoNum type="arabicPeriod"/>
+            </a:pPr>
+            <a:r>
+              <a:rPr lang="fr-FR" sz="2400" dirty="0" smtClean="0">
+                <a:latin typeface="Arial" pitchFamily="34" charset="0"/>
+                <a:cs typeface="Arial" pitchFamily="34" charset="0"/>
+              </a:rPr>
+              <a:t>CVA analytique dans le cas d’une </a:t>
+            </a:r>
+            <a:r>
+              <a:rPr lang="fr-FR" sz="2400" dirty="0" err="1" smtClean="0">
+                <a:latin typeface="Arial" pitchFamily="34" charset="0"/>
+                <a:cs typeface="Arial" pitchFamily="34" charset="0"/>
+              </a:rPr>
+              <a:t>swaption</a:t>
+            </a:r>
+            <a:endParaRPr lang="fr-FR" sz="2400" dirty="0" smtClean="0">
+              <a:latin typeface="Arial" pitchFamily="34" charset="0"/>
+              <a:cs typeface="Arial" pitchFamily="34" charset="0"/>
+            </a:endParaRPr>
+          </a:p>
+          <a:p>
+            <a:pPr marL="514350" indent="-514350">
+              <a:buFont typeface="+mj-lt"/>
+              <a:buAutoNum type="arabicPeriod"/>
+            </a:pPr>
+            <a:r>
+              <a:rPr lang="fr-FR" sz="2400" dirty="0" smtClean="0">
+                <a:latin typeface="Arial" pitchFamily="34" charset="0"/>
+                <a:cs typeface="Arial" pitchFamily="34" charset="0"/>
+              </a:rPr>
+              <a:t>Formule de la CVA bilatérale et la DVA</a:t>
+            </a:r>
+            <a:endParaRPr lang="fr-FR" sz="2400" dirty="0" smtClean="0">
+              <a:latin typeface="Arial" pitchFamily="34" charset="0"/>
+              <a:cs typeface="Arial" pitchFamily="34" charset="0"/>
+            </a:endParaRPr>
+          </a:p>
+          <a:p>
+            <a:pPr marL="514350" indent="-514350">
+              <a:buFont typeface="+mj-lt"/>
+              <a:buAutoNum type="arabicPeriod"/>
+            </a:pPr>
+            <a:r>
+              <a:rPr lang="fr-FR" sz="2400" dirty="0" smtClean="0">
+                <a:latin typeface="Arial" pitchFamily="34" charset="0"/>
+                <a:cs typeface="Arial" pitchFamily="34" charset="0"/>
+              </a:rPr>
+              <a:t>Sensibilités et effet portefeuille</a:t>
+            </a:r>
+            <a:endParaRPr lang="fr-FR" sz="2400" dirty="0" smtClean="0">
+              <a:latin typeface="Arial" pitchFamily="34" charset="0"/>
+              <a:cs typeface="Arial" pitchFamily="34" charset="0"/>
+            </a:endParaRPr>
+          </a:p>
+          <a:p>
+            <a:pPr marL="514350" indent="-514350">
+              <a:buFont typeface="+mj-lt"/>
+              <a:buAutoNum type="arabicPeriod"/>
+            </a:pPr>
+            <a:endParaRPr lang="fr-FR" sz="2400" dirty="0" smtClean="0">
+              <a:latin typeface="Arial" pitchFamily="34" charset="0"/>
+              <a:cs typeface="Arial" pitchFamily="34" charset="0"/>
+            </a:endParaRPr>
+          </a:p>
+        </p:txBody>
+      </p:sp>
+    </p:spTree>
+  </p:cSld>
+  <p:clrMapOvr>
+    <a:masterClrMapping/>
+  </p:clrMapOvr>
+  <p:timing>
+    <p:tnLst>
+      <p:par>
+        <p:cTn id="1" dur="indefinite" restart="never" nodeType="tmRoot"/>
+      </p:par>
+    </p:tnLst>
+  </p:timing>
+</p:sld>
+</file>
+
+<file path=ppt/slides/slide30.xml><?xml version="1.0" encoding="utf-8"?>
+<p:sld xmlns:a="http://schemas.openxmlformats.org/drawingml/2006/main" xmlns:r="http://schemas.openxmlformats.org/officeDocument/2006/relationships" xmlns:p="http://schemas.openxmlformats.org/presentationml/2006/main">
+  <p:cSld>
+    <p:spTree>
+      <p:nvGrpSpPr>
+        <p:cNvPr id="1" name=""/>
+        <p:cNvGrpSpPr/>
+        <p:nvPr/>
+      </p:nvGrpSpPr>
+      <p:grpSpPr>
+        <a:xfrm>
+          <a:off x="0" y="0"/>
+          <a:ext cx="0" cy="0"/>
+          <a:chOff x="0" y="0"/>
+          <a:chExt cx="0" cy="0"/>
+        </a:xfrm>
+      </p:grpSpPr>
+      <p:sp>
+        <p:nvSpPr>
+          <p:cNvPr id="2" name="Titre 1"/>
+          <p:cNvSpPr>
+            <a:spLocks noGrp="1"/>
+          </p:cNvSpPr>
+          <p:nvPr>
+            <p:ph type="title"/>
+          </p:nvPr>
+        </p:nvSpPr>
+        <p:spPr/>
+        <p:txBody>
+          <a:bodyPr/>
+          <a:lstStyle/>
+          <a:p>
+            <a:r>
+              <a:rPr lang="fr-FR" dirty="0" smtClean="0"/>
+              <a:t>Quizz 4</a:t>
+            </a:r>
+            <a:endParaRPr lang="fr-FR" dirty="0"/>
+          </a:p>
+        </p:txBody>
+      </p:sp>
+      <p:sp>
+        <p:nvSpPr>
+          <p:cNvPr id="3" name="Espace réservé du contenu 2"/>
+          <p:cNvSpPr>
+            <a:spLocks noGrp="1"/>
+          </p:cNvSpPr>
+          <p:nvPr>
+            <p:ph idx="1"/>
+          </p:nvPr>
+        </p:nvSpPr>
+        <p:spPr>
+          <a:xfrm>
+            <a:off x="467544" y="1556792"/>
+            <a:ext cx="8229600" cy="1224136"/>
+          </a:xfrm>
+        </p:spPr>
+        <p:txBody>
+          <a:bodyPr/>
+          <a:lstStyle/>
+          <a:p>
+            <a:pPr>
+              <a:buNone/>
+            </a:pPr>
+            <a:r>
+              <a:rPr lang="fr-FR" dirty="0" smtClean="0"/>
+              <a:t>Lorsque l’opération arrive à maturité faut il rendre la CVA (vs DVA):</a:t>
+            </a:r>
+          </a:p>
+          <a:p>
+            <a:pPr>
+              <a:buNone/>
+            </a:pPr>
+            <a:endParaRPr lang="fr-FR" dirty="0" smtClean="0"/>
+          </a:p>
+        </p:txBody>
+      </p:sp>
+      <p:sp>
+        <p:nvSpPr>
+          <p:cNvPr id="4" name="Espace réservé du contenu 2"/>
           <p:cNvSpPr txBox="1">
             <a:spLocks/>
           </p:cNvSpPr>
@@ -5111,8 +6590,8 @@
         </p:nvSpPr>
         <p:spPr>
           <a:xfrm>
-            <a:off x="4788024" y="2852936"/>
-            <a:ext cx="4114800" cy="3888432"/>
+            <a:off x="323528" y="2780928"/>
+            <a:ext cx="8352928" cy="3888432"/>
           </a:xfrm>
           <a:prstGeom prst="rect">
             <a:avLst/>
@@ -5262,64 +6741,67 @@
           <a:p>
             <a:pPr marL="514350" indent="-514350">
               <a:buFont typeface="+mj-lt"/>
-              <a:buAutoNum type="arabicPeriod" startAt="6"/>
-            </a:pPr>
-            <a:r>
-              <a:rPr lang="fr-FR" dirty="0" smtClean="0"/>
-              <a:t>Le </a:t>
-            </a:r>
-            <a:r>
-              <a:rPr lang="fr-FR" dirty="0" err="1" smtClean="0"/>
-              <a:t>threshold</a:t>
-            </a:r>
-            <a:r>
-              <a:rPr lang="fr-FR" dirty="0" smtClean="0"/>
-              <a:t> de la banque</a:t>
+              <a:buAutoNum type="arabicPeriod"/>
+            </a:pPr>
+            <a:r>
+              <a:rPr lang="fr-FR" dirty="0" smtClean="0"/>
+              <a:t>Oui ou non ?</a:t>
             </a:r>
           </a:p>
           <a:p>
             <a:pPr marL="514350" indent="-514350">
               <a:buFont typeface="+mj-lt"/>
-              <a:buAutoNum type="arabicPeriod" startAt="6"/>
-            </a:pPr>
-            <a:r>
-              <a:rPr lang="fr-FR" dirty="0" smtClean="0"/>
-              <a:t>La rémunération du collatéral.</a:t>
+              <a:buAutoNum type="arabicPeriod"/>
+            </a:pPr>
+            <a:r>
+              <a:rPr lang="fr-FR" dirty="0" smtClean="0"/>
+              <a:t>Au client ?</a:t>
             </a:r>
           </a:p>
           <a:p>
             <a:pPr marL="514350" indent="-514350">
               <a:buFont typeface="+mj-lt"/>
-              <a:buAutoNum type="arabicPeriod" startAt="6"/>
-            </a:pPr>
-            <a:r>
-              <a:rPr lang="fr-FR" dirty="0" smtClean="0"/>
-              <a:t>L’initial </a:t>
-            </a:r>
-            <a:r>
-              <a:rPr lang="fr-FR" dirty="0" err="1" smtClean="0"/>
-              <a:t>margin</a:t>
-            </a:r>
-            <a:endParaRPr lang="fr-FR" dirty="0" smtClean="0"/>
+              <a:buAutoNum type="arabicPeriod"/>
+            </a:pPr>
+            <a:r>
+              <a:rPr lang="fr-FR" dirty="0" smtClean="0"/>
+              <a:t>Au vendeur ?</a:t>
+            </a:r>
           </a:p>
           <a:p>
             <a:pPr marL="514350" indent="-514350">
               <a:buFont typeface="+mj-lt"/>
-              <a:buAutoNum type="arabicPeriod" startAt="6"/>
-            </a:pPr>
-            <a:r>
-              <a:rPr lang="fr-FR" dirty="0" err="1" smtClean="0"/>
-              <a:t>Etc</a:t>
-            </a:r>
-            <a:r>
-              <a:rPr lang="fr-FR" dirty="0" smtClean="0"/>
-              <a:t> …</a:t>
+              <a:buAutoNum type="arabicPeriod"/>
+            </a:pPr>
+            <a:r>
+              <a:rPr lang="fr-FR" dirty="0" smtClean="0"/>
+              <a:t>Au trader ?</a:t>
             </a:r>
           </a:p>
           <a:p>
             <a:pPr marL="514350" indent="-514350">
               <a:buFont typeface="+mj-lt"/>
-              <a:buAutoNum type="arabicPeriod" startAt="6"/>
+              <a:buAutoNum type="arabicPeriod"/>
+            </a:pPr>
+            <a:r>
+              <a:rPr lang="fr-FR" dirty="0" smtClean="0"/>
+              <a:t>Au desk CVA ?</a:t>
+            </a:r>
+          </a:p>
+          <a:p>
+            <a:pPr marL="514350" indent="-514350">
+              <a:buFont typeface="+mj-lt"/>
+              <a:buAutoNum type="arabicPeriod"/>
+            </a:pPr>
+            <a:r>
+              <a:rPr lang="fr-FR" dirty="0" smtClean="0"/>
+              <a:t>A quelqu’un d’autre ?</a:t>
+            </a:r>
+          </a:p>
+          <a:p>
+            <a:pPr marL="514350" indent="-514350">
+              <a:buFont typeface="+mj-lt"/>
+              <a:buAutoNum type="arabicPeriod"/>
             </a:pPr>
             <a:endParaRPr lang="fr-FR" dirty="0" smtClean="0"/>
           </a:p>
@@ -5328,7 +6810,7 @@
     </p:spTree>
     <p:extLst>
       <p:ext uri="{BB962C8B-B14F-4D97-AF65-F5344CB8AC3E}">
-        <p14:creationId xmlns="" xmlns:p14="http://schemas.microsoft.com/office/powerpoint/2010/main" val="429264092"/>
+        <p14:creationId xmlns:p14="http://schemas.microsoft.com/office/powerpoint/2010/main" val="504931267"/>
       </p:ext>
     </p:extLst>
   </p:cSld>
@@ -5345,7 +6827,7 @@
 </p:sld>
 </file>
 
-<file path=ppt/slides/slide25.xml><?xml version="1.0" encoding="utf-8"?>
+<file path=ppt/slides/slide31.xml><?xml version="1.0" encoding="utf-8"?>
 <p:sld xmlns:a="http://schemas.openxmlformats.org/drawingml/2006/main" xmlns:r="http://schemas.openxmlformats.org/officeDocument/2006/relationships" xmlns:p="http://schemas.openxmlformats.org/presentationml/2006/main">
   <p:cSld>
     <p:spTree>
@@ -5364,659 +6846,6 @@
       </p:grpSpPr>
       <p:sp>
         <p:nvSpPr>
-          <p:cNvPr id="2" name="Titre 1"/>
-          <p:cNvSpPr>
-            <a:spLocks noGrp="1"/>
-          </p:cNvSpPr>
-          <p:nvPr>
-            <p:ph type="title"/>
-          </p:nvPr>
-        </p:nvSpPr>
-        <p:spPr/>
-        <p:txBody>
-          <a:bodyPr/>
-          <a:lstStyle/>
-          <a:p>
-            <a:r>
-              <a:rPr lang="fr-FR" dirty="0" smtClean="0"/>
-              <a:t>Quizz 3</a:t>
-            </a:r>
-            <a:endParaRPr lang="fr-FR" dirty="0"/>
-          </a:p>
-        </p:txBody>
-      </p:sp>
-      <p:sp>
-        <p:nvSpPr>
-          <p:cNvPr id="3" name="Espace réservé du contenu 2"/>
-          <p:cNvSpPr>
-            <a:spLocks noGrp="1"/>
-          </p:cNvSpPr>
-          <p:nvPr>
-            <p:ph idx="1"/>
-          </p:nvPr>
-        </p:nvSpPr>
-        <p:spPr>
-          <a:xfrm>
-            <a:off x="467544" y="1556792"/>
-            <a:ext cx="8229600" cy="792088"/>
-          </a:xfrm>
-        </p:spPr>
-        <p:txBody>
-          <a:bodyPr/>
-          <a:lstStyle/>
-          <a:p>
-            <a:pPr>
-              <a:buNone/>
-            </a:pPr>
-            <a:r>
-              <a:rPr lang="fr-FR" dirty="0" smtClean="0"/>
-              <a:t>Que doit faire un trader CVA :</a:t>
-            </a:r>
-          </a:p>
-          <a:p>
-            <a:pPr>
-              <a:buNone/>
-            </a:pPr>
-            <a:endParaRPr lang="fr-FR" dirty="0" smtClean="0"/>
-          </a:p>
-        </p:txBody>
-      </p:sp>
-      <p:sp>
-        <p:nvSpPr>
-          <p:cNvPr id="4" name="Espace réservé du contenu 2"/>
-          <p:cNvSpPr txBox="1">
-            <a:spLocks/>
-          </p:cNvSpPr>
-          <p:nvPr/>
-        </p:nvSpPr>
-        <p:spPr>
-          <a:xfrm>
-            <a:off x="323528" y="2348880"/>
-            <a:ext cx="8496944" cy="4320480"/>
-          </a:xfrm>
-          <a:prstGeom prst="rect">
-            <a:avLst/>
-          </a:prstGeom>
-        </p:spPr>
-        <p:txBody>
-          <a:bodyPr vert="horz" lIns="91440" tIns="45720" rIns="91440" bIns="45720" rtlCol="0">
-            <a:normAutofit/>
-          </a:bodyPr>
-          <a:lstStyle>
-            <a:lvl1pPr marL="342900" indent="-342900" algn="l" defTabSz="914400" rtl="0" eaLnBrk="1" latinLnBrk="0" hangingPunct="1">
-              <a:spcBef>
-                <a:spcPct val="20000"/>
-              </a:spcBef>
-              <a:buFont typeface="Arial" pitchFamily="34" charset="0"/>
-              <a:buChar char="•"/>
-              <a:defRPr sz="3200" kern="1200">
-                <a:solidFill>
-                  <a:schemeClr val="tx1"/>
-                </a:solidFill>
-                <a:latin typeface="+mn-lt"/>
-                <a:ea typeface="+mn-ea"/>
-                <a:cs typeface="+mn-cs"/>
-              </a:defRPr>
-            </a:lvl1pPr>
-            <a:lvl2pPr marL="742950" indent="-285750" algn="l" defTabSz="914400" rtl="0" eaLnBrk="1" latinLnBrk="0" hangingPunct="1">
-              <a:spcBef>
-                <a:spcPct val="20000"/>
-              </a:spcBef>
-              <a:buFont typeface="Arial" pitchFamily="34" charset="0"/>
-              <a:buChar char="–"/>
-              <a:defRPr sz="2800" kern="1200">
-                <a:solidFill>
-                  <a:schemeClr val="tx1"/>
-                </a:solidFill>
-                <a:latin typeface="+mn-lt"/>
-                <a:ea typeface="+mn-ea"/>
-                <a:cs typeface="+mn-cs"/>
-              </a:defRPr>
-            </a:lvl2pPr>
-            <a:lvl3pPr marL="1143000" indent="-228600" algn="l" defTabSz="914400" rtl="0" eaLnBrk="1" latinLnBrk="0" hangingPunct="1">
-              <a:spcBef>
-                <a:spcPct val="20000"/>
-              </a:spcBef>
-              <a:buFont typeface="Arial" pitchFamily="34" charset="0"/>
-              <a:buChar char="•"/>
-              <a:defRPr sz="2400" kern="1200">
-                <a:solidFill>
-                  <a:schemeClr val="tx1"/>
-                </a:solidFill>
-                <a:latin typeface="+mn-lt"/>
-                <a:ea typeface="+mn-ea"/>
-                <a:cs typeface="+mn-cs"/>
-              </a:defRPr>
-            </a:lvl3pPr>
-            <a:lvl4pPr marL="1600200" indent="-228600" algn="l" defTabSz="914400" rtl="0" eaLnBrk="1" latinLnBrk="0" hangingPunct="1">
-              <a:spcBef>
-                <a:spcPct val="20000"/>
-              </a:spcBef>
-              <a:buFont typeface="Arial" pitchFamily="34" charset="0"/>
-              <a:buChar char="–"/>
-              <a:defRPr sz="2000" kern="1200">
-                <a:solidFill>
-                  <a:schemeClr val="tx1"/>
-                </a:solidFill>
-                <a:latin typeface="+mn-lt"/>
-                <a:ea typeface="+mn-ea"/>
-                <a:cs typeface="+mn-cs"/>
-              </a:defRPr>
-            </a:lvl4pPr>
-            <a:lvl5pPr marL="2057400" indent="-228600" algn="l" defTabSz="914400" rtl="0" eaLnBrk="1" latinLnBrk="0" hangingPunct="1">
-              <a:spcBef>
-                <a:spcPct val="20000"/>
-              </a:spcBef>
-              <a:buFont typeface="Arial" pitchFamily="34" charset="0"/>
-              <a:buChar char="»"/>
-              <a:defRPr sz="2000" kern="1200">
-                <a:solidFill>
-                  <a:schemeClr val="tx1"/>
-                </a:solidFill>
-                <a:latin typeface="+mn-lt"/>
-                <a:ea typeface="+mn-ea"/>
-                <a:cs typeface="+mn-cs"/>
-              </a:defRPr>
-            </a:lvl5pPr>
-            <a:lvl6pPr marL="2514600" indent="-228600" algn="l" defTabSz="914400" rtl="0" eaLnBrk="1" latinLnBrk="0" hangingPunct="1">
-              <a:spcBef>
-                <a:spcPct val="20000"/>
-              </a:spcBef>
-              <a:buFont typeface="Arial" pitchFamily="34" charset="0"/>
-              <a:buChar char="•"/>
-              <a:defRPr sz="2000" kern="1200">
-                <a:solidFill>
-                  <a:schemeClr val="tx1"/>
-                </a:solidFill>
-                <a:latin typeface="+mn-lt"/>
-                <a:ea typeface="+mn-ea"/>
-                <a:cs typeface="+mn-cs"/>
-              </a:defRPr>
-            </a:lvl6pPr>
-            <a:lvl7pPr marL="2971800" indent="-228600" algn="l" defTabSz="914400" rtl="0" eaLnBrk="1" latinLnBrk="0" hangingPunct="1">
-              <a:spcBef>
-                <a:spcPct val="20000"/>
-              </a:spcBef>
-              <a:buFont typeface="Arial" pitchFamily="34" charset="0"/>
-              <a:buChar char="•"/>
-              <a:defRPr sz="2000" kern="1200">
-                <a:solidFill>
-                  <a:schemeClr val="tx1"/>
-                </a:solidFill>
-                <a:latin typeface="+mn-lt"/>
-                <a:ea typeface="+mn-ea"/>
-                <a:cs typeface="+mn-cs"/>
-              </a:defRPr>
-            </a:lvl7pPr>
-            <a:lvl8pPr marL="3429000" indent="-228600" algn="l" defTabSz="914400" rtl="0" eaLnBrk="1" latinLnBrk="0" hangingPunct="1">
-              <a:spcBef>
-                <a:spcPct val="20000"/>
-              </a:spcBef>
-              <a:buFont typeface="Arial" pitchFamily="34" charset="0"/>
-              <a:buChar char="•"/>
-              <a:defRPr sz="2000" kern="1200">
-                <a:solidFill>
-                  <a:schemeClr val="tx1"/>
-                </a:solidFill>
-                <a:latin typeface="+mn-lt"/>
-                <a:ea typeface="+mn-ea"/>
-                <a:cs typeface="+mn-cs"/>
-              </a:defRPr>
-            </a:lvl8pPr>
-            <a:lvl9pPr marL="3886200" indent="-228600" algn="l" defTabSz="914400" rtl="0" eaLnBrk="1" latinLnBrk="0" hangingPunct="1">
-              <a:spcBef>
-                <a:spcPct val="20000"/>
-              </a:spcBef>
-              <a:buFont typeface="Arial" pitchFamily="34" charset="0"/>
-              <a:buChar char="•"/>
-              <a:defRPr sz="2000" kern="1200">
-                <a:solidFill>
-                  <a:schemeClr val="tx1"/>
-                </a:solidFill>
-                <a:latin typeface="+mn-lt"/>
-                <a:ea typeface="+mn-ea"/>
-                <a:cs typeface="+mn-cs"/>
-              </a:defRPr>
-            </a:lvl9pPr>
-          </a:lstStyle>
-          <a:p>
-            <a:pPr marL="514350" indent="-514350">
-              <a:buFont typeface="+mj-lt"/>
-              <a:buAutoNum type="arabicPeriod"/>
-            </a:pPr>
-            <a:r>
-              <a:rPr lang="fr-FR" dirty="0" smtClean="0"/>
-              <a:t>Rien ?</a:t>
-            </a:r>
-          </a:p>
-          <a:p>
-            <a:pPr marL="514350" indent="-514350">
-              <a:buFont typeface="+mj-lt"/>
-              <a:buAutoNum type="arabicPeriod"/>
-            </a:pPr>
-            <a:r>
-              <a:rPr lang="fr-FR" dirty="0" smtClean="0"/>
-              <a:t>Traiter des swaps de taux ?</a:t>
-            </a:r>
-          </a:p>
-          <a:p>
-            <a:pPr marL="514350" indent="-514350">
-              <a:buFont typeface="+mj-lt"/>
-              <a:buAutoNum type="arabicPeriod"/>
-            </a:pPr>
-            <a:r>
-              <a:rPr lang="fr-FR" dirty="0" smtClean="0"/>
-              <a:t>Traiter swaps de change ?</a:t>
-            </a:r>
-          </a:p>
-          <a:p>
-            <a:pPr marL="514350" indent="-514350">
-              <a:buFont typeface="+mj-lt"/>
-              <a:buAutoNum type="arabicPeriod"/>
-            </a:pPr>
-            <a:r>
-              <a:rPr lang="fr-FR" dirty="0" smtClean="0"/>
-              <a:t>Traiter des CDS ?</a:t>
-            </a:r>
-          </a:p>
-          <a:p>
-            <a:pPr marL="514350" indent="-514350">
-              <a:buFont typeface="+mj-lt"/>
-              <a:buAutoNum type="arabicPeriod"/>
-            </a:pPr>
-            <a:r>
-              <a:rPr lang="fr-FR" dirty="0" smtClean="0"/>
-              <a:t>Acheter des Obligations ?</a:t>
-            </a:r>
-          </a:p>
-          <a:p>
-            <a:pPr marL="514350" indent="-514350">
-              <a:buFont typeface="+mj-lt"/>
-              <a:buAutoNum type="arabicPeriod"/>
-            </a:pPr>
-            <a:r>
-              <a:rPr lang="fr-FR" dirty="0" smtClean="0"/>
-              <a:t>Acheter des Actions ?</a:t>
-            </a:r>
-          </a:p>
-          <a:p>
-            <a:pPr marL="514350" indent="-514350">
-              <a:buFont typeface="+mj-lt"/>
-              <a:buAutoNum type="arabicPeriod"/>
-            </a:pPr>
-            <a:endParaRPr lang="fr-FR" dirty="0" smtClean="0"/>
-          </a:p>
-          <a:p>
-            <a:pPr marL="514350" indent="-514350">
-              <a:buFont typeface="+mj-lt"/>
-              <a:buAutoNum type="arabicPeriod"/>
-            </a:pPr>
-            <a:endParaRPr lang="fr-FR" dirty="0" smtClean="0"/>
-          </a:p>
-        </p:txBody>
-      </p:sp>
-    </p:spTree>
-    <p:extLst>
-      <p:ext uri="{BB962C8B-B14F-4D97-AF65-F5344CB8AC3E}">
-        <p14:creationId xmlns="" xmlns:p14="http://schemas.microsoft.com/office/powerpoint/2010/main" val="2299358401"/>
-      </p:ext>
-    </p:extLst>
-  </p:cSld>
-  <p:clrMapOvr>
-    <a:masterClrMapping/>
-  </p:clrMapOvr>
-  <p:timing>
-    <p:tnLst>
-      <p:par>
-        <p:cTn id="1" dur="indefinite" restart="never" nodeType="tmRoot"/>
-      </p:par>
-    </p:tnLst>
-  </p:timing>
-</p:sld>
-</file>
-
-<file path=ppt/slides/slide26.xml><?xml version="1.0" encoding="utf-8"?>
-<p:sld xmlns:a="http://schemas.openxmlformats.org/drawingml/2006/main" xmlns:r="http://schemas.openxmlformats.org/officeDocument/2006/relationships" xmlns:p="http://schemas.openxmlformats.org/presentationml/2006/main">
-  <p:cSld>
-    <p:spTree>
-      <p:nvGrpSpPr>
-        <p:cNvPr id="1" name=""/>
-        <p:cNvGrpSpPr/>
-        <p:nvPr/>
-      </p:nvGrpSpPr>
-      <p:grpSpPr>
-        <a:xfrm>
-          <a:off x="0" y="0"/>
-          <a:ext cx="0" cy="0"/>
-          <a:chOff x="0" y="0"/>
-          <a:chExt cx="0" cy="0"/>
-        </a:xfrm>
-      </p:grpSpPr>
-      <p:sp>
-        <p:nvSpPr>
-          <p:cNvPr id="2" name="Titre 1"/>
-          <p:cNvSpPr>
-            <a:spLocks noGrp="1"/>
-          </p:cNvSpPr>
-          <p:nvPr>
-            <p:ph type="title"/>
-          </p:nvPr>
-        </p:nvSpPr>
-        <p:spPr/>
-        <p:txBody>
-          <a:bodyPr/>
-          <a:lstStyle/>
-          <a:p>
-            <a:r>
-              <a:rPr lang="fr-FR" dirty="0" smtClean="0"/>
-              <a:t>Quizz 4</a:t>
-            </a:r>
-            <a:endParaRPr lang="fr-FR" dirty="0"/>
-          </a:p>
-        </p:txBody>
-      </p:sp>
-      <p:sp>
-        <p:nvSpPr>
-          <p:cNvPr id="3" name="Espace réservé du contenu 2"/>
-          <p:cNvSpPr>
-            <a:spLocks noGrp="1"/>
-          </p:cNvSpPr>
-          <p:nvPr>
-            <p:ph idx="1"/>
-          </p:nvPr>
-        </p:nvSpPr>
-        <p:spPr>
-          <a:xfrm>
-            <a:off x="467544" y="1556792"/>
-            <a:ext cx="8229600" cy="1224136"/>
-          </a:xfrm>
-        </p:spPr>
-        <p:txBody>
-          <a:bodyPr/>
-          <a:lstStyle/>
-          <a:p>
-            <a:pPr>
-              <a:buNone/>
-            </a:pPr>
-            <a:r>
-              <a:rPr lang="fr-FR" dirty="0" smtClean="0"/>
-              <a:t>Lorsque l’opération arrive à maturité faut il rendre la CVA (vs DVA):</a:t>
-            </a:r>
-          </a:p>
-          <a:p>
-            <a:pPr>
-              <a:buNone/>
-            </a:pPr>
-            <a:endParaRPr lang="fr-FR" dirty="0" smtClean="0"/>
-          </a:p>
-        </p:txBody>
-      </p:sp>
-      <p:sp>
-        <p:nvSpPr>
-          <p:cNvPr id="4" name="Espace réservé du contenu 2"/>
-          <p:cNvSpPr txBox="1">
-            <a:spLocks/>
-          </p:cNvSpPr>
-          <p:nvPr/>
-        </p:nvSpPr>
-        <p:spPr>
-          <a:xfrm>
-            <a:off x="323528" y="2780928"/>
-            <a:ext cx="8352928" cy="3888432"/>
-          </a:xfrm>
-          <a:prstGeom prst="rect">
-            <a:avLst/>
-          </a:prstGeom>
-        </p:spPr>
-        <p:txBody>
-          <a:bodyPr vert="horz" lIns="91440" tIns="45720" rIns="91440" bIns="45720" rtlCol="0">
-            <a:normAutofit/>
-          </a:bodyPr>
-          <a:lstStyle>
-            <a:lvl1pPr marL="342900" indent="-342900" algn="l" defTabSz="914400" rtl="0" eaLnBrk="1" latinLnBrk="0" hangingPunct="1">
-              <a:spcBef>
-                <a:spcPct val="20000"/>
-              </a:spcBef>
-              <a:buFont typeface="Arial" pitchFamily="34" charset="0"/>
-              <a:buChar char="•"/>
-              <a:defRPr sz="3200" kern="1200">
-                <a:solidFill>
-                  <a:schemeClr val="tx1"/>
-                </a:solidFill>
-                <a:latin typeface="+mn-lt"/>
-                <a:ea typeface="+mn-ea"/>
-                <a:cs typeface="+mn-cs"/>
-              </a:defRPr>
-            </a:lvl1pPr>
-            <a:lvl2pPr marL="742950" indent="-285750" algn="l" defTabSz="914400" rtl="0" eaLnBrk="1" latinLnBrk="0" hangingPunct="1">
-              <a:spcBef>
-                <a:spcPct val="20000"/>
-              </a:spcBef>
-              <a:buFont typeface="Arial" pitchFamily="34" charset="0"/>
-              <a:buChar char="–"/>
-              <a:defRPr sz="2800" kern="1200">
-                <a:solidFill>
-                  <a:schemeClr val="tx1"/>
-                </a:solidFill>
-                <a:latin typeface="+mn-lt"/>
-                <a:ea typeface="+mn-ea"/>
-                <a:cs typeface="+mn-cs"/>
-              </a:defRPr>
-            </a:lvl2pPr>
-            <a:lvl3pPr marL="1143000" indent="-228600" algn="l" defTabSz="914400" rtl="0" eaLnBrk="1" latinLnBrk="0" hangingPunct="1">
-              <a:spcBef>
-                <a:spcPct val="20000"/>
-              </a:spcBef>
-              <a:buFont typeface="Arial" pitchFamily="34" charset="0"/>
-              <a:buChar char="•"/>
-              <a:defRPr sz="2400" kern="1200">
-                <a:solidFill>
-                  <a:schemeClr val="tx1"/>
-                </a:solidFill>
-                <a:latin typeface="+mn-lt"/>
-                <a:ea typeface="+mn-ea"/>
-                <a:cs typeface="+mn-cs"/>
-              </a:defRPr>
-            </a:lvl3pPr>
-            <a:lvl4pPr marL="1600200" indent="-228600" algn="l" defTabSz="914400" rtl="0" eaLnBrk="1" latinLnBrk="0" hangingPunct="1">
-              <a:spcBef>
-                <a:spcPct val="20000"/>
-              </a:spcBef>
-              <a:buFont typeface="Arial" pitchFamily="34" charset="0"/>
-              <a:buChar char="–"/>
-              <a:defRPr sz="2000" kern="1200">
-                <a:solidFill>
-                  <a:schemeClr val="tx1"/>
-                </a:solidFill>
-                <a:latin typeface="+mn-lt"/>
-                <a:ea typeface="+mn-ea"/>
-                <a:cs typeface="+mn-cs"/>
-              </a:defRPr>
-            </a:lvl4pPr>
-            <a:lvl5pPr marL="2057400" indent="-228600" algn="l" defTabSz="914400" rtl="0" eaLnBrk="1" latinLnBrk="0" hangingPunct="1">
-              <a:spcBef>
-                <a:spcPct val="20000"/>
-              </a:spcBef>
-              <a:buFont typeface="Arial" pitchFamily="34" charset="0"/>
-              <a:buChar char="»"/>
-              <a:defRPr sz="2000" kern="1200">
-                <a:solidFill>
-                  <a:schemeClr val="tx1"/>
-                </a:solidFill>
-                <a:latin typeface="+mn-lt"/>
-                <a:ea typeface="+mn-ea"/>
-                <a:cs typeface="+mn-cs"/>
-              </a:defRPr>
-            </a:lvl5pPr>
-            <a:lvl6pPr marL="2514600" indent="-228600" algn="l" defTabSz="914400" rtl="0" eaLnBrk="1" latinLnBrk="0" hangingPunct="1">
-              <a:spcBef>
-                <a:spcPct val="20000"/>
-              </a:spcBef>
-              <a:buFont typeface="Arial" pitchFamily="34" charset="0"/>
-              <a:buChar char="•"/>
-              <a:defRPr sz="2000" kern="1200">
-                <a:solidFill>
-                  <a:schemeClr val="tx1"/>
-                </a:solidFill>
-                <a:latin typeface="+mn-lt"/>
-                <a:ea typeface="+mn-ea"/>
-                <a:cs typeface="+mn-cs"/>
-              </a:defRPr>
-            </a:lvl6pPr>
-            <a:lvl7pPr marL="2971800" indent="-228600" algn="l" defTabSz="914400" rtl="0" eaLnBrk="1" latinLnBrk="0" hangingPunct="1">
-              <a:spcBef>
-                <a:spcPct val="20000"/>
-              </a:spcBef>
-              <a:buFont typeface="Arial" pitchFamily="34" charset="0"/>
-              <a:buChar char="•"/>
-              <a:defRPr sz="2000" kern="1200">
-                <a:solidFill>
-                  <a:schemeClr val="tx1"/>
-                </a:solidFill>
-                <a:latin typeface="+mn-lt"/>
-                <a:ea typeface="+mn-ea"/>
-                <a:cs typeface="+mn-cs"/>
-              </a:defRPr>
-            </a:lvl7pPr>
-            <a:lvl8pPr marL="3429000" indent="-228600" algn="l" defTabSz="914400" rtl="0" eaLnBrk="1" latinLnBrk="0" hangingPunct="1">
-              <a:spcBef>
-                <a:spcPct val="20000"/>
-              </a:spcBef>
-              <a:buFont typeface="Arial" pitchFamily="34" charset="0"/>
-              <a:buChar char="•"/>
-              <a:defRPr sz="2000" kern="1200">
-                <a:solidFill>
-                  <a:schemeClr val="tx1"/>
-                </a:solidFill>
-                <a:latin typeface="+mn-lt"/>
-                <a:ea typeface="+mn-ea"/>
-                <a:cs typeface="+mn-cs"/>
-              </a:defRPr>
-            </a:lvl8pPr>
-            <a:lvl9pPr marL="3886200" indent="-228600" algn="l" defTabSz="914400" rtl="0" eaLnBrk="1" latinLnBrk="0" hangingPunct="1">
-              <a:spcBef>
-                <a:spcPct val="20000"/>
-              </a:spcBef>
-              <a:buFont typeface="Arial" pitchFamily="34" charset="0"/>
-              <a:buChar char="•"/>
-              <a:defRPr sz="2000" kern="1200">
-                <a:solidFill>
-                  <a:schemeClr val="tx1"/>
-                </a:solidFill>
-                <a:latin typeface="+mn-lt"/>
-                <a:ea typeface="+mn-ea"/>
-                <a:cs typeface="+mn-cs"/>
-              </a:defRPr>
-            </a:lvl9pPr>
-          </a:lstStyle>
-          <a:p>
-            <a:pPr marL="514350" indent="-514350">
-              <a:buFont typeface="+mj-lt"/>
-              <a:buAutoNum type="arabicPeriod"/>
-            </a:pPr>
-            <a:r>
-              <a:rPr lang="fr-FR" dirty="0" smtClean="0"/>
-              <a:t>Oui ou non ?</a:t>
-            </a:r>
-          </a:p>
-          <a:p>
-            <a:pPr marL="514350" indent="-514350">
-              <a:buFont typeface="+mj-lt"/>
-              <a:buAutoNum type="arabicPeriod"/>
-            </a:pPr>
-            <a:r>
-              <a:rPr lang="fr-FR" dirty="0" smtClean="0"/>
-              <a:t>Au client ?</a:t>
-            </a:r>
-          </a:p>
-          <a:p>
-            <a:pPr marL="514350" indent="-514350">
-              <a:buFont typeface="+mj-lt"/>
-              <a:buAutoNum type="arabicPeriod"/>
-            </a:pPr>
-            <a:r>
-              <a:rPr lang="fr-FR" dirty="0" smtClean="0"/>
-              <a:t>Au vendeur ?</a:t>
-            </a:r>
-          </a:p>
-          <a:p>
-            <a:pPr marL="514350" indent="-514350">
-              <a:buFont typeface="+mj-lt"/>
-              <a:buAutoNum type="arabicPeriod"/>
-            </a:pPr>
-            <a:r>
-              <a:rPr lang="fr-FR" dirty="0" smtClean="0"/>
-              <a:t>Au trader ?</a:t>
-            </a:r>
-          </a:p>
-          <a:p>
-            <a:pPr marL="514350" indent="-514350">
-              <a:buFont typeface="+mj-lt"/>
-              <a:buAutoNum type="arabicPeriod"/>
-            </a:pPr>
-            <a:r>
-              <a:rPr lang="fr-FR" dirty="0" smtClean="0"/>
-              <a:t>Au desk CVA ?</a:t>
-            </a:r>
-          </a:p>
-          <a:p>
-            <a:pPr marL="514350" indent="-514350">
-              <a:buFont typeface="+mj-lt"/>
-              <a:buAutoNum type="arabicPeriod"/>
-            </a:pPr>
-            <a:r>
-              <a:rPr lang="fr-FR" dirty="0" smtClean="0"/>
-              <a:t>A quelqu’un d’autre ?</a:t>
-            </a:r>
-          </a:p>
-          <a:p>
-            <a:pPr marL="514350" indent="-514350">
-              <a:buFont typeface="+mj-lt"/>
-              <a:buAutoNum type="arabicPeriod"/>
-            </a:pPr>
-            <a:endParaRPr lang="fr-FR" dirty="0" smtClean="0"/>
-          </a:p>
-        </p:txBody>
-      </p:sp>
-    </p:spTree>
-    <p:extLst>
-      <p:ext uri="{BB962C8B-B14F-4D97-AF65-F5344CB8AC3E}">
-        <p14:creationId xmlns="" xmlns:p14="http://schemas.microsoft.com/office/powerpoint/2010/main" val="504931267"/>
-      </p:ext>
-    </p:extLst>
-  </p:cSld>
-  <p:clrMapOvr>
-    <a:masterClrMapping/>
-  </p:clrMapOvr>
-  <p:timing>
-    <p:tnLst>
-      <p:par>
-        <p:cTn id="1" dur="indefinite" restart="never" nodeType="tmRoot"/>
-      </p:par>
-    </p:tnLst>
-  </p:timing>
-</p:sld>
-</file>
-
-<file path=ppt/slides/slide27.xml><?xml version="1.0" encoding="utf-8"?>
-<p:sld xmlns:a="http://schemas.openxmlformats.org/drawingml/2006/main" xmlns:r="http://schemas.openxmlformats.org/officeDocument/2006/relationships" xmlns:p="http://schemas.openxmlformats.org/presentationml/2006/main">
-  <p:cSld>
-    <p:spTree>
-      <p:nvGrpSpPr>
-        <p:cNvPr id="1" name=""/>
-        <p:cNvGrpSpPr/>
-        <p:nvPr/>
-      </p:nvGrpSpPr>
-      <p:grpSpPr>
-        <a:xfrm>
-          <a:off x="0" y="0"/>
-          <a:ext cx="0" cy="0"/>
-          <a:chOff x="0" y="0"/>
-          <a:chExt cx="0" cy="0"/>
-        </a:xfrm>
-      </p:grpSpPr>
-      <p:sp>
-        <p:nvSpPr>
           <p:cNvPr id="2" name="Title 1"/>
           <p:cNvSpPr>
             <a:spLocks noGrp="1"/>
@@ -6042,17 +6871,17 @@
       </p:sp>
       <p:pic>
         <p:nvPicPr>
-          <p:cNvPr id="30722" name="Picture 2"/>
+          <p:cNvPr id="5" name="Picture 2" descr="http://i0.wp.com/cvacentral.com/wp-content/uploads/2014/05/untitled.png"/>
           <p:cNvPicPr>
             <a:picLocks noChangeAspect="1" noChangeArrowheads="1"/>
           </p:cNvPicPr>
           <p:nvPr/>
         </p:nvPicPr>
         <p:blipFill>
-          <a:blip r:embed="rId2" cstate="print">
+          <a:blip r:embed="rId2">
             <a:extLst>
               <a:ext uri="{28A0092B-C50C-407E-A947-70E740481C1C}">
-                <a14:useLocalDpi xmlns="" xmlns:a14="http://schemas.microsoft.com/office/drawing/2010/main" val="0"/>
+                <a14:useLocalDpi xmlns:a14="http://schemas.microsoft.com/office/drawing/2010/main" val="0"/>
               </a:ext>
             </a:extLst>
           </a:blip>
@@ -6063,204 +6892,63 @@
         </p:blipFill>
         <p:spPr bwMode="auto">
           <a:xfrm>
-            <a:off x="2843808" y="1268760"/>
-            <a:ext cx="3707904" cy="5389917"/>
+            <a:off x="3059832" y="1253221"/>
+            <a:ext cx="2880320" cy="4205023"/>
           </a:xfrm>
           <a:prstGeom prst="rect">
             <a:avLst/>
           </a:prstGeom>
           <a:noFill/>
-          <a:ln>
-            <a:noFill/>
-          </a:ln>
           <a:extLst>
             <a:ext uri="{909E8E84-426E-40DD-AFC4-6F175D3DCCD1}">
-              <a14:hiddenFill xmlns="" xmlns:a14="http://schemas.microsoft.com/office/drawing/2010/main">
+              <a14:hiddenFill xmlns:a14="http://schemas.microsoft.com/office/drawing/2010/main">
                 <a:solidFill>
-                  <a:schemeClr val="accent1"/>
+                  <a:srgbClr val="FFFFFF"/>
                 </a:solidFill>
               </a14:hiddenFill>
-            </a:ext>
-            <a:ext uri="{91240B29-F687-4F45-9708-019B960494DF}">
-              <a14:hiddenLine xmlns="" xmlns:a14="http://schemas.microsoft.com/office/drawing/2010/main" w="9525">
-                <a:solidFill>
-                  <a:schemeClr val="tx1"/>
-                </a:solidFill>
-                <a:miter lim="800000"/>
-                <a:headEnd/>
-                <a:tailEnd/>
-              </a14:hiddenLine>
             </a:ext>
           </a:extLst>
         </p:spPr>
       </p:pic>
+      <p:sp>
+        <p:nvSpPr>
+          <p:cNvPr id="3" name="ZoneTexte 2"/>
+          <p:cNvSpPr txBox="1"/>
+          <p:nvPr/>
+        </p:nvSpPr>
+        <p:spPr>
+          <a:xfrm>
+            <a:off x="2765882" y="5731534"/>
+            <a:ext cx="3312368" cy="461665"/>
+          </a:xfrm>
+          <a:prstGeom prst="rect">
+            <a:avLst/>
+          </a:prstGeom>
+          <a:noFill/>
+        </p:spPr>
+        <p:txBody>
+          <a:bodyPr wrap="square" rtlCol="0">
+            <a:spAutoFit/>
+          </a:bodyPr>
+          <a:lstStyle/>
+          <a:p>
+            <a:r>
+              <a:rPr lang="en-US" sz="2400" b="1" u="sng" dirty="0">
+                <a:solidFill>
+                  <a:schemeClr val="tx2"/>
+                </a:solidFill>
+              </a:rPr>
+              <a:t>http://cvacentral.com/</a:t>
+            </a:r>
+          </a:p>
+        </p:txBody>
+      </p:sp>
     </p:spTree>
     <p:extLst>
       <p:ext uri="{BB962C8B-B14F-4D97-AF65-F5344CB8AC3E}">
-        <p14:creationId xmlns="" xmlns:p14="http://schemas.microsoft.com/office/powerpoint/2010/main" val="1493361891"/>
+        <p14:creationId xmlns:p14="http://schemas.microsoft.com/office/powerpoint/2010/main" val="1493361891"/>
       </p:ext>
     </p:extLst>
-  </p:cSld>
-  <p:clrMapOvr>
-    <a:masterClrMapping/>
-  </p:clrMapOvr>
-  <p:timing>
-    <p:tnLst>
-      <p:par>
-        <p:cTn id="1" dur="indefinite" restart="never" nodeType="tmRoot"/>
-      </p:par>
-    </p:tnLst>
-  </p:timing>
-</p:sld>
-</file>
-
-<file path=ppt/slides/slide3.xml><?xml version="1.0" encoding="utf-8"?>
-<p:sld xmlns:a="http://schemas.openxmlformats.org/drawingml/2006/main" xmlns:r="http://schemas.openxmlformats.org/officeDocument/2006/relationships" xmlns:p="http://schemas.openxmlformats.org/presentationml/2006/main">
-  <p:cSld>
-    <p:spTree>
-      <p:nvGrpSpPr>
-        <p:cNvPr id="1" name=""/>
-        <p:cNvGrpSpPr/>
-        <p:nvPr/>
-      </p:nvGrpSpPr>
-      <p:grpSpPr>
-        <a:xfrm>
-          <a:off x="0" y="0"/>
-          <a:ext cx="0" cy="0"/>
-          <a:chOff x="0" y="0"/>
-          <a:chExt cx="0" cy="0"/>
-        </a:xfrm>
-      </p:grpSpPr>
-      <p:sp>
-        <p:nvSpPr>
-          <p:cNvPr id="2" name="Titre 1"/>
-          <p:cNvSpPr>
-            <a:spLocks noGrp="1"/>
-          </p:cNvSpPr>
-          <p:nvPr>
-            <p:ph type="title"/>
-          </p:nvPr>
-        </p:nvSpPr>
-        <p:spPr/>
-        <p:txBody>
-          <a:bodyPr>
-            <a:normAutofit fontScale="90000"/>
-          </a:bodyPr>
-          <a:lstStyle/>
-          <a:p>
-            <a:r>
-              <a:rPr lang="fr-FR" dirty="0" smtClean="0"/>
-              <a:t>Après midi  </a:t>
-            </a:r>
-            <a:br>
-              <a:rPr lang="fr-FR" dirty="0" smtClean="0"/>
-            </a:br>
-            <a:r>
-              <a:rPr lang="fr-FR" dirty="0" smtClean="0"/>
-              <a:t> </a:t>
-            </a:r>
-            <a:r>
-              <a:rPr lang="fr-FR" dirty="0" err="1" smtClean="0"/>
-              <a:t>Collatéralisation</a:t>
-            </a:r>
-            <a:r>
-              <a:rPr lang="fr-FR" dirty="0" smtClean="0"/>
-              <a:t> et Exposition</a:t>
-            </a:r>
-            <a:endParaRPr lang="fr-FR" dirty="0"/>
-          </a:p>
-        </p:txBody>
-      </p:sp>
-      <p:sp>
-        <p:nvSpPr>
-          <p:cNvPr id="3" name="Espace réservé du contenu 2"/>
-          <p:cNvSpPr>
-            <a:spLocks noGrp="1"/>
-          </p:cNvSpPr>
-          <p:nvPr>
-            <p:ph idx="1"/>
-          </p:nvPr>
-        </p:nvSpPr>
-        <p:spPr/>
-        <p:txBody>
-          <a:bodyPr>
-            <a:normAutofit/>
-          </a:bodyPr>
-          <a:lstStyle/>
-          <a:p>
-            <a:pPr marL="514350" indent="-514350">
-              <a:buNone/>
-            </a:pPr>
-            <a:endParaRPr lang="fr-FR" sz="2400" b="1" dirty="0" smtClean="0">
-              <a:latin typeface="Arial" pitchFamily="34" charset="0"/>
-              <a:cs typeface="Arial" pitchFamily="34" charset="0"/>
-            </a:endParaRPr>
-          </a:p>
-          <a:p>
-            <a:pPr marL="514350" indent="-514350">
-              <a:buFont typeface="+mj-lt"/>
-              <a:buAutoNum type="arabicPeriod"/>
-            </a:pPr>
-            <a:r>
-              <a:rPr lang="fr-FR" sz="2400" dirty="0" smtClean="0">
-                <a:latin typeface="Arial" pitchFamily="34" charset="0"/>
-                <a:cs typeface="Arial" pitchFamily="34" charset="0"/>
-              </a:rPr>
-              <a:t>CDS</a:t>
-            </a:r>
-          </a:p>
-          <a:p>
-            <a:pPr marL="514350" indent="-514350">
-              <a:buFont typeface="+mj-lt"/>
-              <a:buAutoNum type="arabicPeriod"/>
-            </a:pPr>
-            <a:r>
-              <a:rPr lang="fr-FR" sz="2400" dirty="0" smtClean="0">
-                <a:latin typeface="Arial" pitchFamily="34" charset="0"/>
-                <a:cs typeface="Arial" pitchFamily="34" charset="0"/>
-              </a:rPr>
-              <a:t>Formule de la CVA</a:t>
-            </a:r>
-          </a:p>
-          <a:p>
-            <a:pPr marL="514350" indent="-514350">
-              <a:buFont typeface="+mj-lt"/>
-              <a:buAutoNum type="arabicPeriod"/>
-            </a:pPr>
-            <a:r>
-              <a:rPr lang="fr-FR" sz="2400" dirty="0" smtClean="0">
-                <a:latin typeface="Arial" pitchFamily="34" charset="0"/>
-                <a:cs typeface="Arial" pitchFamily="34" charset="0"/>
-              </a:rPr>
-              <a:t>Effet portefeuille et desk CVA.</a:t>
-            </a:r>
-          </a:p>
-          <a:p>
-            <a:pPr marL="514350" indent="-514350">
-              <a:buFont typeface="+mj-lt"/>
-              <a:buAutoNum type="arabicPeriod"/>
-            </a:pPr>
-            <a:r>
-              <a:rPr lang="fr-FR" sz="2400" dirty="0" smtClean="0">
-                <a:latin typeface="Arial" pitchFamily="34" charset="0"/>
-                <a:cs typeface="Arial" pitchFamily="34" charset="0"/>
-              </a:rPr>
-              <a:t>Gestion de la CVA</a:t>
-            </a:r>
-          </a:p>
-          <a:p>
-            <a:pPr marL="514350" indent="-514350">
-              <a:buFont typeface="+mj-lt"/>
-              <a:buAutoNum type="arabicPeriod"/>
-            </a:pPr>
-            <a:endParaRPr lang="fr-FR" sz="2400" dirty="0" smtClean="0">
-              <a:latin typeface="Arial" pitchFamily="34" charset="0"/>
-              <a:cs typeface="Arial" pitchFamily="34" charset="0"/>
-            </a:endParaRPr>
-          </a:p>
-        </p:txBody>
-      </p:sp>
-    </p:spTree>
   </p:cSld>
   <p:clrMapOvr>
     <a:masterClrMapping/>
@@ -6304,12 +6992,29 @@
         </p:nvSpPr>
         <p:spPr/>
         <p:txBody>
-          <a:bodyPr/>
+          <a:bodyPr>
+            <a:normAutofit fontScale="90000"/>
+          </a:bodyPr>
           <a:lstStyle/>
           <a:p>
             <a:r>
               <a:rPr lang="fr-FR" dirty="0" smtClean="0"/>
-              <a:t>Mensualité d’un prêt à taux fixe.</a:t>
+              <a:t>Jour 2 - Matin  </a:t>
+            </a:r>
+            <a:r>
+              <a:rPr lang="fr-FR" dirty="0" smtClean="0"/>
+              <a:t/>
+            </a:r>
+            <a:br>
+              <a:rPr lang="fr-FR" dirty="0" smtClean="0"/>
+            </a:br>
+            <a:r>
+              <a:rPr lang="fr-FR" dirty="0" smtClean="0"/>
+              <a:t>FX &amp; </a:t>
+            </a:r>
+            <a:r>
+              <a:rPr lang="fr-FR" dirty="0" err="1" smtClean="0"/>
+              <a:t>Collatéralisation</a:t>
             </a:r>
             <a:endParaRPr lang="fr-FR" dirty="0"/>
           </a:p>
@@ -6327,40 +7032,18 @@
         </p:nvSpPr>
         <p:spPr/>
         <p:txBody>
-          <a:bodyPr/>
+          <a:bodyPr>
+            <a:normAutofit/>
+          </a:bodyPr>
           <a:lstStyle/>
           <a:p>
-            <a:pPr>
+            <a:pPr marL="514350" indent="-514350">
               <a:buNone/>
             </a:pPr>
-            <a:r>
-              <a:rPr lang="fr-FR" dirty="0" smtClean="0"/>
-              <a:t>On souhaite emprunter </a:t>
-            </a:r>
-            <a:r>
-              <a:rPr lang="fr-FR" b="1" dirty="0" smtClean="0"/>
-              <a:t>120 000 euros </a:t>
-            </a:r>
-            <a:r>
-              <a:rPr lang="fr-FR" dirty="0" smtClean="0"/>
-              <a:t>pendant </a:t>
-            </a:r>
-            <a:r>
-              <a:rPr lang="fr-FR" b="1" dirty="0" smtClean="0"/>
-              <a:t>10 ans </a:t>
-            </a:r>
-            <a:r>
-              <a:rPr lang="fr-FR" dirty="0" smtClean="0"/>
-              <a:t>à un taux de </a:t>
-            </a:r>
-            <a:r>
-              <a:rPr lang="fr-FR" b="1" dirty="0" smtClean="0"/>
-              <a:t>1%</a:t>
-            </a:r>
-            <a:r>
-              <a:rPr lang="fr-FR" dirty="0" smtClean="0"/>
-              <a:t>. Quelle est la mensualité?</a:t>
-            </a:r>
+            <a:endParaRPr lang="fr-FR" sz="2400" b="1" dirty="0" smtClean="0">
+              <a:latin typeface="Arial" pitchFamily="34" charset="0"/>
+              <a:cs typeface="Arial" pitchFamily="34" charset="0"/>
+            </a:endParaRPr>
           </a:p>
           <a:p>
             <a:pPr marL="514350" indent="-514350">
@@ -6368,9 +7051,23 @@
               <a:buAutoNum type="arabicPeriod"/>
             </a:pPr>
             <a:r>
-              <a:rPr lang="fr-FR" dirty="0" smtClean="0"/>
-              <a:t>950 euros.</a:t>
-            </a:r>
+              <a:rPr lang="fr-FR" sz="2400" dirty="0" err="1" smtClean="0">
+                <a:latin typeface="Arial" pitchFamily="34" charset="0"/>
+                <a:cs typeface="Arial" pitchFamily="34" charset="0"/>
+              </a:rPr>
+              <a:t>Forward</a:t>
+            </a:r>
+            <a:r>
+              <a:rPr lang="fr-FR" sz="2400" dirty="0" smtClean="0">
+                <a:latin typeface="Arial" pitchFamily="34" charset="0"/>
+                <a:cs typeface="Arial" pitchFamily="34" charset="0"/>
+              </a:rPr>
+              <a:t> de change et leur gestion</a:t>
+            </a:r>
+            <a:endParaRPr lang="fr-FR" sz="2400" dirty="0" smtClean="0">
+              <a:latin typeface="Arial" pitchFamily="34" charset="0"/>
+              <a:cs typeface="Arial" pitchFamily="34" charset="0"/>
+            </a:endParaRPr>
           </a:p>
           <a:p>
             <a:pPr marL="514350" indent="-514350">
@@ -6378,8 +7075,25 @@
               <a:buAutoNum type="arabicPeriod"/>
             </a:pPr>
             <a:r>
-              <a:rPr lang="fr-FR" dirty="0" smtClean="0"/>
-              <a:t>1000 euros.</a:t>
+              <a:rPr lang="fr-FR" sz="2400" dirty="0" smtClean="0">
+                <a:latin typeface="Arial" pitchFamily="34" charset="0"/>
+                <a:cs typeface="Arial" pitchFamily="34" charset="0"/>
+              </a:rPr>
+              <a:t>CVA Analytique d’un </a:t>
+            </a:r>
+            <a:r>
+              <a:rPr lang="fr-FR" sz="2400" dirty="0" err="1" smtClean="0">
+                <a:latin typeface="Arial" pitchFamily="34" charset="0"/>
+                <a:cs typeface="Arial" pitchFamily="34" charset="0"/>
+              </a:rPr>
+              <a:t>forward</a:t>
+            </a:r>
+            <a:r>
+              <a:rPr lang="fr-FR" sz="2400" dirty="0" smtClean="0">
+                <a:latin typeface="Arial" pitchFamily="34" charset="0"/>
+                <a:cs typeface="Arial" pitchFamily="34" charset="0"/>
+              </a:rPr>
+              <a:t> de change</a:t>
             </a:r>
           </a:p>
           <a:p>
@@ -6388,9 +7102,37 @@
               <a:buAutoNum type="arabicPeriod"/>
             </a:pPr>
             <a:r>
-              <a:rPr lang="fr-FR" dirty="0" smtClean="0"/>
-              <a:t>1050 euros.</a:t>
-            </a:r>
+              <a:rPr lang="fr-FR" sz="2400" dirty="0" smtClean="0">
+                <a:latin typeface="Arial" pitchFamily="34" charset="0"/>
+                <a:cs typeface="Arial" pitchFamily="34" charset="0"/>
+              </a:rPr>
+              <a:t>CVA par simulation Monte Carlo d’un </a:t>
+            </a:r>
+            <a:r>
+              <a:rPr lang="fr-FR" sz="2400" dirty="0" err="1" smtClean="0">
+                <a:latin typeface="Arial" pitchFamily="34" charset="0"/>
+                <a:cs typeface="Arial" pitchFamily="34" charset="0"/>
+              </a:rPr>
+              <a:t>forward</a:t>
+            </a:r>
+            <a:r>
+              <a:rPr lang="fr-FR" sz="2400" dirty="0" smtClean="0">
+                <a:latin typeface="Arial" pitchFamily="34" charset="0"/>
+                <a:cs typeface="Arial" pitchFamily="34" charset="0"/>
+              </a:rPr>
+              <a:t> de change – Les détails de la </a:t>
+            </a:r>
+            <a:r>
+              <a:rPr lang="fr-FR" sz="2400" dirty="0" err="1" smtClean="0">
+                <a:latin typeface="Arial" pitchFamily="34" charset="0"/>
+                <a:cs typeface="Arial" pitchFamily="34" charset="0"/>
+              </a:rPr>
+              <a:t>collatéralisation</a:t>
+            </a:r>
+            <a:endParaRPr lang="fr-FR" sz="2400" dirty="0" smtClean="0">
+              <a:latin typeface="Arial" pitchFamily="34" charset="0"/>
+              <a:cs typeface="Arial" pitchFamily="34" charset="0"/>
+            </a:endParaRPr>
           </a:p>
           <a:p>
             <a:pPr marL="514350" indent="-514350">
@@ -6398,14 +7140,32 @@
               <a:buAutoNum type="arabicPeriod"/>
             </a:pPr>
             <a:r>
-              <a:rPr lang="fr-FR" dirty="0" smtClean="0"/>
-              <a:t>1100 euros. </a:t>
-            </a:r>
-            <a:endParaRPr lang="fr-FR" dirty="0"/>
+              <a:rPr lang="fr-FR" sz="2400" dirty="0">
+                <a:latin typeface="Arial" pitchFamily="34" charset="0"/>
+                <a:cs typeface="Arial" pitchFamily="34" charset="0"/>
+              </a:rPr>
+              <a:t>Initial </a:t>
+            </a:r>
+            <a:r>
+              <a:rPr lang="fr-FR" sz="2400" dirty="0" err="1" smtClean="0">
+                <a:latin typeface="Arial" pitchFamily="34" charset="0"/>
+                <a:cs typeface="Arial" pitchFamily="34" charset="0"/>
+              </a:rPr>
+              <a:t>Margin</a:t>
+            </a:r>
+            <a:endParaRPr lang="fr-FR" sz="2400" dirty="0">
+              <a:latin typeface="Arial" pitchFamily="34" charset="0"/>
+              <a:cs typeface="Arial" pitchFamily="34" charset="0"/>
+            </a:endParaRPr>
           </a:p>
         </p:txBody>
       </p:sp>
     </p:spTree>
+    <p:extLst>
+      <p:ext uri="{BB962C8B-B14F-4D97-AF65-F5344CB8AC3E}">
+        <p14:creationId xmlns:p14="http://schemas.microsoft.com/office/powerpoint/2010/main" val="2651763482"/>
+      </p:ext>
+    </p:extLst>
   </p:cSld>
   <p:clrMapOvr>
     <a:masterClrMapping/>
@@ -6439,7 +7199,7 @@
       </p:grpSpPr>
       <p:sp>
         <p:nvSpPr>
-          <p:cNvPr id="2" name="Title 1"/>
+          <p:cNvPr id="2" name="Titre 1"/>
           <p:cNvSpPr>
             <a:spLocks noGrp="1"/>
           </p:cNvSpPr>
@@ -6456,70 +7216,209 @@
           <a:p>
             <a:r>
               <a:rPr lang="fr-FR" dirty="0" smtClean="0"/>
-              <a:t>Répartition en nominal des dérivés par produits.</a:t>
-            </a:r>
-            <a:endParaRPr lang="en-GB" dirty="0"/>
-          </a:p>
-        </p:txBody>
-      </p:sp>
-      <p:pic>
-        <p:nvPicPr>
-          <p:cNvPr id="3" name="Picture 2"/>
-          <p:cNvPicPr>
-            <a:picLocks noChangeAspect="1" noChangeArrowheads="1"/>
-          </p:cNvPicPr>
-          <p:nvPr/>
-        </p:nvPicPr>
-        <p:blipFill>
-          <a:blip r:embed="rId2">
-            <a:extLst>
-              <a:ext uri="{28A0092B-C50C-407E-A947-70E740481C1C}">
-                <a14:useLocalDpi xmlns="" xmlns:a14="http://schemas.microsoft.com/office/drawing/2010/main" val="0"/>
-              </a:ext>
-            </a:extLst>
-          </a:blip>
-          <a:srcRect/>
-          <a:stretch>
-            <a:fillRect/>
-          </a:stretch>
-        </p:blipFill>
-        <p:spPr bwMode="auto">
-          <a:xfrm>
-            <a:off x="494185" y="1881563"/>
-            <a:ext cx="8005190" cy="3315357"/>
-          </a:xfrm>
-          <a:prstGeom prst="rect">
-            <a:avLst/>
-          </a:prstGeom>
-          <a:noFill/>
-          <a:ln>
-            <a:noFill/>
-          </a:ln>
-          <a:extLst>
-            <a:ext uri="{909E8E84-426E-40DD-AFC4-6F175D3DCCD1}">
-              <a14:hiddenFill xmlns="" xmlns:a14="http://schemas.microsoft.com/office/drawing/2010/main">
-                <a:solidFill>
-                  <a:schemeClr val="accent1"/>
-                </a:solidFill>
-              </a14:hiddenFill>
-            </a:ext>
-            <a:ext uri="{91240B29-F687-4F45-9708-019B960494DF}">
-              <a14:hiddenLine xmlns="" xmlns:a14="http://schemas.microsoft.com/office/drawing/2010/main" w="9525">
-                <a:solidFill>
-                  <a:schemeClr val="tx1"/>
-                </a:solidFill>
-                <a:miter lim="800000"/>
-                <a:headEnd/>
-                <a:tailEnd/>
-              </a14:hiddenLine>
-            </a:ext>
-          </a:extLst>
-        </p:spPr>
-      </p:pic>
+              <a:t>Jour 2 - Après </a:t>
+            </a:r>
+            <a:r>
+              <a:rPr lang="fr-FR" dirty="0" smtClean="0"/>
+              <a:t>midi </a:t>
+            </a:r>
+            <a:r>
+              <a:rPr lang="fr-FR" dirty="0" smtClean="0"/>
+              <a:t/>
+            </a:r>
+            <a:br>
+              <a:rPr lang="fr-FR" dirty="0" smtClean="0"/>
+            </a:br>
+            <a:r>
+              <a:rPr lang="fr-FR" dirty="0" smtClean="0"/>
+              <a:t>CVA &amp; Organisation</a:t>
+            </a:r>
+            <a:endParaRPr lang="fr-FR" dirty="0"/>
+          </a:p>
+        </p:txBody>
+      </p:sp>
+      <p:sp>
+        <p:nvSpPr>
+          <p:cNvPr id="3" name="Espace réservé du contenu 2"/>
+          <p:cNvSpPr>
+            <a:spLocks noGrp="1"/>
+          </p:cNvSpPr>
+          <p:nvPr>
+            <p:ph idx="1"/>
+          </p:nvPr>
+        </p:nvSpPr>
+        <p:spPr/>
+        <p:txBody>
+          <a:bodyPr>
+            <a:normAutofit/>
+          </a:bodyPr>
+          <a:lstStyle/>
+          <a:p>
+            <a:pPr marL="514350" indent="-514350">
+              <a:buNone/>
+            </a:pPr>
+            <a:endParaRPr lang="fr-FR" sz="2400" b="1" dirty="0" smtClean="0">
+              <a:latin typeface="Arial" pitchFamily="34" charset="0"/>
+              <a:cs typeface="Arial" pitchFamily="34" charset="0"/>
+            </a:endParaRPr>
+          </a:p>
+          <a:p>
+            <a:pPr marL="514350" indent="-514350">
+              <a:buFont typeface="+mj-lt"/>
+              <a:buAutoNum type="arabicPeriod"/>
+            </a:pPr>
+            <a:r>
+              <a:rPr lang="fr-FR" sz="2400" dirty="0" smtClean="0">
+                <a:latin typeface="Arial" pitchFamily="34" charset="0"/>
+                <a:cs typeface="Arial" pitchFamily="34" charset="0"/>
+              </a:rPr>
+              <a:t>Desk </a:t>
+            </a:r>
+            <a:r>
+              <a:rPr lang="fr-FR" sz="2400" dirty="0" err="1" smtClean="0">
+                <a:latin typeface="Arial" pitchFamily="34" charset="0"/>
+                <a:cs typeface="Arial" pitchFamily="34" charset="0"/>
+              </a:rPr>
+              <a:t>xVA</a:t>
+            </a:r>
+            <a:r>
+              <a:rPr lang="fr-FR" sz="2400" dirty="0" smtClean="0">
+                <a:latin typeface="Arial" pitchFamily="34" charset="0"/>
+                <a:cs typeface="Arial" pitchFamily="34" charset="0"/>
+              </a:rPr>
+              <a:t> : enjeux et organisation</a:t>
+            </a:r>
+            <a:endParaRPr lang="fr-FR" sz="2400" dirty="0" smtClean="0">
+              <a:latin typeface="Arial" pitchFamily="34" charset="0"/>
+              <a:cs typeface="Arial" pitchFamily="34" charset="0"/>
+            </a:endParaRPr>
+          </a:p>
+          <a:p>
+            <a:pPr marL="514350" indent="-514350">
+              <a:buFont typeface="+mj-lt"/>
+              <a:buAutoNum type="arabicPeriod"/>
+            </a:pPr>
+            <a:r>
+              <a:rPr lang="fr-FR" sz="2400" dirty="0" err="1" smtClean="0">
+                <a:latin typeface="Arial" pitchFamily="34" charset="0"/>
+                <a:cs typeface="Arial" pitchFamily="34" charset="0"/>
+              </a:rPr>
+              <a:t>xVA</a:t>
+            </a:r>
+            <a:r>
+              <a:rPr lang="fr-FR" sz="2400" dirty="0" smtClean="0">
+                <a:latin typeface="Arial" pitchFamily="34" charset="0"/>
+                <a:cs typeface="Arial" pitchFamily="34" charset="0"/>
+              </a:rPr>
+              <a:t> et réglementation : RWA CVA.</a:t>
+            </a:r>
+            <a:endParaRPr lang="fr-FR" sz="2400" dirty="0" smtClean="0">
+              <a:latin typeface="Arial" pitchFamily="34" charset="0"/>
+              <a:cs typeface="Arial" pitchFamily="34" charset="0"/>
+            </a:endParaRPr>
+          </a:p>
+          <a:p>
+            <a:pPr marL="514350" indent="-514350">
+              <a:buFont typeface="+mj-lt"/>
+              <a:buAutoNum type="arabicPeriod"/>
+            </a:pPr>
+            <a:r>
+              <a:rPr lang="fr-FR" sz="2400" dirty="0" smtClean="0">
+                <a:latin typeface="Arial" pitchFamily="34" charset="0"/>
+                <a:cs typeface="Arial" pitchFamily="34" charset="0"/>
+              </a:rPr>
+              <a:t>La couverture de la CVA et les contraintes réglementaires.</a:t>
+            </a:r>
+          </a:p>
+          <a:p>
+            <a:pPr marL="514350" indent="-514350">
+              <a:buFont typeface="+mj-lt"/>
+              <a:buAutoNum type="arabicPeriod"/>
+            </a:pPr>
+            <a:r>
+              <a:rPr lang="fr-FR" sz="2400" dirty="0">
+                <a:latin typeface="Arial" pitchFamily="34" charset="0"/>
+                <a:cs typeface="Arial" pitchFamily="34" charset="0"/>
+              </a:rPr>
+              <a:t>Les « autres » </a:t>
+            </a:r>
+            <a:r>
+              <a:rPr lang="fr-FR" sz="2400" dirty="0" err="1">
+                <a:latin typeface="Arial" pitchFamily="34" charset="0"/>
+                <a:cs typeface="Arial" pitchFamily="34" charset="0"/>
+              </a:rPr>
+              <a:t>xVA</a:t>
+            </a:r>
+            <a:r>
+              <a:rPr lang="fr-FR" sz="2400" dirty="0">
+                <a:latin typeface="Arial" pitchFamily="34" charset="0"/>
+                <a:cs typeface="Arial" pitchFamily="34" charset="0"/>
+              </a:rPr>
+              <a:t> : </a:t>
+            </a:r>
+            <a:r>
+              <a:rPr lang="fr-FR" sz="2400" dirty="0" err="1">
+                <a:latin typeface="Arial" pitchFamily="34" charset="0"/>
+                <a:cs typeface="Arial" pitchFamily="34" charset="0"/>
+              </a:rPr>
+              <a:t>ColVA</a:t>
+            </a:r>
+            <a:r>
+              <a:rPr lang="fr-FR" sz="2400" dirty="0">
+                <a:latin typeface="Arial" pitchFamily="34" charset="0"/>
+                <a:cs typeface="Arial" pitchFamily="34" charset="0"/>
+              </a:rPr>
+              <a:t>, FVA, MVA, KVA </a:t>
+            </a:r>
+            <a:r>
+              <a:rPr lang="fr-FR" sz="2400" dirty="0" err="1">
+                <a:latin typeface="Arial" pitchFamily="34" charset="0"/>
+                <a:cs typeface="Arial" pitchFamily="34" charset="0"/>
+              </a:rPr>
+              <a:t>etc</a:t>
+            </a:r>
+            <a:r>
+              <a:rPr lang="fr-FR" sz="2400" dirty="0">
+                <a:latin typeface="Arial" pitchFamily="34" charset="0"/>
+                <a:cs typeface="Arial" pitchFamily="34" charset="0"/>
+              </a:rPr>
+              <a:t> </a:t>
+            </a:r>
+            <a:r>
+              <a:rPr lang="fr-FR" sz="2400" dirty="0" smtClean="0">
+                <a:latin typeface="Arial" pitchFamily="34" charset="0"/>
+                <a:cs typeface="Arial" pitchFamily="34" charset="0"/>
+              </a:rPr>
+              <a:t>…</a:t>
+            </a:r>
+            <a:endParaRPr lang="fr-FR" sz="2400" dirty="0" smtClean="0">
+              <a:latin typeface="Arial" pitchFamily="34" charset="0"/>
+              <a:cs typeface="Arial" pitchFamily="34" charset="0"/>
+            </a:endParaRPr>
+          </a:p>
+          <a:p>
+            <a:pPr marL="514350" indent="-514350">
+              <a:buFont typeface="+mj-lt"/>
+              <a:buAutoNum type="arabicPeriod"/>
+            </a:pPr>
+            <a:r>
+              <a:rPr lang="fr-FR" sz="2400" dirty="0" smtClean="0">
+                <a:latin typeface="Arial" pitchFamily="34" charset="0"/>
+                <a:cs typeface="Arial" pitchFamily="34" charset="0"/>
+              </a:rPr>
+              <a:t>Quizz</a:t>
+            </a:r>
+            <a:endParaRPr lang="fr-FR" sz="2400" dirty="0" smtClean="0">
+              <a:latin typeface="Arial" pitchFamily="34" charset="0"/>
+              <a:cs typeface="Arial" pitchFamily="34" charset="0"/>
+            </a:endParaRPr>
+          </a:p>
+        </p:txBody>
+      </p:sp>
     </p:spTree>
     <p:extLst>
       <p:ext uri="{BB962C8B-B14F-4D97-AF65-F5344CB8AC3E}">
-        <p14:creationId xmlns="" xmlns:p14="http://schemas.microsoft.com/office/powerpoint/2010/main" val="1012770741"/>
+        <p14:creationId xmlns:p14="http://schemas.microsoft.com/office/powerpoint/2010/main" val="3930669188"/>
       </p:ext>
     </p:extLst>
   </p:cSld>
@@ -6570,11 +7469,7 @@
           <a:p>
             <a:r>
               <a:rPr lang="fr-FR" dirty="0" smtClean="0"/>
-              <a:t>Sensibilité et </a:t>
-            </a:r>
-            <a:r>
-              <a:rPr lang="fr-FR" dirty="0" err="1" smtClean="0"/>
-              <a:t>duration</a:t>
+              <a:t>Mensualité d’un prêt à taux fixe.</a:t>
             </a:r>
             <a:endParaRPr lang="fr-FR" dirty="0"/>
           </a:p>
@@ -6600,15 +7495,31 @@
             </a:pPr>
             <a:r>
               <a:rPr lang="fr-FR" dirty="0" smtClean="0"/>
-              <a:t>Quelle est la sensibilité (pour 1 </a:t>
-            </a:r>
-            <a:r>
-              <a:rPr lang="fr-FR" dirty="0" err="1" smtClean="0"/>
-              <a:t>bp</a:t>
-            </a:r>
-            <a:r>
-              <a:rPr lang="fr-FR" dirty="0" smtClean="0"/>
-              <a:t>) d’un swap payeur de taux fixe  10 ans de nominal 100 millions d’euros:</a:t>
+              <a:t>On souhaite emprunter </a:t>
+            </a:r>
+            <a:r>
+              <a:rPr lang="fr-FR" b="1" dirty="0" smtClean="0"/>
+              <a:t>120 000 euros </a:t>
+            </a:r>
+            <a:r>
+              <a:rPr lang="fr-FR" dirty="0" smtClean="0"/>
+              <a:t>pendant </a:t>
+            </a:r>
+            <a:r>
+              <a:rPr lang="fr-FR" b="1" dirty="0" smtClean="0"/>
+              <a:t>10 ans </a:t>
+            </a:r>
+            <a:r>
+              <a:rPr lang="fr-FR" dirty="0" smtClean="0"/>
+              <a:t>à un taux de </a:t>
+            </a:r>
+            <a:r>
+              <a:rPr lang="fr-FR" b="1" dirty="0" smtClean="0"/>
+              <a:t>1%</a:t>
+            </a:r>
+            <a:r>
+              <a:rPr lang="fr-FR" dirty="0" smtClean="0"/>
+              <a:t>. Quelle est la mensualité?</a:t>
             </a:r>
           </a:p>
           <a:p>
@@ -6618,21 +7529,8 @@
             </a:pPr>
             <a:r>
               <a:rPr lang="fr-FR" dirty="0" smtClean="0"/>
-              <a:t>9.5 </a:t>
-            </a:r>
-            <a:r>
-              <a:rPr lang="fr-FR" dirty="0" err="1" smtClean="0"/>
-              <a:t>kEUR</a:t>
-            </a:r>
-            <a:r>
-              <a:rPr lang="fr-FR" dirty="0" smtClean="0"/>
-              <a:t>/</a:t>
-            </a:r>
-            <a:r>
-              <a:rPr lang="fr-FR" dirty="0" err="1" smtClean="0"/>
-              <a:t>bp</a:t>
-            </a:r>
-            <a:endParaRPr lang="fr-FR" dirty="0" smtClean="0"/>
+              <a:t>950 euros.</a:t>
+            </a:r>
           </a:p>
           <a:p>
             <a:pPr marL="514350" indent="-514350">
@@ -6641,21 +7539,8 @@
             </a:pPr>
             <a:r>
               <a:rPr lang="fr-FR" dirty="0" smtClean="0"/>
-              <a:t>95 </a:t>
-            </a:r>
-            <a:r>
-              <a:rPr lang="fr-FR" dirty="0" err="1" smtClean="0"/>
-              <a:t>kEUR</a:t>
-            </a:r>
-            <a:r>
-              <a:rPr lang="fr-FR" dirty="0" smtClean="0"/>
-              <a:t>/</a:t>
-            </a:r>
-            <a:r>
-              <a:rPr lang="fr-FR" dirty="0" err="1" smtClean="0"/>
-              <a:t>bp</a:t>
-            </a:r>
-            <a:endParaRPr lang="fr-FR" dirty="0" smtClean="0"/>
+              <a:t>1000 euros.</a:t>
+            </a:r>
           </a:p>
           <a:p>
             <a:pPr marL="514350" indent="-514350">
@@ -6664,21 +7549,8 @@
             </a:pPr>
             <a:r>
               <a:rPr lang="fr-FR" dirty="0" smtClean="0"/>
-              <a:t>-95 </a:t>
-            </a:r>
-            <a:r>
-              <a:rPr lang="fr-FR" dirty="0" err="1" smtClean="0"/>
-              <a:t>kEUR</a:t>
-            </a:r>
-            <a:r>
-              <a:rPr lang="fr-FR" dirty="0" smtClean="0"/>
-              <a:t>/</a:t>
-            </a:r>
-            <a:r>
-              <a:rPr lang="fr-FR" dirty="0" err="1" smtClean="0"/>
-              <a:t>bp</a:t>
-            </a:r>
-            <a:endParaRPr lang="fr-FR" dirty="0" smtClean="0"/>
+              <a:t>1050 euros.</a:t>
+            </a:r>
           </a:p>
           <a:p>
             <a:pPr marL="514350" indent="-514350">
@@ -6687,19 +7559,7 @@
             </a:pPr>
             <a:r>
               <a:rPr lang="fr-FR" dirty="0" smtClean="0"/>
-              <a:t>950 </a:t>
-            </a:r>
-            <a:r>
-              <a:rPr lang="fr-FR" dirty="0" err="1" smtClean="0"/>
-              <a:t>kEUR</a:t>
-            </a:r>
-            <a:r>
-              <a:rPr lang="fr-FR" dirty="0" smtClean="0"/>
-              <a:t>/</a:t>
-            </a:r>
-            <a:r>
-              <a:rPr lang="fr-FR" dirty="0" err="1" smtClean="0"/>
-              <a:t>bp</a:t>
+              <a:t>1100 euros. </a:t>
             </a:r>
             <a:endParaRPr lang="fr-FR" dirty="0"/>
           </a:p>
@@ -6721,6 +7581,306 @@
 </file>
 
 <file path=ppt/slides/slide7.xml><?xml version="1.0" encoding="utf-8"?>
+<p:sld xmlns:a="http://schemas.openxmlformats.org/drawingml/2006/main" xmlns:r="http://schemas.openxmlformats.org/officeDocument/2006/relationships" xmlns:p="http://schemas.openxmlformats.org/presentationml/2006/main">
+  <p:cSld>
+    <p:spTree>
+      <p:nvGrpSpPr>
+        <p:cNvPr id="1" name=""/>
+        <p:cNvGrpSpPr/>
+        <p:nvPr/>
+      </p:nvGrpSpPr>
+      <p:grpSpPr>
+        <a:xfrm>
+          <a:off x="0" y="0"/>
+          <a:ext cx="0" cy="0"/>
+          <a:chOff x="0" y="0"/>
+          <a:chExt cx="0" cy="0"/>
+        </a:xfrm>
+      </p:grpSpPr>
+      <p:sp>
+        <p:nvSpPr>
+          <p:cNvPr id="2" name="Title 1"/>
+          <p:cNvSpPr>
+            <a:spLocks noGrp="1"/>
+          </p:cNvSpPr>
+          <p:nvPr>
+            <p:ph type="title"/>
+          </p:nvPr>
+        </p:nvSpPr>
+        <p:spPr/>
+        <p:txBody>
+          <a:bodyPr>
+            <a:normAutofit fontScale="90000"/>
+          </a:bodyPr>
+          <a:lstStyle/>
+          <a:p>
+            <a:r>
+              <a:rPr lang="fr-FR" dirty="0" smtClean="0"/>
+              <a:t>Répartition en nominal des dérivés par produits.</a:t>
+            </a:r>
+            <a:endParaRPr lang="en-GB" dirty="0"/>
+          </a:p>
+        </p:txBody>
+      </p:sp>
+      <p:pic>
+        <p:nvPicPr>
+          <p:cNvPr id="3" name="Picture 2"/>
+          <p:cNvPicPr>
+            <a:picLocks noChangeAspect="1" noChangeArrowheads="1"/>
+          </p:cNvPicPr>
+          <p:nvPr/>
+        </p:nvPicPr>
+        <p:blipFill>
+          <a:blip r:embed="rId2">
+            <a:extLst>
+              <a:ext uri="{28A0092B-C50C-407E-A947-70E740481C1C}">
+                <a14:useLocalDpi xmlns:a14="http://schemas.microsoft.com/office/drawing/2010/main" val="0"/>
+              </a:ext>
+            </a:extLst>
+          </a:blip>
+          <a:srcRect/>
+          <a:stretch>
+            <a:fillRect/>
+          </a:stretch>
+        </p:blipFill>
+        <p:spPr bwMode="auto">
+          <a:xfrm>
+            <a:off x="494185" y="1881563"/>
+            <a:ext cx="8005190" cy="3315357"/>
+          </a:xfrm>
+          <a:prstGeom prst="rect">
+            <a:avLst/>
+          </a:prstGeom>
+          <a:noFill/>
+          <a:ln>
+            <a:noFill/>
+          </a:ln>
+          <a:extLst>
+            <a:ext uri="{909E8E84-426E-40DD-AFC4-6F175D3DCCD1}">
+              <a14:hiddenFill xmlns:a14="http://schemas.microsoft.com/office/drawing/2010/main">
+                <a:solidFill>
+                  <a:schemeClr val="accent1"/>
+                </a:solidFill>
+              </a14:hiddenFill>
+            </a:ext>
+            <a:ext uri="{91240B29-F687-4F45-9708-019B960494DF}">
+              <a14:hiddenLine xmlns:a14="http://schemas.microsoft.com/office/drawing/2010/main" w="9525">
+                <a:solidFill>
+                  <a:schemeClr val="tx1"/>
+                </a:solidFill>
+                <a:miter lim="800000"/>
+                <a:headEnd/>
+                <a:tailEnd/>
+              </a14:hiddenLine>
+            </a:ext>
+          </a:extLst>
+        </p:spPr>
+      </p:pic>
+    </p:spTree>
+    <p:extLst>
+      <p:ext uri="{BB962C8B-B14F-4D97-AF65-F5344CB8AC3E}">
+        <p14:creationId xmlns:p14="http://schemas.microsoft.com/office/powerpoint/2010/main" val="1012770741"/>
+      </p:ext>
+    </p:extLst>
+  </p:cSld>
+  <p:clrMapOvr>
+    <a:masterClrMapping/>
+  </p:clrMapOvr>
+  <p:timing>
+    <p:tnLst>
+      <p:par>
+        <p:cTn id="1" dur="indefinite" restart="never" nodeType="tmRoot"/>
+      </p:par>
+    </p:tnLst>
+  </p:timing>
+</p:sld>
+</file>
+
+<file path=ppt/slides/slide8.xml><?xml version="1.0" encoding="utf-8"?>
+<p:sld xmlns:a="http://schemas.openxmlformats.org/drawingml/2006/main" xmlns:r="http://schemas.openxmlformats.org/officeDocument/2006/relationships" xmlns:p="http://schemas.openxmlformats.org/presentationml/2006/main">
+  <p:cSld>
+    <p:spTree>
+      <p:nvGrpSpPr>
+        <p:cNvPr id="1" name=""/>
+        <p:cNvGrpSpPr/>
+        <p:nvPr/>
+      </p:nvGrpSpPr>
+      <p:grpSpPr>
+        <a:xfrm>
+          <a:off x="0" y="0"/>
+          <a:ext cx="0" cy="0"/>
+          <a:chOff x="0" y="0"/>
+          <a:chExt cx="0" cy="0"/>
+        </a:xfrm>
+      </p:grpSpPr>
+      <p:sp>
+        <p:nvSpPr>
+          <p:cNvPr id="2" name="Titre 1"/>
+          <p:cNvSpPr>
+            <a:spLocks noGrp="1"/>
+          </p:cNvSpPr>
+          <p:nvPr>
+            <p:ph type="title"/>
+          </p:nvPr>
+        </p:nvSpPr>
+        <p:spPr/>
+        <p:txBody>
+          <a:bodyPr/>
+          <a:lstStyle/>
+          <a:p>
+            <a:r>
+              <a:rPr lang="fr-FR" dirty="0" smtClean="0"/>
+              <a:t>Sensibilité et </a:t>
+            </a:r>
+            <a:r>
+              <a:rPr lang="fr-FR" dirty="0" err="1" smtClean="0"/>
+              <a:t>duration</a:t>
+            </a:r>
+            <a:endParaRPr lang="fr-FR" dirty="0"/>
+          </a:p>
+        </p:txBody>
+      </p:sp>
+      <p:sp>
+        <p:nvSpPr>
+          <p:cNvPr id="3" name="Espace réservé du contenu 2"/>
+          <p:cNvSpPr>
+            <a:spLocks noGrp="1"/>
+          </p:cNvSpPr>
+          <p:nvPr>
+            <p:ph idx="1"/>
+          </p:nvPr>
+        </p:nvSpPr>
+        <p:spPr/>
+        <p:txBody>
+          <a:bodyPr/>
+          <a:lstStyle/>
+          <a:p>
+            <a:pPr>
+              <a:buNone/>
+            </a:pPr>
+            <a:r>
+              <a:rPr lang="fr-FR" dirty="0" smtClean="0"/>
+              <a:t>Quelle est la sensibilité (pour 1 </a:t>
+            </a:r>
+            <a:r>
+              <a:rPr lang="fr-FR" dirty="0" err="1" smtClean="0"/>
+              <a:t>bp</a:t>
+            </a:r>
+            <a:r>
+              <a:rPr lang="fr-FR" dirty="0" smtClean="0"/>
+              <a:t>) d’un swap payeur de taux fixe  10 ans de nominal 100 millions d’euros:</a:t>
+            </a:r>
+          </a:p>
+          <a:p>
+            <a:pPr marL="514350" indent="-514350">
+              <a:buFont typeface="+mj-lt"/>
+              <a:buAutoNum type="arabicPeriod"/>
+            </a:pPr>
+            <a:r>
+              <a:rPr lang="fr-FR" dirty="0" smtClean="0"/>
+              <a:t>9.5 </a:t>
+            </a:r>
+            <a:r>
+              <a:rPr lang="fr-FR" dirty="0" err="1" smtClean="0"/>
+              <a:t>kEUR</a:t>
+            </a:r>
+            <a:r>
+              <a:rPr lang="fr-FR" dirty="0" smtClean="0"/>
+              <a:t>/</a:t>
+            </a:r>
+            <a:r>
+              <a:rPr lang="fr-FR" dirty="0" err="1" smtClean="0"/>
+              <a:t>bp</a:t>
+            </a:r>
+            <a:endParaRPr lang="fr-FR" dirty="0" smtClean="0"/>
+          </a:p>
+          <a:p>
+            <a:pPr marL="514350" indent="-514350">
+              <a:buFont typeface="+mj-lt"/>
+              <a:buAutoNum type="arabicPeriod"/>
+            </a:pPr>
+            <a:r>
+              <a:rPr lang="fr-FR" dirty="0" smtClean="0"/>
+              <a:t>95 </a:t>
+            </a:r>
+            <a:r>
+              <a:rPr lang="fr-FR" dirty="0" err="1" smtClean="0"/>
+              <a:t>kEUR</a:t>
+            </a:r>
+            <a:r>
+              <a:rPr lang="fr-FR" dirty="0" smtClean="0"/>
+              <a:t>/</a:t>
+            </a:r>
+            <a:r>
+              <a:rPr lang="fr-FR" dirty="0" err="1" smtClean="0"/>
+              <a:t>bp</a:t>
+            </a:r>
+            <a:endParaRPr lang="fr-FR" dirty="0" smtClean="0"/>
+          </a:p>
+          <a:p>
+            <a:pPr marL="514350" indent="-514350">
+              <a:buFont typeface="+mj-lt"/>
+              <a:buAutoNum type="arabicPeriod"/>
+            </a:pPr>
+            <a:r>
+              <a:rPr lang="fr-FR" dirty="0" smtClean="0"/>
+              <a:t>-95 </a:t>
+            </a:r>
+            <a:r>
+              <a:rPr lang="fr-FR" dirty="0" err="1" smtClean="0"/>
+              <a:t>kEUR</a:t>
+            </a:r>
+            <a:r>
+              <a:rPr lang="fr-FR" dirty="0" smtClean="0"/>
+              <a:t>/</a:t>
+            </a:r>
+            <a:r>
+              <a:rPr lang="fr-FR" dirty="0" err="1" smtClean="0"/>
+              <a:t>bp</a:t>
+            </a:r>
+            <a:endParaRPr lang="fr-FR" dirty="0" smtClean="0"/>
+          </a:p>
+          <a:p>
+            <a:pPr marL="514350" indent="-514350">
+              <a:buFont typeface="+mj-lt"/>
+              <a:buAutoNum type="arabicPeriod"/>
+            </a:pPr>
+            <a:r>
+              <a:rPr lang="fr-FR" dirty="0" smtClean="0"/>
+              <a:t>950 </a:t>
+            </a:r>
+            <a:r>
+              <a:rPr lang="fr-FR" dirty="0" err="1" smtClean="0"/>
+              <a:t>kEUR</a:t>
+            </a:r>
+            <a:r>
+              <a:rPr lang="fr-FR" dirty="0" smtClean="0"/>
+              <a:t>/</a:t>
+            </a:r>
+            <a:r>
+              <a:rPr lang="fr-FR" dirty="0" err="1" smtClean="0"/>
+              <a:t>bp</a:t>
+            </a:r>
+            <a:endParaRPr lang="fr-FR" dirty="0"/>
+          </a:p>
+        </p:txBody>
+      </p:sp>
+    </p:spTree>
+  </p:cSld>
+  <p:clrMapOvr>
+    <a:masterClrMapping/>
+  </p:clrMapOvr>
+  <p:timing>
+    <p:tnLst>
+      <p:par>
+        <p:cTn id="1" dur="indefinite" restart="never" nodeType="tmRoot"/>
+      </p:par>
+    </p:tnLst>
+  </p:timing>
+</p:sld>
+</file>
+
+<file path=ppt/slides/slide9.xml><?xml version="1.0" encoding="utf-8"?>
 <p:sld xmlns:a="http://schemas.openxmlformats.org/drawingml/2006/main" xmlns:r="http://schemas.openxmlformats.org/officeDocument/2006/relationships" xmlns:p="http://schemas.openxmlformats.org/presentationml/2006/main">
   <p:cSld>
     <p:spTree>
@@ -6755,118 +7915,6 @@
           <a:xfrm>
             <a:off x="1123950" y="271462"/>
             <a:ext cx="6896100" cy="6315075"/>
-          </a:xfrm>
-          <a:prstGeom prst="rect">
-            <a:avLst/>
-          </a:prstGeom>
-        </p:spPr>
-      </p:pic>
-    </p:spTree>
-  </p:cSld>
-  <p:clrMapOvr>
-    <a:masterClrMapping/>
-  </p:clrMapOvr>
-  <p:timing>
-    <p:tnLst>
-      <p:par>
-        <p:cTn id="1" dur="indefinite" restart="never" nodeType="tmRoot"/>
-      </p:par>
-    </p:tnLst>
-  </p:timing>
-</p:sld>
-</file>
-
-<file path=ppt/slides/slide8.xml><?xml version="1.0" encoding="utf-8"?>
-<p:sld xmlns:a="http://schemas.openxmlformats.org/drawingml/2006/main" xmlns:r="http://schemas.openxmlformats.org/officeDocument/2006/relationships" xmlns:p="http://schemas.openxmlformats.org/presentationml/2006/main">
-  <p:cSld>
-    <p:spTree>
-      <p:nvGrpSpPr>
-        <p:cNvPr id="1" name=""/>
-        <p:cNvGrpSpPr/>
-        <p:nvPr/>
-      </p:nvGrpSpPr>
-      <p:grpSpPr>
-        <a:xfrm>
-          <a:off x="0" y="0"/>
-          <a:ext cx="0" cy="0"/>
-          <a:chOff x="0" y="0"/>
-          <a:chExt cx="0" cy="0"/>
-        </a:xfrm>
-      </p:grpSpPr>
-      <p:pic>
-        <p:nvPicPr>
-          <p:cNvPr id="2" name="Image 1" descr="SwapHedge1.jpg"/>
-          <p:cNvPicPr>
-            <a:picLocks noChangeAspect="1"/>
-          </p:cNvPicPr>
-          <p:nvPr/>
-        </p:nvPicPr>
-        <p:blipFill>
-          <a:blip r:embed="rId2" cstate="print"/>
-          <a:stretch>
-            <a:fillRect/>
-          </a:stretch>
-        </p:blipFill>
-        <p:spPr>
-          <a:xfrm>
-            <a:off x="884903" y="0"/>
-            <a:ext cx="7374194" cy="6858000"/>
-          </a:xfrm>
-          <a:prstGeom prst="rect">
-            <a:avLst/>
-          </a:prstGeom>
-        </p:spPr>
-      </p:pic>
-    </p:spTree>
-  </p:cSld>
-  <p:clrMapOvr>
-    <a:masterClrMapping/>
-  </p:clrMapOvr>
-  <p:timing>
-    <p:tnLst>
-      <p:par>
-        <p:cTn id="1" dur="indefinite" restart="never" nodeType="tmRoot"/>
-      </p:par>
-    </p:tnLst>
-  </p:timing>
-</p:sld>
-</file>
-
-<file path=ppt/slides/slide9.xml><?xml version="1.0" encoding="utf-8"?>
-<p:sld xmlns:a="http://schemas.openxmlformats.org/drawingml/2006/main" xmlns:r="http://schemas.openxmlformats.org/officeDocument/2006/relationships" xmlns:p="http://schemas.openxmlformats.org/presentationml/2006/main">
-  <p:cSld>
-    <p:spTree>
-      <p:nvGrpSpPr>
-        <p:cNvPr id="1" name=""/>
-        <p:cNvGrpSpPr/>
-        <p:nvPr/>
-      </p:nvGrpSpPr>
-      <p:grpSpPr>
-        <a:xfrm>
-          <a:off x="0" y="0"/>
-          <a:ext cx="0" cy="0"/>
-          <a:chOff x="0" y="0"/>
-          <a:chExt cx="0" cy="0"/>
-        </a:xfrm>
-      </p:grpSpPr>
-      <p:pic>
-        <p:nvPicPr>
-          <p:cNvPr id="2" name="Image 1" descr="SwapHedge2.jpg"/>
-          <p:cNvPicPr>
-            <a:picLocks noChangeAspect="1"/>
-          </p:cNvPicPr>
-          <p:nvPr/>
-        </p:nvPicPr>
-        <p:blipFill>
-          <a:blip r:embed="rId2" cstate="print"/>
-          <a:stretch>
-            <a:fillRect/>
-          </a:stretch>
-        </p:blipFill>
-        <p:spPr>
-          <a:xfrm>
-            <a:off x="884903" y="0"/>
-            <a:ext cx="7374194" cy="6858000"/>
           </a:xfrm>
           <a:prstGeom prst="rect">
             <a:avLst/>

--- a/CVA/CVA.pptx
+++ b/CVA/CVA.pptx
@@ -319,7 +319,7 @@
             <a:fld id="{0B35F1C1-72EE-453D-B9AF-AAD760D7B380}" type="datetimeFigureOut">
               <a:rPr lang="fr-FR" smtClean="0"/>
               <a:pPr/>
-              <a:t>02/12/2016</a:t>
+              <a:t>12/01/2017</a:t>
             </a:fld>
             <a:endParaRPr lang="fr-FR"/>
           </a:p>
@@ -486,7 +486,7 @@
             <a:fld id="{0B35F1C1-72EE-453D-B9AF-AAD760D7B380}" type="datetimeFigureOut">
               <a:rPr lang="fr-FR" smtClean="0"/>
               <a:pPr/>
-              <a:t>02/12/2016</a:t>
+              <a:t>12/01/2017</a:t>
             </a:fld>
             <a:endParaRPr lang="fr-FR"/>
           </a:p>
@@ -663,7 +663,7 @@
             <a:fld id="{0B35F1C1-72EE-453D-B9AF-AAD760D7B380}" type="datetimeFigureOut">
               <a:rPr lang="fr-FR" smtClean="0"/>
               <a:pPr/>
-              <a:t>02/12/2016</a:t>
+              <a:t>12/01/2017</a:t>
             </a:fld>
             <a:endParaRPr lang="fr-FR"/>
           </a:p>
@@ -830,7 +830,7 @@
             <a:fld id="{0B35F1C1-72EE-453D-B9AF-AAD760D7B380}" type="datetimeFigureOut">
               <a:rPr lang="fr-FR" smtClean="0"/>
               <a:pPr/>
-              <a:t>02/12/2016</a:t>
+              <a:t>12/01/2017</a:t>
             </a:fld>
             <a:endParaRPr lang="fr-FR"/>
           </a:p>
@@ -1073,7 +1073,7 @@
             <a:fld id="{0B35F1C1-72EE-453D-B9AF-AAD760D7B380}" type="datetimeFigureOut">
               <a:rPr lang="fr-FR" smtClean="0"/>
               <a:pPr/>
-              <a:t>02/12/2016</a:t>
+              <a:t>12/01/2017</a:t>
             </a:fld>
             <a:endParaRPr lang="fr-FR"/>
           </a:p>
@@ -1358,7 +1358,7 @@
             <a:fld id="{0B35F1C1-72EE-453D-B9AF-AAD760D7B380}" type="datetimeFigureOut">
               <a:rPr lang="fr-FR" smtClean="0"/>
               <a:pPr/>
-              <a:t>02/12/2016</a:t>
+              <a:t>12/01/2017</a:t>
             </a:fld>
             <a:endParaRPr lang="fr-FR"/>
           </a:p>
@@ -1777,7 +1777,7 @@
             <a:fld id="{0B35F1C1-72EE-453D-B9AF-AAD760D7B380}" type="datetimeFigureOut">
               <a:rPr lang="fr-FR" smtClean="0"/>
               <a:pPr/>
-              <a:t>02/12/2016</a:t>
+              <a:t>12/01/2017</a:t>
             </a:fld>
             <a:endParaRPr lang="fr-FR"/>
           </a:p>
@@ -1892,7 +1892,7 @@
             <a:fld id="{0B35F1C1-72EE-453D-B9AF-AAD760D7B380}" type="datetimeFigureOut">
               <a:rPr lang="fr-FR" smtClean="0"/>
               <a:pPr/>
-              <a:t>02/12/2016</a:t>
+              <a:t>12/01/2017</a:t>
             </a:fld>
             <a:endParaRPr lang="fr-FR"/>
           </a:p>
@@ -1984,7 +1984,7 @@
             <a:fld id="{0B35F1C1-72EE-453D-B9AF-AAD760D7B380}" type="datetimeFigureOut">
               <a:rPr lang="fr-FR" smtClean="0"/>
               <a:pPr/>
-              <a:t>02/12/2016</a:t>
+              <a:t>12/01/2017</a:t>
             </a:fld>
             <a:endParaRPr lang="fr-FR"/>
           </a:p>
@@ -2258,7 +2258,7 @@
             <a:fld id="{0B35F1C1-72EE-453D-B9AF-AAD760D7B380}" type="datetimeFigureOut">
               <a:rPr lang="fr-FR" smtClean="0"/>
               <a:pPr/>
-              <a:t>02/12/2016</a:t>
+              <a:t>12/01/2017</a:t>
             </a:fld>
             <a:endParaRPr lang="fr-FR"/>
           </a:p>
@@ -2508,7 +2508,7 @@
             <a:fld id="{0B35F1C1-72EE-453D-B9AF-AAD760D7B380}" type="datetimeFigureOut">
               <a:rPr lang="fr-FR" smtClean="0"/>
               <a:pPr/>
-              <a:t>02/12/2016</a:t>
+              <a:t>12/01/2017</a:t>
             </a:fld>
             <a:endParaRPr lang="fr-FR"/>
           </a:p>
@@ -2718,7 +2718,7 @@
             <a:fld id="{0B35F1C1-72EE-453D-B9AF-AAD760D7B380}" type="datetimeFigureOut">
               <a:rPr lang="fr-FR" smtClean="0"/>
               <a:pPr/>
-              <a:t>02/12/2016</a:t>
+              <a:t>12/01/2017</a:t>
             </a:fld>
             <a:endParaRPr lang="fr-FR"/>
           </a:p>
@@ -3154,15 +3154,7 @@
           <a:p>
             <a:r>
               <a:rPr lang="fr-FR" dirty="0" smtClean="0"/>
-              <a:t>5 et 6 </a:t>
-            </a:r>
-            <a:r>
-              <a:rPr lang="fr-FR" dirty="0" smtClean="0"/>
-              <a:t>Décembre </a:t>
-            </a:r>
-            <a:r>
-              <a:rPr lang="fr-FR" dirty="0" smtClean="0"/>
-              <a:t>2016</a:t>
+              <a:t>5 et 6 Décembre 2016</a:t>
             </a:r>
             <a:endParaRPr lang="fr-FR" dirty="0"/>
           </a:p>
@@ -3548,7 +3540,7 @@
           <a:blip r:embed="rId2">
             <a:extLst>
               <a:ext uri="{28A0092B-C50C-407E-A947-70E740481C1C}">
-                <a14:useLocalDpi xmlns:a14="http://schemas.microsoft.com/office/drawing/2010/main" val="0"/>
+                <a14:useLocalDpi xmlns:a14="http://schemas.microsoft.com/office/drawing/2010/main" xmlns="" val="0"/>
               </a:ext>
             </a:extLst>
           </a:blip>
@@ -3569,7 +3561,7 @@
     </p:spTree>
     <p:extLst>
       <p:ext uri="{BB962C8B-B14F-4D97-AF65-F5344CB8AC3E}">
-        <p14:creationId xmlns:p14="http://schemas.microsoft.com/office/powerpoint/2010/main" val="1958028056"/>
+        <p14:creationId xmlns:p14="http://schemas.microsoft.com/office/powerpoint/2010/main" xmlns="" val="1958028056"/>
       </p:ext>
     </p:extLst>
   </p:cSld>
@@ -3615,7 +3607,7 @@
           <a:blip r:embed="rId2">
             <a:extLst>
               <a:ext uri="{28A0092B-C50C-407E-A947-70E740481C1C}">
-                <a14:useLocalDpi xmlns:a14="http://schemas.microsoft.com/office/drawing/2010/main" val="0"/>
+                <a14:useLocalDpi xmlns:a14="http://schemas.microsoft.com/office/drawing/2010/main" xmlns="" val="0"/>
               </a:ext>
             </a:extLst>
           </a:blip>
@@ -3636,7 +3628,7 @@
     </p:spTree>
     <p:extLst>
       <p:ext uri="{BB962C8B-B14F-4D97-AF65-F5344CB8AC3E}">
-        <p14:creationId xmlns:p14="http://schemas.microsoft.com/office/powerpoint/2010/main" val="1483221737"/>
+        <p14:creationId xmlns:p14="http://schemas.microsoft.com/office/powerpoint/2010/main" xmlns="" val="1483221737"/>
       </p:ext>
     </p:extLst>
   </p:cSld>
@@ -3682,7 +3674,7 @@
           <a:blip r:embed="rId2">
             <a:extLst>
               <a:ext uri="{28A0092B-C50C-407E-A947-70E740481C1C}">
-                <a14:useLocalDpi xmlns:a14="http://schemas.microsoft.com/office/drawing/2010/main" val="0"/>
+                <a14:useLocalDpi xmlns:a14="http://schemas.microsoft.com/office/drawing/2010/main" xmlns="" val="0"/>
               </a:ext>
             </a:extLst>
           </a:blip>
@@ -3703,7 +3695,7 @@
     </p:spTree>
     <p:extLst>
       <p:ext uri="{BB962C8B-B14F-4D97-AF65-F5344CB8AC3E}">
-        <p14:creationId xmlns:p14="http://schemas.microsoft.com/office/powerpoint/2010/main" val="1206653643"/>
+        <p14:creationId xmlns:p14="http://schemas.microsoft.com/office/powerpoint/2010/main" xmlns="" val="1206653643"/>
       </p:ext>
     </p:extLst>
   </p:cSld>
@@ -3749,7 +3741,7 @@
           <a:blip r:embed="rId2">
             <a:extLst>
               <a:ext uri="{28A0092B-C50C-407E-A947-70E740481C1C}">
-                <a14:useLocalDpi xmlns:a14="http://schemas.microsoft.com/office/drawing/2010/main" val="0"/>
+                <a14:useLocalDpi xmlns:a14="http://schemas.microsoft.com/office/drawing/2010/main" xmlns="" val="0"/>
               </a:ext>
             </a:extLst>
           </a:blip>
@@ -3770,7 +3762,7 @@
     </p:spTree>
     <p:extLst>
       <p:ext uri="{BB962C8B-B14F-4D97-AF65-F5344CB8AC3E}">
-        <p14:creationId xmlns:p14="http://schemas.microsoft.com/office/powerpoint/2010/main" val="3428611354"/>
+        <p14:creationId xmlns:p14="http://schemas.microsoft.com/office/powerpoint/2010/main" xmlns="" val="3428611354"/>
       </p:ext>
     </p:extLst>
   </p:cSld>
@@ -3825,10 +3817,6 @@
               <a:rPr lang="fr-FR" dirty="0" smtClean="0"/>
               <a:t>Jour 1 - Matin  </a:t>
             </a:r>
-            <a:r>
-              <a:rPr lang="fr-FR" dirty="0" smtClean="0"/>
-              <a:t/>
-            </a:r>
             <a:br>
               <a:rPr lang="fr-FR" dirty="0" smtClean="0"/>
             </a:br>
@@ -3883,38 +3871,20 @@
                 <a:latin typeface="Arial" pitchFamily="34" charset="0"/>
                 <a:cs typeface="Arial" pitchFamily="34" charset="0"/>
               </a:rPr>
-              <a:t>Typologie des </a:t>
-            </a:r>
+              <a:t>Typologie des risques</a:t>
+            </a:r>
+          </a:p>
+          <a:p>
+            <a:pPr marL="514350" indent="-514350">
+              <a:buFont typeface="+mj-lt"/>
+              <a:buAutoNum type="arabicPeriod"/>
+            </a:pPr>
             <a:r>
               <a:rPr lang="fr-FR" sz="2400" dirty="0" smtClean="0">
                 <a:latin typeface="Arial" pitchFamily="34" charset="0"/>
                 <a:cs typeface="Arial" pitchFamily="34" charset="0"/>
               </a:rPr>
-              <a:t>risques</a:t>
-            </a:r>
-            <a:endParaRPr lang="fr-FR" sz="2400" dirty="0" smtClean="0">
-              <a:latin typeface="Arial" pitchFamily="34" charset="0"/>
-              <a:cs typeface="Arial" pitchFamily="34" charset="0"/>
-            </a:endParaRPr>
-          </a:p>
-          <a:p>
-            <a:pPr marL="514350" indent="-514350">
-              <a:buFont typeface="+mj-lt"/>
-              <a:buAutoNum type="arabicPeriod"/>
-            </a:pPr>
-            <a:r>
-              <a:rPr lang="fr-FR" sz="2400" dirty="0" smtClean="0">
-                <a:latin typeface="Arial" pitchFamily="34" charset="0"/>
-                <a:cs typeface="Arial" pitchFamily="34" charset="0"/>
-              </a:rPr>
-              <a:t>Swaps de taux et leur </a:t>
-            </a:r>
-            <a:r>
-              <a:rPr lang="fr-FR" sz="2400" dirty="0" smtClean="0">
-                <a:latin typeface="Arial" pitchFamily="34" charset="0"/>
-                <a:cs typeface="Arial" pitchFamily="34" charset="0"/>
-              </a:rPr>
-              <a:t>gestion</a:t>
+              <a:t>Swaps de taux et leur gestion</a:t>
             </a:r>
           </a:p>
           <a:p>
@@ -4059,7 +4029,7 @@
           <a:blip r:embed="rId2">
             <a:extLst>
               <a:ext uri="{28A0092B-C50C-407E-A947-70E740481C1C}">
-                <a14:useLocalDpi xmlns:a14="http://schemas.microsoft.com/office/drawing/2010/main" val="0"/>
+                <a14:useLocalDpi xmlns:a14="http://schemas.microsoft.com/office/drawing/2010/main" xmlns="" val="0"/>
               </a:ext>
             </a:extLst>
           </a:blip>
@@ -4082,14 +4052,14 @@
           </a:ln>
           <a:extLst>
             <a:ext uri="{909E8E84-426E-40DD-AFC4-6F175D3DCCD1}">
-              <a14:hiddenFill xmlns:a14="http://schemas.microsoft.com/office/drawing/2010/main">
+              <a14:hiddenFill xmlns:a14="http://schemas.microsoft.com/office/drawing/2010/main" xmlns="">
                 <a:solidFill>
                   <a:schemeClr val="accent1"/>
                 </a:solidFill>
               </a14:hiddenFill>
             </a:ext>
             <a:ext uri="{91240B29-F687-4F45-9708-019B960494DF}">
-              <a14:hiddenLine xmlns:a14="http://schemas.microsoft.com/office/drawing/2010/main" w="9525">
+              <a14:hiddenLine xmlns:a14="http://schemas.microsoft.com/office/drawing/2010/main" xmlns="" w="9525">
                 <a:solidFill>
                   <a:schemeClr val="tx1"/>
                 </a:solidFill>
@@ -4104,7 +4074,7 @@
     </p:spTree>
     <p:extLst>
       <p:ext uri="{BB962C8B-B14F-4D97-AF65-F5344CB8AC3E}">
-        <p14:creationId xmlns:p14="http://schemas.microsoft.com/office/powerpoint/2010/main" val="4158849644"/>
+        <p14:creationId xmlns:p14="http://schemas.microsoft.com/office/powerpoint/2010/main" xmlns="" val="4158849644"/>
       </p:ext>
     </p:extLst>
   </p:cSld>
@@ -4150,7 +4120,7 @@
           <a:blip r:embed="rId2">
             <a:extLst>
               <a:ext uri="{28A0092B-C50C-407E-A947-70E740481C1C}">
-                <a14:useLocalDpi xmlns:a14="http://schemas.microsoft.com/office/drawing/2010/main" val="0"/>
+                <a14:useLocalDpi xmlns:a14="http://schemas.microsoft.com/office/drawing/2010/main" xmlns="" val="0"/>
               </a:ext>
             </a:extLst>
           </a:blip>
@@ -4171,7 +4141,7 @@
     </p:spTree>
     <p:extLst>
       <p:ext uri="{BB962C8B-B14F-4D97-AF65-F5344CB8AC3E}">
-        <p14:creationId xmlns:p14="http://schemas.microsoft.com/office/powerpoint/2010/main" val="3616114210"/>
+        <p14:creationId xmlns:p14="http://schemas.microsoft.com/office/powerpoint/2010/main" xmlns="" val="3616114210"/>
       </p:ext>
     </p:extLst>
   </p:cSld>
@@ -4248,59 +4218,9 @@
         </p:xfrm>
         <a:graphic>
           <a:graphicData uri="http://schemas.openxmlformats.org/presentationml/2006/ole">
-            <mc:AlternateContent xmlns:mc="http://schemas.openxmlformats.org/markup-compatibility/2006">
-              <mc:Choice xmlns:v="urn:schemas-microsoft-com:vml" Requires="v">
-                <p:oleObj spid="_x0000_s1036" name="Équation" r:id="rId3" imgW="3708400" imgH="1320800" progId="Equation.3">
-                  <p:embed/>
-                </p:oleObj>
-              </mc:Choice>
-              <mc:Fallback>
-                <p:oleObj name="Équation" r:id="rId3" imgW="3708400" imgH="1320800" progId="Equation.3">
-                  <p:embed/>
-                  <p:pic>
-                    <p:nvPicPr>
-                      <p:cNvPr id="0" name="Picture 7"/>
-                      <p:cNvPicPr>
-                        <a:picLocks noGrp="1" noChangeAspect="1" noChangeArrowheads="1"/>
-                      </p:cNvPicPr>
-                      <p:nvPr/>
-                    </p:nvPicPr>
-                    <p:blipFill>
-                      <a:blip r:embed="rId4">
-                        <a:extLst>
-                          <a:ext uri="{28A0092B-C50C-407E-A947-70E740481C1C}">
-                            <a14:useLocalDpi xmlns:a14="http://schemas.microsoft.com/office/drawing/2010/main" val="0"/>
-                          </a:ext>
-                        </a:extLst>
-                      </a:blip>
-                      <a:srcRect/>
-                      <a:stretch>
-                        <a:fillRect/>
-                      </a:stretch>
-                    </p:blipFill>
-                    <p:spPr bwMode="auto">
-                      <a:xfrm>
-                        <a:off x="900113" y="1930400"/>
-                        <a:ext cx="8058150" cy="2870200"/>
-                      </a:xfrm>
-                      <a:prstGeom prst="rect">
-                        <a:avLst/>
-                      </a:prstGeom>
-                      <a:noFill/>
-                      <a:extLst>
-                        <a:ext uri="{909E8E84-426E-40DD-AFC4-6F175D3DCCD1}">
-                          <a14:hiddenFill xmlns:a14="http://schemas.microsoft.com/office/drawing/2010/main">
-                            <a:solidFill>
-                              <a:srgbClr val="FFFFFF"/>
-                            </a:solidFill>
-                          </a14:hiddenFill>
-                        </a:ext>
-                      </a:extLst>
-                    </p:spPr>
-                  </p:pic>
-                </p:oleObj>
-              </mc:Fallback>
-            </mc:AlternateContent>
+            <p:oleObj spid="_x0000_s1036" name="Équation" r:id="rId3" imgW="3708400" imgH="1320800" progId="Equation.3">
+              <p:embed/>
+            </p:oleObj>
           </a:graphicData>
         </a:graphic>
       </p:graphicFrame>
@@ -4375,59 +4295,9 @@
         </p:xfrm>
         <a:graphic>
           <a:graphicData uri="http://schemas.openxmlformats.org/presentationml/2006/ole">
-            <mc:AlternateContent xmlns:mc="http://schemas.openxmlformats.org/markup-compatibility/2006">
-              <mc:Choice xmlns:v="urn:schemas-microsoft-com:vml" Requires="v">
-                <p:oleObj spid="_x0000_s2060" name="Équation" r:id="rId3" imgW="3720960" imgH="1346040" progId="Equation.3">
-                  <p:embed/>
-                </p:oleObj>
-              </mc:Choice>
-              <mc:Fallback>
-                <p:oleObj name="Équation" r:id="rId3" imgW="3720960" imgH="1346040" progId="Equation.3">
-                  <p:embed/>
-                  <p:pic>
-                    <p:nvPicPr>
-                      <p:cNvPr id="0" name="Picture 7"/>
-                      <p:cNvPicPr>
-                        <a:picLocks noGrp="1" noChangeAspect="1" noChangeArrowheads="1"/>
-                      </p:cNvPicPr>
-                      <p:nvPr/>
-                    </p:nvPicPr>
-                    <p:blipFill>
-                      <a:blip r:embed="rId4">
-                        <a:extLst>
-                          <a:ext uri="{28A0092B-C50C-407E-A947-70E740481C1C}">
-                            <a14:useLocalDpi xmlns:a14="http://schemas.microsoft.com/office/drawing/2010/main" val="0"/>
-                          </a:ext>
-                        </a:extLst>
-                      </a:blip>
-                      <a:srcRect/>
-                      <a:stretch>
-                        <a:fillRect/>
-                      </a:stretch>
-                    </p:blipFill>
-                    <p:spPr bwMode="auto">
-                      <a:xfrm>
-                        <a:off x="596900" y="2147888"/>
-                        <a:ext cx="8064500" cy="2917825"/>
-                      </a:xfrm>
-                      <a:prstGeom prst="rect">
-                        <a:avLst/>
-                      </a:prstGeom>
-                      <a:noFill/>
-                      <a:extLst>
-                        <a:ext uri="{909E8E84-426E-40DD-AFC4-6F175D3DCCD1}">
-                          <a14:hiddenFill xmlns:a14="http://schemas.microsoft.com/office/drawing/2010/main">
-                            <a:solidFill>
-                              <a:srgbClr val="FFFFFF"/>
-                            </a:solidFill>
-                          </a14:hiddenFill>
-                        </a:ext>
-                      </a:extLst>
-                    </p:spPr>
-                  </p:pic>
-                </p:oleObj>
-              </mc:Fallback>
-            </mc:AlternateContent>
+            <p:oleObj spid="_x0000_s2060" name="Équation" r:id="rId3" imgW="3721100" imgH="1346200" progId="Equation.3">
+              <p:embed/>
+            </p:oleObj>
           </a:graphicData>
         </a:graphic>
       </p:graphicFrame>
@@ -4502,59 +4372,9 @@
         </p:xfrm>
         <a:graphic>
           <a:graphicData uri="http://schemas.openxmlformats.org/presentationml/2006/ole">
-            <mc:AlternateContent xmlns:mc="http://schemas.openxmlformats.org/markup-compatibility/2006">
-              <mc:Choice xmlns:v="urn:schemas-microsoft-com:vml" Requires="v">
-                <p:oleObj spid="_x0000_s28684" name="Équation" r:id="rId3" imgW="1384300" imgH="863600" progId="Equation.3">
-                  <p:embed/>
-                </p:oleObj>
-              </mc:Choice>
-              <mc:Fallback>
-                <p:oleObj name="Équation" r:id="rId3" imgW="1384300" imgH="863600" progId="Equation.3">
-                  <p:embed/>
-                  <p:pic>
-                    <p:nvPicPr>
-                      <p:cNvPr id="0" name="Picture 7"/>
-                      <p:cNvPicPr>
-                        <a:picLocks noGrp="1" noChangeAspect="1" noChangeArrowheads="1"/>
-                      </p:cNvPicPr>
-                      <p:nvPr/>
-                    </p:nvPicPr>
-                    <p:blipFill>
-                      <a:blip r:embed="rId4">
-                        <a:extLst>
-                          <a:ext uri="{28A0092B-C50C-407E-A947-70E740481C1C}">
-                            <a14:useLocalDpi xmlns:a14="http://schemas.microsoft.com/office/drawing/2010/main" val="0"/>
-                          </a:ext>
-                        </a:extLst>
-                      </a:blip>
-                      <a:srcRect/>
-                      <a:stretch>
-                        <a:fillRect/>
-                      </a:stretch>
-                    </p:blipFill>
-                    <p:spPr bwMode="auto">
-                      <a:xfrm>
-                        <a:off x="2214546" y="2071678"/>
-                        <a:ext cx="4938731" cy="3081383"/>
-                      </a:xfrm>
-                      <a:prstGeom prst="rect">
-                        <a:avLst/>
-                      </a:prstGeom>
-                      <a:noFill/>
-                      <a:extLst>
-                        <a:ext uri="{909E8E84-426E-40DD-AFC4-6F175D3DCCD1}">
-                          <a14:hiddenFill xmlns:a14="http://schemas.microsoft.com/office/drawing/2010/main">
-                            <a:solidFill>
-                              <a:srgbClr val="FFFFFF"/>
-                            </a:solidFill>
-                          </a14:hiddenFill>
-                        </a:ext>
-                      </a:extLst>
-                    </p:spPr>
-                  </p:pic>
-                </p:oleObj>
-              </mc:Fallback>
-            </mc:AlternateContent>
+            <p:oleObj spid="_x0000_s28684" name="Équation" r:id="rId3" imgW="1384300" imgH="863600" progId="Equation.3">
+              <p:embed/>
+            </p:oleObj>
           </a:graphicData>
         </a:graphic>
       </p:graphicFrame>
@@ -4629,59 +4449,9 @@
         </p:xfrm>
         <a:graphic>
           <a:graphicData uri="http://schemas.openxmlformats.org/presentationml/2006/ole">
-            <mc:AlternateContent xmlns:mc="http://schemas.openxmlformats.org/markup-compatibility/2006">
-              <mc:Choice xmlns:v="urn:schemas-microsoft-com:vml" Requires="v">
-                <p:oleObj spid="_x0000_s27660" name="Équation" r:id="rId3" imgW="4241800" imgH="2095500" progId="Equation.3">
-                  <p:embed/>
-                </p:oleObj>
-              </mc:Choice>
-              <mc:Fallback>
-                <p:oleObj name="Équation" r:id="rId3" imgW="4241800" imgH="2095500" progId="Equation.3">
-                  <p:embed/>
-                  <p:pic>
-                    <p:nvPicPr>
-                      <p:cNvPr id="0" name="Picture 7"/>
-                      <p:cNvPicPr>
-                        <a:picLocks noGrp="1" noChangeAspect="1" noChangeArrowheads="1"/>
-                      </p:cNvPicPr>
-                      <p:nvPr/>
-                    </p:nvPicPr>
-                    <p:blipFill>
-                      <a:blip r:embed="rId4">
-                        <a:extLst>
-                          <a:ext uri="{28A0092B-C50C-407E-A947-70E740481C1C}">
-                            <a14:useLocalDpi xmlns:a14="http://schemas.microsoft.com/office/drawing/2010/main" val="0"/>
-                          </a:ext>
-                        </a:extLst>
-                      </a:blip>
-                      <a:srcRect/>
-                      <a:stretch>
-                        <a:fillRect/>
-                      </a:stretch>
-                    </p:blipFill>
-                    <p:spPr bwMode="auto">
-                      <a:xfrm>
-                        <a:off x="428596" y="1714488"/>
-                        <a:ext cx="8241956" cy="4071966"/>
-                      </a:xfrm>
-                      <a:prstGeom prst="rect">
-                        <a:avLst/>
-                      </a:prstGeom>
-                      <a:noFill/>
-                      <a:extLst>
-                        <a:ext uri="{909E8E84-426E-40DD-AFC4-6F175D3DCCD1}">
-                          <a14:hiddenFill xmlns:a14="http://schemas.microsoft.com/office/drawing/2010/main">
-                            <a:solidFill>
-                              <a:srgbClr val="FFFFFF"/>
-                            </a:solidFill>
-                          </a14:hiddenFill>
-                        </a:ext>
-                      </a:extLst>
-                    </p:spPr>
-                  </p:pic>
-                </p:oleObj>
-              </mc:Fallback>
-            </mc:AlternateContent>
+            <p:oleObj spid="_x0000_s27660" name="Équation" r:id="rId3" imgW="4241800" imgH="2095500" progId="Equation.3">
+              <p:embed/>
+            </p:oleObj>
           </a:graphicData>
         </a:graphic>
       </p:graphicFrame>
@@ -4775,7 +4545,19 @@
             </a:pPr>
             <a:r>
               <a:rPr lang="fr-FR" dirty="0" smtClean="0"/>
-              <a:t>Quel est sont organisation ?</a:t>
+              <a:t>Quelle </a:t>
+            </a:r>
+            <a:r>
+              <a:rPr lang="fr-FR" dirty="0" smtClean="0"/>
+              <a:t>est </a:t>
+            </a:r>
+            <a:r>
+              <a:rPr lang="fr-FR" dirty="0" smtClean="0"/>
+              <a:t>son </a:t>
+            </a:r>
+            <a:r>
+              <a:rPr lang="fr-FR" dirty="0" smtClean="0"/>
+              <a:t>organisation ?</a:t>
             </a:r>
           </a:p>
           <a:p>
@@ -4785,7 +4567,19 @@
             </a:pPr>
             <a:r>
               <a:rPr lang="fr-FR" dirty="0" smtClean="0"/>
-              <a:t>Quels sont fonctionnalités de  son système informatique ?</a:t>
+              <a:t>Quelles </a:t>
+            </a:r>
+            <a:r>
+              <a:rPr lang="fr-FR" dirty="0" smtClean="0"/>
+              <a:t>sont </a:t>
+            </a:r>
+            <a:r>
+              <a:rPr lang="fr-FR" dirty="0" smtClean="0"/>
+              <a:t>les fonctionnalités </a:t>
+            </a:r>
+            <a:r>
+              <a:rPr lang="fr-FR" dirty="0" smtClean="0"/>
+              <a:t>de  son système informatique ?</a:t>
             </a:r>
           </a:p>
           <a:p>
@@ -4805,7 +4599,15 @@
             </a:pPr>
             <a:r>
               <a:rPr lang="fr-FR" dirty="0" smtClean="0"/>
-              <a:t>Quel sont ses interaction avec les autres services: Trading, Vente, BO, </a:t>
+              <a:t>Quel sont ses </a:t>
+            </a:r>
+            <a:r>
+              <a:rPr lang="fr-FR" dirty="0" smtClean="0"/>
+              <a:t>interactions </a:t>
+            </a:r>
+            <a:r>
+              <a:rPr lang="fr-FR" dirty="0" smtClean="0"/>
+              <a:t>avec les autres services: Trading, Vente, BO, </a:t>
             </a:r>
             <a:r>
               <a:rPr lang="fr-FR" dirty="0" err="1" smtClean="0"/>
@@ -4830,7 +4632,7 @@
     </p:spTree>
     <p:extLst>
       <p:ext uri="{BB962C8B-B14F-4D97-AF65-F5344CB8AC3E}">
-        <p14:creationId xmlns:p14="http://schemas.microsoft.com/office/powerpoint/2010/main" val="920934505"/>
+        <p14:creationId xmlns:p14="http://schemas.microsoft.com/office/powerpoint/2010/main" xmlns="" val="920934505"/>
       </p:ext>
     </p:extLst>
   </p:cSld>
@@ -5126,11 +4928,7 @@
             </a:pPr>
             <a:r>
               <a:rPr lang="fr-FR" dirty="0" smtClean="0"/>
-              <a:t>Le spread de la </a:t>
-            </a:r>
-            <a:r>
-              <a:rPr lang="fr-FR" dirty="0" smtClean="0"/>
-              <a:t>contrepartie</a:t>
+              <a:t>Le spread de la contrepartie</a:t>
             </a:r>
           </a:p>
           <a:p>
@@ -5387,7 +5185,7 @@
     </p:spTree>
     <p:extLst>
       <p:ext uri="{BB962C8B-B14F-4D97-AF65-F5344CB8AC3E}">
-        <p14:creationId xmlns:p14="http://schemas.microsoft.com/office/powerpoint/2010/main" val="1294119422"/>
+        <p14:creationId xmlns:p14="http://schemas.microsoft.com/office/powerpoint/2010/main" xmlns="" val="1294119422"/>
       </p:ext>
     </p:extLst>
   </p:cSld>
@@ -5687,13 +5485,16 @@
             </a:r>
             <a:r>
               <a:rPr lang="fr-FR" dirty="0" err="1" smtClean="0"/>
-              <a:t>sprea</a:t>
-            </a:r>
-            <a:r>
-              <a:rPr lang="fr-FR" dirty="0" smtClean="0"/>
-              <a:t> de la contrepartie</a:t>
-            </a:r>
-            <a:endParaRPr lang="fr-FR" dirty="0" smtClean="0"/>
+              <a:t>spread</a:t>
+            </a:r>
+            <a:r>
+              <a:rPr lang="fr-FR" dirty="0" smtClean="0"/>
+              <a:t> </a:t>
+            </a:r>
+            <a:r>
+              <a:rPr lang="fr-FR" dirty="0" smtClean="0"/>
+              <a:t>de la contrepartie</a:t>
+            </a:r>
           </a:p>
           <a:p>
             <a:pPr marL="514350" indent="-514350">
@@ -5949,7 +5750,7 @@
     </p:spTree>
     <p:extLst>
       <p:ext uri="{BB962C8B-B14F-4D97-AF65-F5344CB8AC3E}">
-        <p14:creationId xmlns:p14="http://schemas.microsoft.com/office/powerpoint/2010/main" val="429264092"/>
+        <p14:creationId xmlns:p14="http://schemas.microsoft.com/office/powerpoint/2010/main" xmlns="" val="429264092"/>
       </p:ext>
     </p:extLst>
   </p:cSld>
@@ -6279,7 +6080,7 @@
     </p:spTree>
     <p:extLst>
       <p:ext uri="{BB962C8B-B14F-4D97-AF65-F5344CB8AC3E}">
-        <p14:creationId xmlns:p14="http://schemas.microsoft.com/office/powerpoint/2010/main" val="2299358401"/>
+        <p14:creationId xmlns:p14="http://schemas.microsoft.com/office/powerpoint/2010/main" xmlns="" val="2299358401"/>
       </p:ext>
     </p:extLst>
   </p:cSld>
@@ -6332,15 +6133,7 @@
           <a:p>
             <a:r>
               <a:rPr lang="fr-FR" dirty="0" smtClean="0"/>
-              <a:t>Jour 1 - Après </a:t>
-            </a:r>
-            <a:r>
-              <a:rPr lang="fr-FR" dirty="0" smtClean="0"/>
-              <a:t>midi </a:t>
-            </a:r>
-            <a:r>
-              <a:rPr lang="fr-FR" dirty="0" smtClean="0"/>
-              <a:t/>
+              <a:t>Jour 1 - Après midi </a:t>
             </a:r>
             <a:br>
               <a:rPr lang="fr-FR" dirty="0" smtClean="0"/>
@@ -6390,10 +6183,6 @@
               </a:rPr>
               <a:t>CDS et modèle à intensité de défaut</a:t>
             </a:r>
-            <a:endParaRPr lang="fr-FR" sz="2400" dirty="0" smtClean="0">
-              <a:latin typeface="Arial" pitchFamily="34" charset="0"/>
-              <a:cs typeface="Arial" pitchFamily="34" charset="0"/>
-            </a:endParaRPr>
           </a:p>
           <a:p>
             <a:pPr marL="514350" indent="-514350">
@@ -6405,19 +6194,8 @@
                 <a:latin typeface="Arial" pitchFamily="34" charset="0"/>
                 <a:cs typeface="Arial" pitchFamily="34" charset="0"/>
               </a:rPr>
-              <a:t>Formule de la </a:t>
-            </a:r>
-            <a:r>
-              <a:rPr lang="fr-FR" sz="2400" dirty="0" smtClean="0">
-                <a:latin typeface="Arial" pitchFamily="34" charset="0"/>
-                <a:cs typeface="Arial" pitchFamily="34" charset="0"/>
-              </a:rPr>
-              <a:t>CVA unilatérale</a:t>
-            </a:r>
-            <a:endParaRPr lang="fr-FR" sz="2400" dirty="0" smtClean="0">
-              <a:latin typeface="Arial" pitchFamily="34" charset="0"/>
-              <a:cs typeface="Arial" pitchFamily="34" charset="0"/>
-            </a:endParaRPr>
+              <a:t>Formule de la CVA unilatérale</a:t>
+            </a:r>
           </a:p>
           <a:p>
             <a:pPr marL="514350" indent="-514350">
@@ -6455,10 +6233,6 @@
               </a:rPr>
               <a:t>Formule de la CVA bilatérale et la DVA</a:t>
             </a:r>
-            <a:endParaRPr lang="fr-FR" sz="2400" dirty="0" smtClean="0">
-              <a:latin typeface="Arial" pitchFamily="34" charset="0"/>
-              <a:cs typeface="Arial" pitchFamily="34" charset="0"/>
-            </a:endParaRPr>
           </a:p>
           <a:p>
             <a:pPr marL="514350" indent="-514350">
@@ -6472,10 +6246,6 @@
               </a:rPr>
               <a:t>Sensibilités et effet portefeuille</a:t>
             </a:r>
-            <a:endParaRPr lang="fr-FR" sz="2400" dirty="0" smtClean="0">
-              <a:latin typeface="Arial" pitchFamily="34" charset="0"/>
-              <a:cs typeface="Arial" pitchFamily="34" charset="0"/>
-            </a:endParaRPr>
           </a:p>
           <a:p>
             <a:pPr marL="514350" indent="-514350">
@@ -6810,7 +6580,7 @@
     </p:spTree>
     <p:extLst>
       <p:ext uri="{BB962C8B-B14F-4D97-AF65-F5344CB8AC3E}">
-        <p14:creationId xmlns:p14="http://schemas.microsoft.com/office/powerpoint/2010/main" val="504931267"/>
+        <p14:creationId xmlns:p14="http://schemas.microsoft.com/office/powerpoint/2010/main" xmlns="" val="504931267"/>
       </p:ext>
     </p:extLst>
   </p:cSld>
@@ -6881,7 +6651,7 @@
           <a:blip r:embed="rId2">
             <a:extLst>
               <a:ext uri="{28A0092B-C50C-407E-A947-70E740481C1C}">
-                <a14:useLocalDpi xmlns:a14="http://schemas.microsoft.com/office/drawing/2010/main" val="0"/>
+                <a14:useLocalDpi xmlns:a14="http://schemas.microsoft.com/office/drawing/2010/main" xmlns="" val="0"/>
               </a:ext>
             </a:extLst>
           </a:blip>
@@ -6901,7 +6671,7 @@
           <a:noFill/>
           <a:extLst>
             <a:ext uri="{909E8E84-426E-40DD-AFC4-6F175D3DCCD1}">
-              <a14:hiddenFill xmlns:a14="http://schemas.microsoft.com/office/drawing/2010/main">
+              <a14:hiddenFill xmlns:a14="http://schemas.microsoft.com/office/drawing/2010/main" xmlns="">
                 <a:solidFill>
                   <a:srgbClr val="FFFFFF"/>
                 </a:solidFill>
@@ -6946,7 +6716,7 @@
     </p:spTree>
     <p:extLst>
       <p:ext uri="{BB962C8B-B14F-4D97-AF65-F5344CB8AC3E}">
-        <p14:creationId xmlns:p14="http://schemas.microsoft.com/office/powerpoint/2010/main" val="1493361891"/>
+        <p14:creationId xmlns:p14="http://schemas.microsoft.com/office/powerpoint/2010/main" xmlns="" val="1493361891"/>
       </p:ext>
     </p:extLst>
   </p:cSld>
@@ -7001,10 +6771,6 @@
               <a:rPr lang="fr-FR" dirty="0" smtClean="0"/>
               <a:t>Jour 2 - Matin  </a:t>
             </a:r>
-            <a:r>
-              <a:rPr lang="fr-FR" dirty="0" smtClean="0"/>
-              <a:t/>
-            </a:r>
             <a:br>
               <a:rPr lang="fr-FR" dirty="0" smtClean="0"/>
             </a:br>
@@ -7064,10 +6830,6 @@
               </a:rPr>
               <a:t> de change et leur gestion</a:t>
             </a:r>
-            <a:endParaRPr lang="fr-FR" sz="2400" dirty="0" smtClean="0">
-              <a:latin typeface="Arial" pitchFamily="34" charset="0"/>
-              <a:cs typeface="Arial" pitchFamily="34" charset="0"/>
-            </a:endParaRPr>
           </a:p>
           <a:p>
             <a:pPr marL="514350" indent="-514350">
@@ -7163,7 +6925,7 @@
     </p:spTree>
     <p:extLst>
       <p:ext uri="{BB962C8B-B14F-4D97-AF65-F5344CB8AC3E}">
-        <p14:creationId xmlns:p14="http://schemas.microsoft.com/office/powerpoint/2010/main" val="2651763482"/>
+        <p14:creationId xmlns:p14="http://schemas.microsoft.com/office/powerpoint/2010/main" xmlns="" val="2651763482"/>
       </p:ext>
     </p:extLst>
   </p:cSld>
@@ -7216,15 +6978,7 @@
           <a:p>
             <a:r>
               <a:rPr lang="fr-FR" dirty="0" smtClean="0"/>
-              <a:t>Jour 2 - Après </a:t>
-            </a:r>
-            <a:r>
-              <a:rPr lang="fr-FR" dirty="0" smtClean="0"/>
-              <a:t>midi </a:t>
-            </a:r>
-            <a:r>
-              <a:rPr lang="fr-FR" dirty="0" smtClean="0"/>
-              <a:t/>
+              <a:t>Jour 2 - Après midi </a:t>
             </a:r>
             <a:br>
               <a:rPr lang="fr-FR" dirty="0" smtClean="0"/>
@@ -7288,10 +7042,6 @@
               </a:rPr>
               <a:t> : enjeux et organisation</a:t>
             </a:r>
-            <a:endParaRPr lang="fr-FR" sz="2400" dirty="0" smtClean="0">
-              <a:latin typeface="Arial" pitchFamily="34" charset="0"/>
-              <a:cs typeface="Arial" pitchFamily="34" charset="0"/>
-            </a:endParaRPr>
           </a:p>
           <a:p>
             <a:pPr marL="514350" indent="-514350">
@@ -7312,10 +7062,6 @@
               </a:rPr>
               <a:t> et réglementation : RWA CVA.</a:t>
             </a:r>
-            <a:endParaRPr lang="fr-FR" sz="2400" dirty="0" smtClean="0">
-              <a:latin typeface="Arial" pitchFamily="34" charset="0"/>
-              <a:cs typeface="Arial" pitchFamily="34" charset="0"/>
-            </a:endParaRPr>
           </a:p>
           <a:p>
             <a:pPr marL="514350" indent="-514350">
@@ -7391,10 +7137,6 @@
               </a:rPr>
               <a:t>…</a:t>
             </a:r>
-            <a:endParaRPr lang="fr-FR" sz="2400" dirty="0" smtClean="0">
-              <a:latin typeface="Arial" pitchFamily="34" charset="0"/>
-              <a:cs typeface="Arial" pitchFamily="34" charset="0"/>
-            </a:endParaRPr>
           </a:p>
           <a:p>
             <a:pPr marL="514350" indent="-514350">
@@ -7408,17 +7150,13 @@
               </a:rPr>
               <a:t>Quizz</a:t>
             </a:r>
-            <a:endParaRPr lang="fr-FR" sz="2400" dirty="0" smtClean="0">
-              <a:latin typeface="Arial" pitchFamily="34" charset="0"/>
-              <a:cs typeface="Arial" pitchFamily="34" charset="0"/>
-            </a:endParaRPr>
           </a:p>
         </p:txBody>
       </p:sp>
     </p:spTree>
     <p:extLst>
       <p:ext uri="{BB962C8B-B14F-4D97-AF65-F5344CB8AC3E}">
-        <p14:creationId xmlns:p14="http://schemas.microsoft.com/office/powerpoint/2010/main" val="3930669188"/>
+        <p14:creationId xmlns:p14="http://schemas.microsoft.com/office/powerpoint/2010/main" xmlns="" val="3930669188"/>
       </p:ext>
     </p:extLst>
   </p:cSld>
@@ -7634,7 +7372,7 @@
           <a:blip r:embed="rId2">
             <a:extLst>
               <a:ext uri="{28A0092B-C50C-407E-A947-70E740481C1C}">
-                <a14:useLocalDpi xmlns:a14="http://schemas.microsoft.com/office/drawing/2010/main" val="0"/>
+                <a14:useLocalDpi xmlns:a14="http://schemas.microsoft.com/office/drawing/2010/main" xmlns="" val="0"/>
               </a:ext>
             </a:extLst>
           </a:blip>
@@ -7657,14 +7395,14 @@
           </a:ln>
           <a:extLst>
             <a:ext uri="{909E8E84-426E-40DD-AFC4-6F175D3DCCD1}">
-              <a14:hiddenFill xmlns:a14="http://schemas.microsoft.com/office/drawing/2010/main">
+              <a14:hiddenFill xmlns:a14="http://schemas.microsoft.com/office/drawing/2010/main" xmlns="">
                 <a:solidFill>
                   <a:schemeClr val="accent1"/>
                 </a:solidFill>
               </a14:hiddenFill>
             </a:ext>
             <a:ext uri="{91240B29-F687-4F45-9708-019B960494DF}">
-              <a14:hiddenLine xmlns:a14="http://schemas.microsoft.com/office/drawing/2010/main" w="9525">
+              <a14:hiddenLine xmlns:a14="http://schemas.microsoft.com/office/drawing/2010/main" xmlns="" w="9525">
                 <a:solidFill>
                   <a:schemeClr val="tx1"/>
                 </a:solidFill>
@@ -7679,7 +7417,7 @@
     </p:spTree>
     <p:extLst>
       <p:ext uri="{BB962C8B-B14F-4D97-AF65-F5344CB8AC3E}">
-        <p14:creationId xmlns:p14="http://schemas.microsoft.com/office/powerpoint/2010/main" val="1012770741"/>
+        <p14:creationId xmlns:p14="http://schemas.microsoft.com/office/powerpoint/2010/main" xmlns="" val="1012770741"/>
       </p:ext>
     </p:extLst>
   </p:cSld>
